--- a/User Stories.pptx
+++ b/User Stories.pptx
@@ -40,6 +40,7 @@
     <p:sldId id="285" r:id="rId34"/>
     <p:sldId id="286" r:id="rId35"/>
     <p:sldId id="287" r:id="rId36"/>
+    <p:sldId id="288" r:id="rId37"/>
   </p:sldIdLst>
   <p:sldSz cy="6858000" cx="9906000"/>
   <p:notesSz cx="6858000" cy="9144000"/>
@@ -2811,6 +2812,46 @@
       <p:sp>
         <p:nvSpPr>
           <p:cNvPr id="406" name="Shape 406"/>
+          <p:cNvSpPr txBox="1"/>
+          <p:nvPr>
+            <p:ph idx="1" type="body"/>
+          </p:nvPr>
+        </p:nvSpPr>
+        <p:spPr>
+          <a:xfrm>
+            <a:off x="685800" y="4343400"/>
+            <a:ext cx="5486400" cy="4114800"/>
+          </a:xfrm>
+          <a:prstGeom prst="rect">
+            <a:avLst/>
+          </a:prstGeom>
+          <a:noFill/>
+          <a:ln>
+            <a:noFill/>
+          </a:ln>
+        </p:spPr>
+        <p:txBody>
+          <a:bodyPr anchorCtr="0" anchor="ctr" bIns="91425" lIns="91425" rIns="91425" tIns="91425">
+            <a:noAutofit/>
+          </a:bodyPr>
+          <a:lstStyle/>
+          <a:p>
+            <a:pPr lvl="0" rtl="0">
+              <a:spcBef>
+                <a:spcPts val="0"/>
+              </a:spcBef>
+              <a:buNone/>
+            </a:pPr>
+            <a:r>
+              <a:t/>
+            </a:r>
+            <a:endParaRPr/>
+          </a:p>
+        </p:txBody>
+      </p:sp>
+      <p:sp>
+        <p:nvSpPr>
+          <p:cNvPr id="407" name="Shape 407"/>
           <p:cNvSpPr/>
           <p:nvPr>
             <p:ph idx="2" type="sldImg"/>
@@ -2842,42 +2883,6 @@
           </a:custGeom>
         </p:spPr>
       </p:sp>
-      <p:sp>
-        <p:nvSpPr>
-          <p:cNvPr id="407" name="Shape 407"/>
-          <p:cNvSpPr txBox="1"/>
-          <p:nvPr>
-            <p:ph idx="1" type="body"/>
-          </p:nvPr>
-        </p:nvSpPr>
-        <p:spPr>
-          <a:xfrm>
-            <a:off x="685800" y="4343400"/>
-            <a:ext cx="5486400" cy="4114800"/>
-          </a:xfrm>
-          <a:prstGeom prst="rect">
-            <a:avLst/>
-          </a:prstGeom>
-        </p:spPr>
-        <p:txBody>
-          <a:bodyPr anchorCtr="0" anchor="t" bIns="91425" lIns="91425" rIns="91425" tIns="91425">
-            <a:noAutofit/>
-          </a:bodyPr>
-          <a:lstStyle/>
-          <a:p>
-            <a:pPr lvl="0">
-              <a:spcBef>
-                <a:spcPts val="0"/>
-              </a:spcBef>
-              <a:buNone/>
-            </a:pPr>
-            <a:r>
-              <a:t/>
-            </a:r>
-            <a:endParaRPr/>
-          </a:p>
-        </p:txBody>
-      </p:sp>
     </p:spTree>
   </p:cSld>
   <p:clrMapOvr>
@@ -2891,7 +2896,7 @@
   <p:cSld>
     <p:spTree>
       <p:nvGrpSpPr>
-        <p:cNvPr id="411" name="Shape 411"/>
+        <p:cNvPr id="416" name="Shape 416"/>
         <p:cNvGrpSpPr/>
         <p:nvPr/>
       </p:nvGrpSpPr>
@@ -2905,7 +2910,7 @@
       </p:grpSpPr>
       <p:sp>
         <p:nvSpPr>
-          <p:cNvPr id="412" name="Shape 412"/>
+          <p:cNvPr id="417" name="Shape 417"/>
           <p:cNvSpPr/>
           <p:nvPr>
             <p:ph idx="2" type="sldImg"/>
@@ -2939,7 +2944,102 @@
       </p:sp>
       <p:sp>
         <p:nvSpPr>
-          <p:cNvPr id="413" name="Shape 413"/>
+          <p:cNvPr id="418" name="Shape 418"/>
+          <p:cNvSpPr txBox="1"/>
+          <p:nvPr>
+            <p:ph idx="1" type="body"/>
+          </p:nvPr>
+        </p:nvSpPr>
+        <p:spPr>
+          <a:xfrm>
+            <a:off x="685800" y="4343400"/>
+            <a:ext cx="5486400" cy="4114800"/>
+          </a:xfrm>
+          <a:prstGeom prst="rect">
+            <a:avLst/>
+          </a:prstGeom>
+        </p:spPr>
+        <p:txBody>
+          <a:bodyPr anchorCtr="0" anchor="t" bIns="91425" lIns="91425" rIns="91425" tIns="91425">
+            <a:noAutofit/>
+          </a:bodyPr>
+          <a:lstStyle/>
+          <a:p>
+            <a:pPr lvl="0">
+              <a:spcBef>
+                <a:spcPts val="0"/>
+              </a:spcBef>
+              <a:buNone/>
+            </a:pPr>
+            <a:r>
+              <a:t/>
+            </a:r>
+            <a:endParaRPr/>
+          </a:p>
+        </p:txBody>
+      </p:sp>
+    </p:spTree>
+  </p:cSld>
+  <p:clrMapOvr>
+    <a:masterClrMapping/>
+  </p:clrMapOvr>
+</p:notes>
+</file>
+
+<file path=ppt/notesSlides/notesSlide33.xml><?xml version="1.0" encoding="utf-8"?>
+<p:notes xmlns:a="http://schemas.openxmlformats.org/drawingml/2006/main" xmlns:r="http://schemas.openxmlformats.org/officeDocument/2006/relationships" xmlns:mc="http://schemas.openxmlformats.org/markup-compatibility/2006" xmlns:mv="urn:schemas-microsoft-com:mac:vml" xmlns:p="http://schemas.openxmlformats.org/presentationml/2006/main" xmlns:c="http://schemas.openxmlformats.org/drawingml/2006/chart" xmlns:dgm="http://schemas.openxmlformats.org/drawingml/2006/diagram" xmlns:o="urn:schemas-microsoft-com:office:office" xmlns:v="urn:schemas-microsoft-com:vml" xmlns:pvml="urn:schemas-microsoft-com:office:powerpoint" xmlns:com="http://schemas.openxmlformats.org/drawingml/2006/compatibility" xmlns:p14="http://schemas.microsoft.com/office/powerpoint/2010/main" xmlns:p15="http://schemas.microsoft.com/office/powerpoint/2012/main" showMasterPhAnim="0" showMasterSp="0">
+  <p:cSld>
+    <p:spTree>
+      <p:nvGrpSpPr>
+        <p:cNvPr id="422" name="Shape 422"/>
+        <p:cNvGrpSpPr/>
+        <p:nvPr/>
+      </p:nvGrpSpPr>
+      <p:grpSpPr>
+        <a:xfrm>
+          <a:off x="0" y="0"/>
+          <a:ext cx="0" cy="0"/>
+          <a:chOff x="0" y="0"/>
+          <a:chExt cx="0" cy="0"/>
+        </a:xfrm>
+      </p:grpSpPr>
+      <p:sp>
+        <p:nvSpPr>
+          <p:cNvPr id="423" name="Shape 423"/>
+          <p:cNvSpPr/>
+          <p:nvPr>
+            <p:ph idx="2" type="sldImg"/>
+          </p:nvPr>
+        </p:nvSpPr>
+        <p:spPr>
+          <a:xfrm>
+            <a:off x="1143225" y="685800"/>
+            <a:ext cx="4572300" cy="3429000"/>
+          </a:xfrm>
+          <a:custGeom>
+            <a:pathLst>
+              <a:path extrusionOk="0" h="120000" w="120000">
+                <a:moveTo>
+                  <a:pt x="0" y="0"/>
+                </a:moveTo>
+                <a:lnTo>
+                  <a:pt x="120000" y="0"/>
+                </a:lnTo>
+                <a:lnTo>
+                  <a:pt x="120000" y="120000"/>
+                </a:lnTo>
+                <a:lnTo>
+                  <a:pt x="0" y="120000"/>
+                </a:lnTo>
+                <a:close/>
+              </a:path>
+            </a:pathLst>
+          </a:custGeom>
+        </p:spPr>
+      </p:sp>
+      <p:sp>
+        <p:nvSpPr>
+          <p:cNvPr id="424" name="Shape 424"/>
           <p:cNvSpPr txBox="1"/>
           <p:nvPr>
             <p:ph idx="1" type="body"/>
@@ -3723,7 +3823,12 @@
               <a:spcBef>
                 <a:spcPts val="640"/>
               </a:spcBef>
-              <a:buNone/>
+              <a:buClr>
+                <a:schemeClr val="dk1"/>
+              </a:buClr>
+              <a:buSzPct val="100000"/>
+              <a:buFont typeface="Arial"/>
+              <a:buChar char="•"/>
               <a:defRPr b="0" i="0" sz="3200" u="none" cap="none" strike="noStrike">
                 <a:solidFill>
                   <a:schemeClr val="dk1"/>
@@ -3738,7 +3843,12 @@
               <a:spcBef>
                 <a:spcPts val="560"/>
               </a:spcBef>
-              <a:buNone/>
+              <a:buClr>
+                <a:schemeClr val="dk1"/>
+              </a:buClr>
+              <a:buSzPct val="100000"/>
+              <a:buFont typeface="Arial"/>
+              <a:buChar char="–"/>
               <a:defRPr b="0" i="0" sz="2800" u="none" cap="none" strike="noStrike">
                 <a:solidFill>
                   <a:schemeClr val="dk1"/>
@@ -3753,7 +3863,12 @@
               <a:spcBef>
                 <a:spcPts val="480"/>
               </a:spcBef>
-              <a:buNone/>
+              <a:buClr>
+                <a:schemeClr val="dk1"/>
+              </a:buClr>
+              <a:buSzPct val="100000"/>
+              <a:buFont typeface="Arial"/>
+              <a:buChar char="•"/>
               <a:defRPr b="0" i="0" sz="2400" u="none" cap="none" strike="noStrike">
                 <a:solidFill>
                   <a:schemeClr val="dk1"/>
@@ -3768,7 +3883,12 @@
               <a:spcBef>
                 <a:spcPts val="400"/>
               </a:spcBef>
-              <a:buNone/>
+              <a:buClr>
+                <a:schemeClr val="dk1"/>
+              </a:buClr>
+              <a:buSzPct val="100000"/>
+              <a:buFont typeface="Arial"/>
+              <a:buChar char="–"/>
               <a:defRPr b="0" i="0" sz="2000" u="none" cap="none" strike="noStrike">
                 <a:solidFill>
                   <a:schemeClr val="dk1"/>
@@ -3783,7 +3903,12 @@
               <a:spcBef>
                 <a:spcPts val="400"/>
               </a:spcBef>
-              <a:buNone/>
+              <a:buClr>
+                <a:schemeClr val="dk1"/>
+              </a:buClr>
+              <a:buSzPct val="100000"/>
+              <a:buFont typeface="Arial"/>
+              <a:buChar char="»"/>
               <a:defRPr b="0" i="0" sz="2000" u="none" cap="none" strike="noStrike">
                 <a:solidFill>
                   <a:schemeClr val="dk1"/>
@@ -3798,7 +3923,12 @@
               <a:spcBef>
                 <a:spcPts val="400"/>
               </a:spcBef>
-              <a:buNone/>
+              <a:buClr>
+                <a:schemeClr val="dk1"/>
+              </a:buClr>
+              <a:buSzPct val="100000"/>
+              <a:buFont typeface="Arial"/>
+              <a:buChar char="•"/>
               <a:defRPr b="0" i="0" sz="2000" u="none" cap="none" strike="noStrike">
                 <a:solidFill>
                   <a:schemeClr val="dk1"/>
@@ -3813,7 +3943,12 @@
               <a:spcBef>
                 <a:spcPts val="400"/>
               </a:spcBef>
-              <a:buNone/>
+              <a:buClr>
+                <a:schemeClr val="dk1"/>
+              </a:buClr>
+              <a:buSzPct val="100000"/>
+              <a:buFont typeface="Arial"/>
+              <a:buChar char="•"/>
               <a:defRPr b="0" i="0" sz="2000" u="none" cap="none" strike="noStrike">
                 <a:solidFill>
                   <a:schemeClr val="dk1"/>
@@ -3828,7 +3963,12 @@
               <a:spcBef>
                 <a:spcPts val="400"/>
               </a:spcBef>
-              <a:buNone/>
+              <a:buClr>
+                <a:schemeClr val="dk1"/>
+              </a:buClr>
+              <a:buSzPct val="100000"/>
+              <a:buFont typeface="Arial"/>
+              <a:buChar char="•"/>
               <a:defRPr b="0" i="0" sz="2000" u="none" cap="none" strike="noStrike">
                 <a:solidFill>
                   <a:schemeClr val="dk1"/>
@@ -3843,7 +3983,12 @@
               <a:spcBef>
                 <a:spcPts val="400"/>
               </a:spcBef>
-              <a:buNone/>
+              <a:buClr>
+                <a:schemeClr val="dk1"/>
+              </a:buClr>
+              <a:buSzPct val="100000"/>
+              <a:buFont typeface="Arial"/>
+              <a:buChar char="•"/>
               <a:defRPr b="0" i="0" sz="2000" u="none" cap="none" strike="noStrike">
                 <a:solidFill>
                   <a:schemeClr val="dk1"/>
@@ -4389,7 +4534,12 @@
               <a:spcBef>
                 <a:spcPts val="640"/>
               </a:spcBef>
-              <a:buNone/>
+              <a:buClr>
+                <a:schemeClr val="dk1"/>
+              </a:buClr>
+              <a:buSzPct val="100000"/>
+              <a:buFont typeface="Arial"/>
+              <a:buChar char="•"/>
               <a:defRPr b="0" i="0" sz="3200" u="none" cap="none" strike="noStrike">
                 <a:solidFill>
                   <a:schemeClr val="dk1"/>
@@ -4404,7 +4554,12 @@
               <a:spcBef>
                 <a:spcPts val="560"/>
               </a:spcBef>
-              <a:buNone/>
+              <a:buClr>
+                <a:schemeClr val="dk1"/>
+              </a:buClr>
+              <a:buSzPct val="100000"/>
+              <a:buFont typeface="Arial"/>
+              <a:buChar char="–"/>
               <a:defRPr b="0" i="0" sz="2800" u="none" cap="none" strike="noStrike">
                 <a:solidFill>
                   <a:schemeClr val="dk1"/>
@@ -4419,7 +4574,12 @@
               <a:spcBef>
                 <a:spcPts val="480"/>
               </a:spcBef>
-              <a:buNone/>
+              <a:buClr>
+                <a:schemeClr val="dk1"/>
+              </a:buClr>
+              <a:buSzPct val="100000"/>
+              <a:buFont typeface="Arial"/>
+              <a:buChar char="•"/>
               <a:defRPr b="0" i="0" sz="2400" u="none" cap="none" strike="noStrike">
                 <a:solidFill>
                   <a:schemeClr val="dk1"/>
@@ -4434,7 +4594,12 @@
               <a:spcBef>
                 <a:spcPts val="400"/>
               </a:spcBef>
-              <a:buNone/>
+              <a:buClr>
+                <a:schemeClr val="dk1"/>
+              </a:buClr>
+              <a:buSzPct val="100000"/>
+              <a:buFont typeface="Arial"/>
+              <a:buChar char="–"/>
               <a:defRPr b="0" i="0" sz="2000" u="none" cap="none" strike="noStrike">
                 <a:solidFill>
                   <a:schemeClr val="dk1"/>
@@ -4449,7 +4614,12 @@
               <a:spcBef>
                 <a:spcPts val="400"/>
               </a:spcBef>
-              <a:buNone/>
+              <a:buClr>
+                <a:schemeClr val="dk1"/>
+              </a:buClr>
+              <a:buSzPct val="100000"/>
+              <a:buFont typeface="Arial"/>
+              <a:buChar char="»"/>
               <a:defRPr b="0" i="0" sz="2000" u="none" cap="none" strike="noStrike">
                 <a:solidFill>
                   <a:schemeClr val="dk1"/>
@@ -4464,7 +4634,12 @@
               <a:spcBef>
                 <a:spcPts val="400"/>
               </a:spcBef>
-              <a:buNone/>
+              <a:buClr>
+                <a:schemeClr val="dk1"/>
+              </a:buClr>
+              <a:buSzPct val="100000"/>
+              <a:buFont typeface="Arial"/>
+              <a:buChar char="•"/>
               <a:defRPr b="0" i="0" sz="2000" u="none" cap="none" strike="noStrike">
                 <a:solidFill>
                   <a:schemeClr val="dk1"/>
@@ -4479,7 +4654,12 @@
               <a:spcBef>
                 <a:spcPts val="400"/>
               </a:spcBef>
-              <a:buNone/>
+              <a:buClr>
+                <a:schemeClr val="dk1"/>
+              </a:buClr>
+              <a:buSzPct val="100000"/>
+              <a:buFont typeface="Arial"/>
+              <a:buChar char="•"/>
               <a:defRPr b="0" i="0" sz="2000" u="none" cap="none" strike="noStrike">
                 <a:solidFill>
                   <a:schemeClr val="dk1"/>
@@ -4494,7 +4674,12 @@
               <a:spcBef>
                 <a:spcPts val="400"/>
               </a:spcBef>
-              <a:buNone/>
+              <a:buClr>
+                <a:schemeClr val="dk1"/>
+              </a:buClr>
+              <a:buSzPct val="100000"/>
+              <a:buFont typeface="Arial"/>
+              <a:buChar char="•"/>
               <a:defRPr b="0" i="0" sz="2000" u="none" cap="none" strike="noStrike">
                 <a:solidFill>
                   <a:schemeClr val="dk1"/>
@@ -4509,7 +4694,12 @@
               <a:spcBef>
                 <a:spcPts val="400"/>
               </a:spcBef>
-              <a:buNone/>
+              <a:buClr>
+                <a:schemeClr val="dk1"/>
+              </a:buClr>
+              <a:buSzPct val="100000"/>
+              <a:buFont typeface="Arial"/>
+              <a:buChar char="•"/>
               <a:defRPr b="0" i="0" sz="2000" u="none" cap="none" strike="noStrike">
                 <a:solidFill>
                   <a:schemeClr val="dk1"/>
@@ -5055,7 +5245,12 @@
               <a:spcBef>
                 <a:spcPts val="640"/>
               </a:spcBef>
-              <a:buNone/>
+              <a:buClr>
+                <a:schemeClr val="dk1"/>
+              </a:buClr>
+              <a:buSzPct val="100000"/>
+              <a:buFont typeface="Arial"/>
+              <a:buChar char="•"/>
               <a:defRPr b="0" i="0" sz="3200" u="none" cap="none" strike="noStrike">
                 <a:solidFill>
                   <a:schemeClr val="dk1"/>
@@ -5070,7 +5265,12 @@
               <a:spcBef>
                 <a:spcPts val="560"/>
               </a:spcBef>
-              <a:buNone/>
+              <a:buClr>
+                <a:schemeClr val="dk1"/>
+              </a:buClr>
+              <a:buSzPct val="100000"/>
+              <a:buFont typeface="Arial"/>
+              <a:buChar char="–"/>
               <a:defRPr b="0" i="0" sz="2800" u="none" cap="none" strike="noStrike">
                 <a:solidFill>
                   <a:schemeClr val="dk1"/>
@@ -5085,7 +5285,12 @@
               <a:spcBef>
                 <a:spcPts val="480"/>
               </a:spcBef>
-              <a:buNone/>
+              <a:buClr>
+                <a:schemeClr val="dk1"/>
+              </a:buClr>
+              <a:buSzPct val="100000"/>
+              <a:buFont typeface="Arial"/>
+              <a:buChar char="•"/>
               <a:defRPr b="0" i="0" sz="2400" u="none" cap="none" strike="noStrike">
                 <a:solidFill>
                   <a:schemeClr val="dk1"/>
@@ -5100,7 +5305,12 @@
               <a:spcBef>
                 <a:spcPts val="400"/>
               </a:spcBef>
-              <a:buNone/>
+              <a:buClr>
+                <a:schemeClr val="dk1"/>
+              </a:buClr>
+              <a:buSzPct val="100000"/>
+              <a:buFont typeface="Arial"/>
+              <a:buChar char="–"/>
               <a:defRPr b="0" i="0" sz="2000" u="none" cap="none" strike="noStrike">
                 <a:solidFill>
                   <a:schemeClr val="dk1"/>
@@ -5115,7 +5325,12 @@
               <a:spcBef>
                 <a:spcPts val="400"/>
               </a:spcBef>
-              <a:buNone/>
+              <a:buClr>
+                <a:schemeClr val="dk1"/>
+              </a:buClr>
+              <a:buSzPct val="100000"/>
+              <a:buFont typeface="Arial"/>
+              <a:buChar char="»"/>
               <a:defRPr b="0" i="0" sz="2000" u="none" cap="none" strike="noStrike">
                 <a:solidFill>
                   <a:schemeClr val="dk1"/>
@@ -5130,7 +5345,12 @@
               <a:spcBef>
                 <a:spcPts val="400"/>
               </a:spcBef>
-              <a:buNone/>
+              <a:buClr>
+                <a:schemeClr val="dk1"/>
+              </a:buClr>
+              <a:buSzPct val="100000"/>
+              <a:buFont typeface="Arial"/>
+              <a:buChar char="•"/>
               <a:defRPr b="0" i="0" sz="2000" u="none" cap="none" strike="noStrike">
                 <a:solidFill>
                   <a:schemeClr val="dk1"/>
@@ -5145,7 +5365,12 @@
               <a:spcBef>
                 <a:spcPts val="400"/>
               </a:spcBef>
-              <a:buNone/>
+              <a:buClr>
+                <a:schemeClr val="dk1"/>
+              </a:buClr>
+              <a:buSzPct val="100000"/>
+              <a:buFont typeface="Arial"/>
+              <a:buChar char="•"/>
               <a:defRPr b="0" i="0" sz="2000" u="none" cap="none" strike="noStrike">
                 <a:solidFill>
                   <a:schemeClr val="dk1"/>
@@ -5160,7 +5385,12 @@
               <a:spcBef>
                 <a:spcPts val="400"/>
               </a:spcBef>
-              <a:buNone/>
+              <a:buClr>
+                <a:schemeClr val="dk1"/>
+              </a:buClr>
+              <a:buSzPct val="100000"/>
+              <a:buFont typeface="Arial"/>
+              <a:buChar char="•"/>
               <a:defRPr b="0" i="0" sz="2000" u="none" cap="none" strike="noStrike">
                 <a:solidFill>
                   <a:schemeClr val="dk1"/>
@@ -5175,7 +5405,12 @@
               <a:spcBef>
                 <a:spcPts val="400"/>
               </a:spcBef>
-              <a:buNone/>
+              <a:buClr>
+                <a:schemeClr val="dk1"/>
+              </a:buClr>
+              <a:buSzPct val="100000"/>
+              <a:buFont typeface="Arial"/>
+              <a:buChar char="•"/>
               <a:defRPr b="0" i="0" sz="2000" u="none" cap="none" strike="noStrike">
                 <a:solidFill>
                   <a:schemeClr val="dk1"/>
@@ -6427,7 +6662,7 @@
                 <a:srgbClr val="888888"/>
               </a:buClr>
               <a:buFont typeface="Arial"/>
-              <a:buChar char="●"/>
+              <a:buNone/>
               <a:defRPr b="0" i="0" sz="2000" u="none" cap="none" strike="noStrike">
                 <a:solidFill>
                   <a:srgbClr val="888888"/>
@@ -6446,7 +6681,7 @@
                 <a:srgbClr val="888888"/>
               </a:buClr>
               <a:buFont typeface="Arial"/>
-              <a:buChar char="○"/>
+              <a:buNone/>
               <a:defRPr b="0" i="0" sz="1800" u="none" cap="none" strike="noStrike">
                 <a:solidFill>
                   <a:srgbClr val="888888"/>
@@ -6465,7 +6700,7 @@
                 <a:srgbClr val="888888"/>
               </a:buClr>
               <a:buFont typeface="Arial"/>
-              <a:buChar char="■"/>
+              <a:buNone/>
               <a:defRPr b="0" i="0" sz="1600" u="none" cap="none" strike="noStrike">
                 <a:solidFill>
                   <a:srgbClr val="888888"/>
@@ -6484,7 +6719,7 @@
                 <a:srgbClr val="888888"/>
               </a:buClr>
               <a:buFont typeface="Arial"/>
-              <a:buChar char="●"/>
+              <a:buNone/>
               <a:defRPr b="0" i="0" sz="1400" u="none" cap="none" strike="noStrike">
                 <a:solidFill>
                   <a:srgbClr val="888888"/>
@@ -6503,7 +6738,7 @@
                 <a:srgbClr val="888888"/>
               </a:buClr>
               <a:buFont typeface="Arial"/>
-              <a:buChar char="○"/>
+              <a:buNone/>
               <a:defRPr b="0" i="0" sz="1400" u="none" cap="none" strike="noStrike">
                 <a:solidFill>
                   <a:srgbClr val="888888"/>
@@ -6522,7 +6757,7 @@
                 <a:srgbClr val="888888"/>
               </a:buClr>
               <a:buFont typeface="Arial"/>
-              <a:buChar char="■"/>
+              <a:buNone/>
               <a:defRPr b="0" i="0" sz="1400" u="none" cap="none" strike="noStrike">
                 <a:solidFill>
                   <a:srgbClr val="888888"/>
@@ -6541,7 +6776,7 @@
                 <a:srgbClr val="888888"/>
               </a:buClr>
               <a:buFont typeface="Arial"/>
-              <a:buChar char="●"/>
+              <a:buNone/>
               <a:defRPr b="0" i="0" sz="1400" u="none" cap="none" strike="noStrike">
                 <a:solidFill>
                   <a:srgbClr val="888888"/>
@@ -6560,7 +6795,7 @@
                 <a:srgbClr val="888888"/>
               </a:buClr>
               <a:buFont typeface="Arial"/>
-              <a:buChar char="○"/>
+              <a:buNone/>
               <a:defRPr b="0" i="0" sz="1400" u="none" cap="none" strike="noStrike">
                 <a:solidFill>
                   <a:srgbClr val="888888"/>
@@ -6579,7 +6814,7 @@
                 <a:srgbClr val="888888"/>
               </a:buClr>
               <a:buFont typeface="Arial"/>
-              <a:buChar char="■"/>
+              <a:buNone/>
               <a:defRPr b="0" i="0" sz="1400" u="none" cap="none" strike="noStrike">
                 <a:solidFill>
                   <a:srgbClr val="888888"/>
@@ -7125,7 +7360,12 @@
               <a:spcBef>
                 <a:spcPts val="560"/>
               </a:spcBef>
-              <a:buNone/>
+              <a:buClr>
+                <a:schemeClr val="dk1"/>
+              </a:buClr>
+              <a:buSzPct val="100000"/>
+              <a:buFont typeface="Arial"/>
+              <a:buChar char="•"/>
               <a:defRPr b="0" i="0" sz="2800" u="none" cap="none" strike="noStrike">
                 <a:solidFill>
                   <a:schemeClr val="dk1"/>
@@ -7140,7 +7380,12 @@
               <a:spcBef>
                 <a:spcPts val="480"/>
               </a:spcBef>
-              <a:buNone/>
+              <a:buClr>
+                <a:schemeClr val="dk1"/>
+              </a:buClr>
+              <a:buSzPct val="100000"/>
+              <a:buFont typeface="Arial"/>
+              <a:buChar char="–"/>
               <a:defRPr b="0" i="0" sz="2400" u="none" cap="none" strike="noStrike">
                 <a:solidFill>
                   <a:schemeClr val="dk1"/>
@@ -7155,7 +7400,12 @@
               <a:spcBef>
                 <a:spcPts val="400"/>
               </a:spcBef>
-              <a:buNone/>
+              <a:buClr>
+                <a:schemeClr val="dk1"/>
+              </a:buClr>
+              <a:buSzPct val="100000"/>
+              <a:buFont typeface="Arial"/>
+              <a:buChar char="•"/>
               <a:defRPr b="0" i="0" sz="2000" u="none" cap="none" strike="noStrike">
                 <a:solidFill>
                   <a:schemeClr val="dk1"/>
@@ -7170,7 +7420,12 @@
               <a:spcBef>
                 <a:spcPts val="360"/>
               </a:spcBef>
-              <a:buNone/>
+              <a:buClr>
+                <a:schemeClr val="dk1"/>
+              </a:buClr>
+              <a:buSzPct val="100000"/>
+              <a:buFont typeface="Arial"/>
+              <a:buChar char="–"/>
               <a:defRPr b="0" i="0" sz="1800" u="none" cap="none" strike="noStrike">
                 <a:solidFill>
                   <a:schemeClr val="dk1"/>
@@ -7185,7 +7440,12 @@
               <a:spcBef>
                 <a:spcPts val="360"/>
               </a:spcBef>
-              <a:buNone/>
+              <a:buClr>
+                <a:schemeClr val="dk1"/>
+              </a:buClr>
+              <a:buSzPct val="100000"/>
+              <a:buFont typeface="Arial"/>
+              <a:buChar char="»"/>
               <a:defRPr b="0" i="0" sz="1800" u="none" cap="none" strike="noStrike">
                 <a:solidFill>
                   <a:schemeClr val="dk1"/>
@@ -7200,7 +7460,12 @@
               <a:spcBef>
                 <a:spcPts val="360"/>
               </a:spcBef>
-              <a:buNone/>
+              <a:buClr>
+                <a:schemeClr val="dk1"/>
+              </a:buClr>
+              <a:buSzPct val="100000"/>
+              <a:buFont typeface="Arial"/>
+              <a:buChar char="•"/>
               <a:defRPr b="0" i="0" sz="1800" u="none" cap="none" strike="noStrike">
                 <a:solidFill>
                   <a:schemeClr val="dk1"/>
@@ -7215,7 +7480,12 @@
               <a:spcBef>
                 <a:spcPts val="360"/>
               </a:spcBef>
-              <a:buNone/>
+              <a:buClr>
+                <a:schemeClr val="dk1"/>
+              </a:buClr>
+              <a:buSzPct val="100000"/>
+              <a:buFont typeface="Arial"/>
+              <a:buChar char="•"/>
               <a:defRPr b="0" i="0" sz="1800" u="none" cap="none" strike="noStrike">
                 <a:solidFill>
                   <a:schemeClr val="dk1"/>
@@ -7230,7 +7500,12 @@
               <a:spcBef>
                 <a:spcPts val="360"/>
               </a:spcBef>
-              <a:buNone/>
+              <a:buClr>
+                <a:schemeClr val="dk1"/>
+              </a:buClr>
+              <a:buSzPct val="100000"/>
+              <a:buFont typeface="Arial"/>
+              <a:buChar char="•"/>
               <a:defRPr b="0" i="0" sz="1800" u="none" cap="none" strike="noStrike">
                 <a:solidFill>
                   <a:schemeClr val="dk1"/>
@@ -7245,7 +7520,12 @@
               <a:spcBef>
                 <a:spcPts val="360"/>
               </a:spcBef>
-              <a:buNone/>
+              <a:buClr>
+                <a:schemeClr val="dk1"/>
+              </a:buClr>
+              <a:buSzPct val="100000"/>
+              <a:buFont typeface="Arial"/>
+              <a:buChar char="•"/>
               <a:defRPr b="0" i="0" sz="1800" u="none" cap="none" strike="noStrike">
                 <a:solidFill>
                   <a:schemeClr val="dk1"/>
@@ -7288,7 +7568,12 @@
               <a:spcBef>
                 <a:spcPts val="560"/>
               </a:spcBef>
-              <a:buNone/>
+              <a:buClr>
+                <a:schemeClr val="dk1"/>
+              </a:buClr>
+              <a:buSzPct val="100000"/>
+              <a:buFont typeface="Arial"/>
+              <a:buChar char="•"/>
               <a:defRPr b="0" i="0" sz="2800" u="none" cap="none" strike="noStrike">
                 <a:solidFill>
                   <a:schemeClr val="dk1"/>
@@ -7303,7 +7588,12 @@
               <a:spcBef>
                 <a:spcPts val="480"/>
               </a:spcBef>
-              <a:buNone/>
+              <a:buClr>
+                <a:schemeClr val="dk1"/>
+              </a:buClr>
+              <a:buSzPct val="100000"/>
+              <a:buFont typeface="Arial"/>
+              <a:buChar char="–"/>
               <a:defRPr b="0" i="0" sz="2400" u="none" cap="none" strike="noStrike">
                 <a:solidFill>
                   <a:schemeClr val="dk1"/>
@@ -7318,7 +7608,12 @@
               <a:spcBef>
                 <a:spcPts val="400"/>
               </a:spcBef>
-              <a:buNone/>
+              <a:buClr>
+                <a:schemeClr val="dk1"/>
+              </a:buClr>
+              <a:buSzPct val="100000"/>
+              <a:buFont typeface="Arial"/>
+              <a:buChar char="•"/>
               <a:defRPr b="0" i="0" sz="2000" u="none" cap="none" strike="noStrike">
                 <a:solidFill>
                   <a:schemeClr val="dk1"/>
@@ -7333,7 +7628,12 @@
               <a:spcBef>
                 <a:spcPts val="360"/>
               </a:spcBef>
-              <a:buNone/>
+              <a:buClr>
+                <a:schemeClr val="dk1"/>
+              </a:buClr>
+              <a:buSzPct val="100000"/>
+              <a:buFont typeface="Arial"/>
+              <a:buChar char="–"/>
               <a:defRPr b="0" i="0" sz="1800" u="none" cap="none" strike="noStrike">
                 <a:solidFill>
                   <a:schemeClr val="dk1"/>
@@ -7348,7 +7648,12 @@
               <a:spcBef>
                 <a:spcPts val="360"/>
               </a:spcBef>
-              <a:buNone/>
+              <a:buClr>
+                <a:schemeClr val="dk1"/>
+              </a:buClr>
+              <a:buSzPct val="100000"/>
+              <a:buFont typeface="Arial"/>
+              <a:buChar char="»"/>
               <a:defRPr b="0" i="0" sz="1800" u="none" cap="none" strike="noStrike">
                 <a:solidFill>
                   <a:schemeClr val="dk1"/>
@@ -7363,7 +7668,12 @@
               <a:spcBef>
                 <a:spcPts val="360"/>
               </a:spcBef>
-              <a:buNone/>
+              <a:buClr>
+                <a:schemeClr val="dk1"/>
+              </a:buClr>
+              <a:buSzPct val="100000"/>
+              <a:buFont typeface="Arial"/>
+              <a:buChar char="•"/>
               <a:defRPr b="0" i="0" sz="1800" u="none" cap="none" strike="noStrike">
                 <a:solidFill>
                   <a:schemeClr val="dk1"/>
@@ -7378,7 +7688,12 @@
               <a:spcBef>
                 <a:spcPts val="360"/>
               </a:spcBef>
-              <a:buNone/>
+              <a:buClr>
+                <a:schemeClr val="dk1"/>
+              </a:buClr>
+              <a:buSzPct val="100000"/>
+              <a:buFont typeface="Arial"/>
+              <a:buChar char="•"/>
               <a:defRPr b="0" i="0" sz="1800" u="none" cap="none" strike="noStrike">
                 <a:solidFill>
                   <a:schemeClr val="dk1"/>
@@ -7393,7 +7708,12 @@
               <a:spcBef>
                 <a:spcPts val="360"/>
               </a:spcBef>
-              <a:buNone/>
+              <a:buClr>
+                <a:schemeClr val="dk1"/>
+              </a:buClr>
+              <a:buSzPct val="100000"/>
+              <a:buFont typeface="Arial"/>
+              <a:buChar char="•"/>
               <a:defRPr b="0" i="0" sz="1800" u="none" cap="none" strike="noStrike">
                 <a:solidFill>
                   <a:schemeClr val="dk1"/>
@@ -7408,7 +7728,12 @@
               <a:spcBef>
                 <a:spcPts val="360"/>
               </a:spcBef>
-              <a:buNone/>
+              <a:buClr>
+                <a:schemeClr val="dk1"/>
+              </a:buClr>
+              <a:buSzPct val="100000"/>
+              <a:buFont typeface="Arial"/>
+              <a:buChar char="•"/>
               <a:defRPr b="0" i="0" sz="1800" u="none" cap="none" strike="noStrike">
                 <a:solidFill>
                   <a:schemeClr val="dk1"/>
@@ -7958,7 +8283,7 @@
                 <a:schemeClr val="dk1"/>
               </a:buClr>
               <a:buFont typeface="Arial"/>
-              <a:buChar char="●"/>
+              <a:buNone/>
               <a:defRPr b="1" i="0" sz="2400" u="none" cap="none" strike="noStrike">
                 <a:solidFill>
                   <a:schemeClr val="dk1"/>
@@ -7977,7 +8302,7 @@
                 <a:schemeClr val="dk1"/>
               </a:buClr>
               <a:buFont typeface="Arial"/>
-              <a:buChar char="○"/>
+              <a:buNone/>
               <a:defRPr b="1" i="0" sz="2000" u="none" cap="none" strike="noStrike">
                 <a:solidFill>
                   <a:schemeClr val="dk1"/>
@@ -7996,7 +8321,7 @@
                 <a:schemeClr val="dk1"/>
               </a:buClr>
               <a:buFont typeface="Arial"/>
-              <a:buChar char="■"/>
+              <a:buNone/>
               <a:defRPr b="1" i="0" sz="1800" u="none" cap="none" strike="noStrike">
                 <a:solidFill>
                   <a:schemeClr val="dk1"/>
@@ -8015,7 +8340,7 @@
                 <a:schemeClr val="dk1"/>
               </a:buClr>
               <a:buFont typeface="Arial"/>
-              <a:buChar char="●"/>
+              <a:buNone/>
               <a:defRPr b="1" i="0" sz="1600" u="none" cap="none" strike="noStrike">
                 <a:solidFill>
                   <a:schemeClr val="dk1"/>
@@ -8034,7 +8359,7 @@
                 <a:schemeClr val="dk1"/>
               </a:buClr>
               <a:buFont typeface="Arial"/>
-              <a:buChar char="○"/>
+              <a:buNone/>
               <a:defRPr b="1" i="0" sz="1600" u="none" cap="none" strike="noStrike">
                 <a:solidFill>
                   <a:schemeClr val="dk1"/>
@@ -8053,7 +8378,7 @@
                 <a:schemeClr val="dk1"/>
               </a:buClr>
               <a:buFont typeface="Arial"/>
-              <a:buChar char="■"/>
+              <a:buNone/>
               <a:defRPr b="1" i="0" sz="1600" u="none" cap="none" strike="noStrike">
                 <a:solidFill>
                   <a:schemeClr val="dk1"/>
@@ -8072,7 +8397,7 @@
                 <a:schemeClr val="dk1"/>
               </a:buClr>
               <a:buFont typeface="Arial"/>
-              <a:buChar char="●"/>
+              <a:buNone/>
               <a:defRPr b="1" i="0" sz="1600" u="none" cap="none" strike="noStrike">
                 <a:solidFill>
                   <a:schemeClr val="dk1"/>
@@ -8091,7 +8416,7 @@
                 <a:schemeClr val="dk1"/>
               </a:buClr>
               <a:buFont typeface="Arial"/>
-              <a:buChar char="○"/>
+              <a:buNone/>
               <a:defRPr b="1" i="0" sz="1600" u="none" cap="none" strike="noStrike">
                 <a:solidFill>
                   <a:schemeClr val="dk1"/>
@@ -8110,7 +8435,7 @@
                 <a:schemeClr val="dk1"/>
               </a:buClr>
               <a:buFont typeface="Arial"/>
-              <a:buChar char="■"/>
+              <a:buNone/>
               <a:defRPr b="1" i="0" sz="1600" u="none" cap="none" strike="noStrike">
                 <a:solidFill>
                   <a:schemeClr val="dk1"/>
@@ -8153,7 +8478,12 @@
               <a:spcBef>
                 <a:spcPts val="480"/>
               </a:spcBef>
-              <a:buNone/>
+              <a:buClr>
+                <a:schemeClr val="dk1"/>
+              </a:buClr>
+              <a:buSzPct val="100000"/>
+              <a:buFont typeface="Arial"/>
+              <a:buChar char="•"/>
               <a:defRPr b="0" i="0" sz="2400" u="none" cap="none" strike="noStrike">
                 <a:solidFill>
                   <a:schemeClr val="dk1"/>
@@ -8168,7 +8498,12 @@
               <a:spcBef>
                 <a:spcPts val="400"/>
               </a:spcBef>
-              <a:buNone/>
+              <a:buClr>
+                <a:schemeClr val="dk1"/>
+              </a:buClr>
+              <a:buSzPct val="100000"/>
+              <a:buFont typeface="Arial"/>
+              <a:buChar char="–"/>
               <a:defRPr b="0" i="0" sz="2000" u="none" cap="none" strike="noStrike">
                 <a:solidFill>
                   <a:schemeClr val="dk1"/>
@@ -8183,7 +8518,12 @@
               <a:spcBef>
                 <a:spcPts val="360"/>
               </a:spcBef>
-              <a:buNone/>
+              <a:buClr>
+                <a:schemeClr val="dk1"/>
+              </a:buClr>
+              <a:buSzPct val="100000"/>
+              <a:buFont typeface="Arial"/>
+              <a:buChar char="•"/>
               <a:defRPr b="0" i="0" sz="1800" u="none" cap="none" strike="noStrike">
                 <a:solidFill>
                   <a:schemeClr val="dk1"/>
@@ -8198,7 +8538,12 @@
               <a:spcBef>
                 <a:spcPts val="320"/>
               </a:spcBef>
-              <a:buNone/>
+              <a:buClr>
+                <a:schemeClr val="dk1"/>
+              </a:buClr>
+              <a:buSzPct val="100000"/>
+              <a:buFont typeface="Arial"/>
+              <a:buChar char="–"/>
               <a:defRPr b="0" i="0" sz="1600" u="none" cap="none" strike="noStrike">
                 <a:solidFill>
                   <a:schemeClr val="dk1"/>
@@ -8213,7 +8558,12 @@
               <a:spcBef>
                 <a:spcPts val="320"/>
               </a:spcBef>
-              <a:buNone/>
+              <a:buClr>
+                <a:schemeClr val="dk1"/>
+              </a:buClr>
+              <a:buSzPct val="100000"/>
+              <a:buFont typeface="Arial"/>
+              <a:buChar char="»"/>
               <a:defRPr b="0" i="0" sz="1600" u="none" cap="none" strike="noStrike">
                 <a:solidFill>
                   <a:schemeClr val="dk1"/>
@@ -8228,7 +8578,12 @@
               <a:spcBef>
                 <a:spcPts val="320"/>
               </a:spcBef>
-              <a:buNone/>
+              <a:buClr>
+                <a:schemeClr val="dk1"/>
+              </a:buClr>
+              <a:buSzPct val="100000"/>
+              <a:buFont typeface="Arial"/>
+              <a:buChar char="•"/>
               <a:defRPr b="0" i="0" sz="1600" u="none" cap="none" strike="noStrike">
                 <a:solidFill>
                   <a:schemeClr val="dk1"/>
@@ -8243,7 +8598,12 @@
               <a:spcBef>
                 <a:spcPts val="320"/>
               </a:spcBef>
-              <a:buNone/>
+              <a:buClr>
+                <a:schemeClr val="dk1"/>
+              </a:buClr>
+              <a:buSzPct val="100000"/>
+              <a:buFont typeface="Arial"/>
+              <a:buChar char="•"/>
               <a:defRPr b="0" i="0" sz="1600" u="none" cap="none" strike="noStrike">
                 <a:solidFill>
                   <a:schemeClr val="dk1"/>
@@ -8258,7 +8618,12 @@
               <a:spcBef>
                 <a:spcPts val="320"/>
               </a:spcBef>
-              <a:buNone/>
+              <a:buClr>
+                <a:schemeClr val="dk1"/>
+              </a:buClr>
+              <a:buSzPct val="100000"/>
+              <a:buFont typeface="Arial"/>
+              <a:buChar char="•"/>
               <a:defRPr b="0" i="0" sz="1600" u="none" cap="none" strike="noStrike">
                 <a:solidFill>
                   <a:schemeClr val="dk1"/>
@@ -8273,7 +8638,12 @@
               <a:spcBef>
                 <a:spcPts val="320"/>
               </a:spcBef>
-              <a:buNone/>
+              <a:buClr>
+                <a:schemeClr val="dk1"/>
+              </a:buClr>
+              <a:buSzPct val="100000"/>
+              <a:buFont typeface="Arial"/>
+              <a:buChar char="•"/>
               <a:defRPr b="0" i="0" sz="1600" u="none" cap="none" strike="noStrike">
                 <a:solidFill>
                   <a:schemeClr val="dk1"/>
@@ -8320,7 +8690,7 @@
                 <a:schemeClr val="dk1"/>
               </a:buClr>
               <a:buFont typeface="Arial"/>
-              <a:buChar char="●"/>
+              <a:buNone/>
               <a:defRPr b="1" i="0" sz="2400" u="none" cap="none" strike="noStrike">
                 <a:solidFill>
                   <a:schemeClr val="dk1"/>
@@ -8339,7 +8709,7 @@
                 <a:schemeClr val="dk1"/>
               </a:buClr>
               <a:buFont typeface="Arial"/>
-              <a:buChar char="○"/>
+              <a:buNone/>
               <a:defRPr b="1" i="0" sz="2000" u="none" cap="none" strike="noStrike">
                 <a:solidFill>
                   <a:schemeClr val="dk1"/>
@@ -8358,7 +8728,7 @@
                 <a:schemeClr val="dk1"/>
               </a:buClr>
               <a:buFont typeface="Arial"/>
-              <a:buChar char="■"/>
+              <a:buNone/>
               <a:defRPr b="1" i="0" sz="1800" u="none" cap="none" strike="noStrike">
                 <a:solidFill>
                   <a:schemeClr val="dk1"/>
@@ -8377,7 +8747,7 @@
                 <a:schemeClr val="dk1"/>
               </a:buClr>
               <a:buFont typeface="Arial"/>
-              <a:buChar char="●"/>
+              <a:buNone/>
               <a:defRPr b="1" i="0" sz="1600" u="none" cap="none" strike="noStrike">
                 <a:solidFill>
                   <a:schemeClr val="dk1"/>
@@ -8396,7 +8766,7 @@
                 <a:schemeClr val="dk1"/>
               </a:buClr>
               <a:buFont typeface="Arial"/>
-              <a:buChar char="○"/>
+              <a:buNone/>
               <a:defRPr b="1" i="0" sz="1600" u="none" cap="none" strike="noStrike">
                 <a:solidFill>
                   <a:schemeClr val="dk1"/>
@@ -8415,7 +8785,7 @@
                 <a:schemeClr val="dk1"/>
               </a:buClr>
               <a:buFont typeface="Arial"/>
-              <a:buChar char="■"/>
+              <a:buNone/>
               <a:defRPr b="1" i="0" sz="1600" u="none" cap="none" strike="noStrike">
                 <a:solidFill>
                   <a:schemeClr val="dk1"/>
@@ -8434,7 +8804,7 @@
                 <a:schemeClr val="dk1"/>
               </a:buClr>
               <a:buFont typeface="Arial"/>
-              <a:buChar char="●"/>
+              <a:buNone/>
               <a:defRPr b="1" i="0" sz="1600" u="none" cap="none" strike="noStrike">
                 <a:solidFill>
                   <a:schemeClr val="dk1"/>
@@ -8453,7 +8823,7 @@
                 <a:schemeClr val="dk1"/>
               </a:buClr>
               <a:buFont typeface="Arial"/>
-              <a:buChar char="○"/>
+              <a:buNone/>
               <a:defRPr b="1" i="0" sz="1600" u="none" cap="none" strike="noStrike">
                 <a:solidFill>
                   <a:schemeClr val="dk1"/>
@@ -8472,7 +8842,7 @@
                 <a:schemeClr val="dk1"/>
               </a:buClr>
               <a:buFont typeface="Arial"/>
-              <a:buChar char="■"/>
+              <a:buNone/>
               <a:defRPr b="1" i="0" sz="1600" u="none" cap="none" strike="noStrike">
                 <a:solidFill>
                   <a:schemeClr val="dk1"/>
@@ -8515,7 +8885,12 @@
               <a:spcBef>
                 <a:spcPts val="480"/>
               </a:spcBef>
-              <a:buNone/>
+              <a:buClr>
+                <a:schemeClr val="dk1"/>
+              </a:buClr>
+              <a:buSzPct val="100000"/>
+              <a:buFont typeface="Arial"/>
+              <a:buChar char="•"/>
               <a:defRPr b="0" i="0" sz="2400" u="none" cap="none" strike="noStrike">
                 <a:solidFill>
                   <a:schemeClr val="dk1"/>
@@ -8530,7 +8905,12 @@
               <a:spcBef>
                 <a:spcPts val="400"/>
               </a:spcBef>
-              <a:buNone/>
+              <a:buClr>
+                <a:schemeClr val="dk1"/>
+              </a:buClr>
+              <a:buSzPct val="100000"/>
+              <a:buFont typeface="Arial"/>
+              <a:buChar char="–"/>
               <a:defRPr b="0" i="0" sz="2000" u="none" cap="none" strike="noStrike">
                 <a:solidFill>
                   <a:schemeClr val="dk1"/>
@@ -8545,7 +8925,12 @@
               <a:spcBef>
                 <a:spcPts val="360"/>
               </a:spcBef>
-              <a:buNone/>
+              <a:buClr>
+                <a:schemeClr val="dk1"/>
+              </a:buClr>
+              <a:buSzPct val="100000"/>
+              <a:buFont typeface="Arial"/>
+              <a:buChar char="•"/>
               <a:defRPr b="0" i="0" sz="1800" u="none" cap="none" strike="noStrike">
                 <a:solidFill>
                   <a:schemeClr val="dk1"/>
@@ -8560,7 +8945,12 @@
               <a:spcBef>
                 <a:spcPts val="320"/>
               </a:spcBef>
-              <a:buNone/>
+              <a:buClr>
+                <a:schemeClr val="dk1"/>
+              </a:buClr>
+              <a:buSzPct val="100000"/>
+              <a:buFont typeface="Arial"/>
+              <a:buChar char="–"/>
               <a:defRPr b="0" i="0" sz="1600" u="none" cap="none" strike="noStrike">
                 <a:solidFill>
                   <a:schemeClr val="dk1"/>
@@ -8575,7 +8965,12 @@
               <a:spcBef>
                 <a:spcPts val="320"/>
               </a:spcBef>
-              <a:buNone/>
+              <a:buClr>
+                <a:schemeClr val="dk1"/>
+              </a:buClr>
+              <a:buSzPct val="100000"/>
+              <a:buFont typeface="Arial"/>
+              <a:buChar char="»"/>
               <a:defRPr b="0" i="0" sz="1600" u="none" cap="none" strike="noStrike">
                 <a:solidFill>
                   <a:schemeClr val="dk1"/>
@@ -8590,7 +8985,12 @@
               <a:spcBef>
                 <a:spcPts val="320"/>
               </a:spcBef>
-              <a:buNone/>
+              <a:buClr>
+                <a:schemeClr val="dk1"/>
+              </a:buClr>
+              <a:buSzPct val="100000"/>
+              <a:buFont typeface="Arial"/>
+              <a:buChar char="•"/>
               <a:defRPr b="0" i="0" sz="1600" u="none" cap="none" strike="noStrike">
                 <a:solidFill>
                   <a:schemeClr val="dk1"/>
@@ -8605,7 +9005,12 @@
               <a:spcBef>
                 <a:spcPts val="320"/>
               </a:spcBef>
-              <a:buNone/>
+              <a:buClr>
+                <a:schemeClr val="dk1"/>
+              </a:buClr>
+              <a:buSzPct val="100000"/>
+              <a:buFont typeface="Arial"/>
+              <a:buChar char="•"/>
               <a:defRPr b="0" i="0" sz="1600" u="none" cap="none" strike="noStrike">
                 <a:solidFill>
                   <a:schemeClr val="dk1"/>
@@ -8620,7 +9025,12 @@
               <a:spcBef>
                 <a:spcPts val="320"/>
               </a:spcBef>
-              <a:buNone/>
+              <a:buClr>
+                <a:schemeClr val="dk1"/>
+              </a:buClr>
+              <a:buSzPct val="100000"/>
+              <a:buFont typeface="Arial"/>
+              <a:buChar char="•"/>
               <a:defRPr b="0" i="0" sz="1600" u="none" cap="none" strike="noStrike">
                 <a:solidFill>
                   <a:schemeClr val="dk1"/>
@@ -8635,7 +9045,12 @@
               <a:spcBef>
                 <a:spcPts val="320"/>
               </a:spcBef>
-              <a:buNone/>
+              <a:buClr>
+                <a:schemeClr val="dk1"/>
+              </a:buClr>
+              <a:buSzPct val="100000"/>
+              <a:buFont typeface="Arial"/>
+              <a:buChar char="•"/>
               <a:defRPr b="0" i="0" sz="1600" u="none" cap="none" strike="noStrike">
                 <a:solidFill>
                   <a:schemeClr val="dk1"/>
@@ -10084,7 +10499,12 @@
               <a:spcBef>
                 <a:spcPts val="640"/>
               </a:spcBef>
-              <a:buNone/>
+              <a:buClr>
+                <a:schemeClr val="dk1"/>
+              </a:buClr>
+              <a:buSzPct val="100000"/>
+              <a:buFont typeface="Arial"/>
+              <a:buChar char="•"/>
               <a:defRPr b="0" i="0" sz="3200" u="none" cap="none" strike="noStrike">
                 <a:solidFill>
                   <a:schemeClr val="dk1"/>
@@ -10099,7 +10519,12 @@
               <a:spcBef>
                 <a:spcPts val="560"/>
               </a:spcBef>
-              <a:buNone/>
+              <a:buClr>
+                <a:schemeClr val="dk1"/>
+              </a:buClr>
+              <a:buSzPct val="100000"/>
+              <a:buFont typeface="Arial"/>
+              <a:buChar char="–"/>
               <a:defRPr b="0" i="0" sz="2800" u="none" cap="none" strike="noStrike">
                 <a:solidFill>
                   <a:schemeClr val="dk1"/>
@@ -10114,7 +10539,12 @@
               <a:spcBef>
                 <a:spcPts val="480"/>
               </a:spcBef>
-              <a:buNone/>
+              <a:buClr>
+                <a:schemeClr val="dk1"/>
+              </a:buClr>
+              <a:buSzPct val="100000"/>
+              <a:buFont typeface="Arial"/>
+              <a:buChar char="•"/>
               <a:defRPr b="0" i="0" sz="2400" u="none" cap="none" strike="noStrike">
                 <a:solidFill>
                   <a:schemeClr val="dk1"/>
@@ -10129,7 +10559,12 @@
               <a:spcBef>
                 <a:spcPts val="400"/>
               </a:spcBef>
-              <a:buNone/>
+              <a:buClr>
+                <a:schemeClr val="dk1"/>
+              </a:buClr>
+              <a:buSzPct val="100000"/>
+              <a:buFont typeface="Arial"/>
+              <a:buChar char="–"/>
               <a:defRPr b="0" i="0" sz="2000" u="none" cap="none" strike="noStrike">
                 <a:solidFill>
                   <a:schemeClr val="dk1"/>
@@ -10144,7 +10579,12 @@
               <a:spcBef>
                 <a:spcPts val="400"/>
               </a:spcBef>
-              <a:buNone/>
+              <a:buClr>
+                <a:schemeClr val="dk1"/>
+              </a:buClr>
+              <a:buSzPct val="100000"/>
+              <a:buFont typeface="Arial"/>
+              <a:buChar char="»"/>
               <a:defRPr b="0" i="0" sz="2000" u="none" cap="none" strike="noStrike">
                 <a:solidFill>
                   <a:schemeClr val="dk1"/>
@@ -10159,7 +10599,12 @@
               <a:spcBef>
                 <a:spcPts val="400"/>
               </a:spcBef>
-              <a:buNone/>
+              <a:buClr>
+                <a:schemeClr val="dk1"/>
+              </a:buClr>
+              <a:buSzPct val="100000"/>
+              <a:buFont typeface="Arial"/>
+              <a:buChar char="•"/>
               <a:defRPr b="0" i="0" sz="2000" u="none" cap="none" strike="noStrike">
                 <a:solidFill>
                   <a:schemeClr val="dk1"/>
@@ -10174,7 +10619,12 @@
               <a:spcBef>
                 <a:spcPts val="400"/>
               </a:spcBef>
-              <a:buNone/>
+              <a:buClr>
+                <a:schemeClr val="dk1"/>
+              </a:buClr>
+              <a:buSzPct val="100000"/>
+              <a:buFont typeface="Arial"/>
+              <a:buChar char="•"/>
               <a:defRPr b="0" i="0" sz="2000" u="none" cap="none" strike="noStrike">
                 <a:solidFill>
                   <a:schemeClr val="dk1"/>
@@ -10189,7 +10639,12 @@
               <a:spcBef>
                 <a:spcPts val="400"/>
               </a:spcBef>
-              <a:buNone/>
+              <a:buClr>
+                <a:schemeClr val="dk1"/>
+              </a:buClr>
+              <a:buSzPct val="100000"/>
+              <a:buFont typeface="Arial"/>
+              <a:buChar char="•"/>
               <a:defRPr b="0" i="0" sz="2000" u="none" cap="none" strike="noStrike">
                 <a:solidFill>
                   <a:schemeClr val="dk1"/>
@@ -10204,7 +10659,12 @@
               <a:spcBef>
                 <a:spcPts val="400"/>
               </a:spcBef>
-              <a:buNone/>
+              <a:buClr>
+                <a:schemeClr val="dk1"/>
+              </a:buClr>
+              <a:buSzPct val="100000"/>
+              <a:buFont typeface="Arial"/>
+              <a:buChar char="•"/>
               <a:defRPr b="0" i="0" sz="2000" u="none" cap="none" strike="noStrike">
                 <a:solidFill>
                   <a:schemeClr val="dk1"/>
@@ -10251,7 +10711,7 @@
                 <a:schemeClr val="dk1"/>
               </a:buClr>
               <a:buFont typeface="Arial"/>
-              <a:buChar char="●"/>
+              <a:buNone/>
               <a:defRPr b="0" i="0" sz="1400" u="none" cap="none" strike="noStrike">
                 <a:solidFill>
                   <a:schemeClr val="dk1"/>
@@ -10270,7 +10730,7 @@
                 <a:schemeClr val="dk1"/>
               </a:buClr>
               <a:buFont typeface="Arial"/>
-              <a:buChar char="○"/>
+              <a:buNone/>
               <a:defRPr b="0" i="0" sz="1200" u="none" cap="none" strike="noStrike">
                 <a:solidFill>
                   <a:schemeClr val="dk1"/>
@@ -10289,7 +10749,7 @@
                 <a:schemeClr val="dk1"/>
               </a:buClr>
               <a:buFont typeface="Arial"/>
-              <a:buChar char="■"/>
+              <a:buNone/>
               <a:defRPr b="0" i="0" sz="1000" u="none" cap="none" strike="noStrike">
                 <a:solidFill>
                   <a:schemeClr val="dk1"/>
@@ -10308,7 +10768,7 @@
                 <a:schemeClr val="dk1"/>
               </a:buClr>
               <a:buFont typeface="Arial"/>
-              <a:buChar char="●"/>
+              <a:buNone/>
               <a:defRPr b="0" i="0" sz="900" u="none" cap="none" strike="noStrike">
                 <a:solidFill>
                   <a:schemeClr val="dk1"/>
@@ -10327,7 +10787,7 @@
                 <a:schemeClr val="dk1"/>
               </a:buClr>
               <a:buFont typeface="Arial"/>
-              <a:buChar char="○"/>
+              <a:buNone/>
               <a:defRPr b="0" i="0" sz="900" u="none" cap="none" strike="noStrike">
                 <a:solidFill>
                   <a:schemeClr val="dk1"/>
@@ -10346,7 +10806,7 @@
                 <a:schemeClr val="dk1"/>
               </a:buClr>
               <a:buFont typeface="Arial"/>
-              <a:buChar char="■"/>
+              <a:buNone/>
               <a:defRPr b="0" i="0" sz="900" u="none" cap="none" strike="noStrike">
                 <a:solidFill>
                   <a:schemeClr val="dk1"/>
@@ -10365,7 +10825,7 @@
                 <a:schemeClr val="dk1"/>
               </a:buClr>
               <a:buFont typeface="Arial"/>
-              <a:buChar char="●"/>
+              <a:buNone/>
               <a:defRPr b="0" i="0" sz="900" u="none" cap="none" strike="noStrike">
                 <a:solidFill>
                   <a:schemeClr val="dk1"/>
@@ -10384,7 +10844,7 @@
                 <a:schemeClr val="dk1"/>
               </a:buClr>
               <a:buFont typeface="Arial"/>
-              <a:buChar char="○"/>
+              <a:buNone/>
               <a:defRPr b="0" i="0" sz="900" u="none" cap="none" strike="noStrike">
                 <a:solidFill>
                   <a:schemeClr val="dk1"/>
@@ -10403,7 +10863,7 @@
                 <a:schemeClr val="dk1"/>
               </a:buClr>
               <a:buFont typeface="Arial"/>
-              <a:buChar char="■"/>
+              <a:buNone/>
               <a:defRPr b="0" i="0" sz="900" u="none" cap="none" strike="noStrike">
                 <a:solidFill>
                   <a:schemeClr val="dk1"/>
@@ -11152,7 +11612,7 @@
                 <a:schemeClr val="dk1"/>
               </a:buClr>
               <a:buFont typeface="Arial"/>
-              <a:buChar char="●"/>
+              <a:buNone/>
               <a:defRPr b="0" i="0" sz="1400" u="none" cap="none" strike="noStrike">
                 <a:solidFill>
                   <a:schemeClr val="dk1"/>
@@ -11171,7 +11631,7 @@
                 <a:schemeClr val="dk1"/>
               </a:buClr>
               <a:buFont typeface="Arial"/>
-              <a:buChar char="○"/>
+              <a:buNone/>
               <a:defRPr b="0" i="0" sz="1200" u="none" cap="none" strike="noStrike">
                 <a:solidFill>
                   <a:schemeClr val="dk1"/>
@@ -11190,7 +11650,7 @@
                 <a:schemeClr val="dk1"/>
               </a:buClr>
               <a:buFont typeface="Arial"/>
-              <a:buChar char="■"/>
+              <a:buNone/>
               <a:defRPr b="0" i="0" sz="1000" u="none" cap="none" strike="noStrike">
                 <a:solidFill>
                   <a:schemeClr val="dk1"/>
@@ -11209,7 +11669,7 @@
                 <a:schemeClr val="dk1"/>
               </a:buClr>
               <a:buFont typeface="Arial"/>
-              <a:buChar char="●"/>
+              <a:buNone/>
               <a:defRPr b="0" i="0" sz="900" u="none" cap="none" strike="noStrike">
                 <a:solidFill>
                   <a:schemeClr val="dk1"/>
@@ -11228,7 +11688,7 @@
                 <a:schemeClr val="dk1"/>
               </a:buClr>
               <a:buFont typeface="Arial"/>
-              <a:buChar char="○"/>
+              <a:buNone/>
               <a:defRPr b="0" i="0" sz="900" u="none" cap="none" strike="noStrike">
                 <a:solidFill>
                   <a:schemeClr val="dk1"/>
@@ -11247,7 +11707,7 @@
                 <a:schemeClr val="dk1"/>
               </a:buClr>
               <a:buFont typeface="Arial"/>
-              <a:buChar char="■"/>
+              <a:buNone/>
               <a:defRPr b="0" i="0" sz="900" u="none" cap="none" strike="noStrike">
                 <a:solidFill>
                   <a:schemeClr val="dk1"/>
@@ -11266,7 +11726,7 @@
                 <a:schemeClr val="dk1"/>
               </a:buClr>
               <a:buFont typeface="Arial"/>
-              <a:buChar char="●"/>
+              <a:buNone/>
               <a:defRPr b="0" i="0" sz="900" u="none" cap="none" strike="noStrike">
                 <a:solidFill>
                   <a:schemeClr val="dk1"/>
@@ -11285,7 +11745,7 @@
                 <a:schemeClr val="dk1"/>
               </a:buClr>
               <a:buFont typeface="Arial"/>
-              <a:buChar char="○"/>
+              <a:buNone/>
               <a:defRPr b="0" i="0" sz="900" u="none" cap="none" strike="noStrike">
                 <a:solidFill>
                   <a:schemeClr val="dk1"/>
@@ -11304,7 +11764,7 @@
                 <a:schemeClr val="dk1"/>
               </a:buClr>
               <a:buFont typeface="Arial"/>
-              <a:buChar char="■"/>
+              <a:buNone/>
               <a:defRPr b="0" i="0" sz="900" u="none" cap="none" strike="noStrike">
                 <a:solidFill>
                   <a:schemeClr val="dk1"/>
@@ -11857,7 +12317,12 @@
               <a:spcBef>
                 <a:spcPts val="640"/>
               </a:spcBef>
-              <a:buNone/>
+              <a:buClr>
+                <a:schemeClr val="dk1"/>
+              </a:buClr>
+              <a:buSzPct val="100000"/>
+              <a:buFont typeface="Arial"/>
+              <a:buChar char="•"/>
               <a:defRPr b="0" i="0" sz="3200" u="none" cap="none" strike="noStrike">
                 <a:solidFill>
                   <a:schemeClr val="dk1"/>
@@ -11872,7 +12337,12 @@
               <a:spcBef>
                 <a:spcPts val="560"/>
               </a:spcBef>
-              <a:buNone/>
+              <a:buClr>
+                <a:schemeClr val="dk1"/>
+              </a:buClr>
+              <a:buSzPct val="100000"/>
+              <a:buFont typeface="Arial"/>
+              <a:buChar char="–"/>
               <a:defRPr b="0" i="0" sz="2800" u="none" cap="none" strike="noStrike">
                 <a:solidFill>
                   <a:schemeClr val="dk1"/>
@@ -11887,7 +12357,12 @@
               <a:spcBef>
                 <a:spcPts val="480"/>
               </a:spcBef>
-              <a:buNone/>
+              <a:buClr>
+                <a:schemeClr val="dk1"/>
+              </a:buClr>
+              <a:buSzPct val="100000"/>
+              <a:buFont typeface="Arial"/>
+              <a:buChar char="•"/>
               <a:defRPr b="0" i="0" sz="2400" u="none" cap="none" strike="noStrike">
                 <a:solidFill>
                   <a:schemeClr val="dk1"/>
@@ -11902,7 +12377,12 @@
               <a:spcBef>
                 <a:spcPts val="400"/>
               </a:spcBef>
-              <a:buNone/>
+              <a:buClr>
+                <a:schemeClr val="dk1"/>
+              </a:buClr>
+              <a:buSzPct val="100000"/>
+              <a:buFont typeface="Arial"/>
+              <a:buChar char="–"/>
               <a:defRPr b="0" i="0" sz="2000" u="none" cap="none" strike="noStrike">
                 <a:solidFill>
                   <a:schemeClr val="dk1"/>
@@ -11917,7 +12397,12 @@
               <a:spcBef>
                 <a:spcPts val="400"/>
               </a:spcBef>
-              <a:buNone/>
+              <a:buClr>
+                <a:schemeClr val="dk1"/>
+              </a:buClr>
+              <a:buSzPct val="100000"/>
+              <a:buFont typeface="Arial"/>
+              <a:buChar char="»"/>
               <a:defRPr b="0" i="0" sz="2000" u="none" cap="none" strike="noStrike">
                 <a:solidFill>
                   <a:schemeClr val="dk1"/>
@@ -11932,7 +12417,12 @@
               <a:spcBef>
                 <a:spcPts val="400"/>
               </a:spcBef>
-              <a:buNone/>
+              <a:buClr>
+                <a:schemeClr val="dk1"/>
+              </a:buClr>
+              <a:buSzPct val="100000"/>
+              <a:buFont typeface="Arial"/>
+              <a:buChar char="•"/>
               <a:defRPr b="0" i="0" sz="2000" u="none" cap="none" strike="noStrike">
                 <a:solidFill>
                   <a:schemeClr val="dk1"/>
@@ -11947,7 +12437,12 @@
               <a:spcBef>
                 <a:spcPts val="400"/>
               </a:spcBef>
-              <a:buNone/>
+              <a:buClr>
+                <a:schemeClr val="dk1"/>
+              </a:buClr>
+              <a:buSzPct val="100000"/>
+              <a:buFont typeface="Arial"/>
+              <a:buChar char="•"/>
               <a:defRPr b="0" i="0" sz="2000" u="none" cap="none" strike="noStrike">
                 <a:solidFill>
                   <a:schemeClr val="dk1"/>
@@ -11962,7 +12457,12 @@
               <a:spcBef>
                 <a:spcPts val="400"/>
               </a:spcBef>
-              <a:buNone/>
+              <a:buClr>
+                <a:schemeClr val="dk1"/>
+              </a:buClr>
+              <a:buSzPct val="100000"/>
+              <a:buFont typeface="Arial"/>
+              <a:buChar char="•"/>
               <a:defRPr b="0" i="0" sz="2000" u="none" cap="none" strike="noStrike">
                 <a:solidFill>
                   <a:schemeClr val="dk1"/>
@@ -11977,7 +12477,12 @@
               <a:spcBef>
                 <a:spcPts val="400"/>
               </a:spcBef>
-              <a:buNone/>
+              <a:buClr>
+                <a:schemeClr val="dk1"/>
+              </a:buClr>
+              <a:buSzPct val="100000"/>
+              <a:buFont typeface="Arial"/>
+              <a:buChar char="•"/>
               <a:defRPr b="0" i="0" sz="2000" u="none" cap="none" strike="noStrike">
                 <a:solidFill>
                   <a:schemeClr val="dk1"/>
@@ -12982,7 +13487,7 @@
             </a:pPr>
             <a:r>
               <a:rPr lang="en-AU" sz="2000"/>
-              <a:t>A - front end</a:t>
+              <a:t>U - User end</a:t>
             </a:r>
           </a:p>
           <a:p>
@@ -12999,7 +13504,7 @@
             </a:pPr>
             <a:r>
               <a:rPr lang="en-AU" sz="2000"/>
-              <a:t>B - System and database</a:t>
+              <a:t>S - System designs </a:t>
             </a:r>
           </a:p>
           <a:p>
@@ -13016,7 +13521,7 @@
             </a:pPr>
             <a:r>
               <a:rPr lang="en-AU" sz="2000"/>
-              <a:t>C - </a:t>
+              <a:t>O - Additional features</a:t>
             </a:r>
           </a:p>
         </p:txBody>
@@ -13151,7 +13656,7 @@
                 <a:cs typeface="Calibri"/>
                 <a:sym typeface="Calibri"/>
               </a:rPr>
-              <a:t>Story ID B5</a:t>
+              <a:t>Story ID  S2</a:t>
             </a:r>
           </a:p>
         </p:txBody>
@@ -13206,7 +13711,7 @@
                 <a:cs typeface="Calibri"/>
                 <a:sym typeface="Calibri"/>
               </a:rPr>
-              <a:t>Individual web pages of data</a:t>
+              <a:t>Admin User - Insert</a:t>
             </a:r>
           </a:p>
         </p:txBody>
@@ -13261,7 +13766,7 @@
                 <a:cs typeface="Calibri"/>
                 <a:sym typeface="Calibri"/>
               </a:rPr>
-              <a:t>As a user, any information I access should have details of their name, address, number,</a:t>
+              <a:t>As a</a:t>
             </a:r>
             <a:r>
               <a:rPr lang="en-AU" sz="2400">
@@ -13273,7 +13778,55 @@
                 <a:cs typeface="Calibri"/>
                 <a:sym typeface="Calibri"/>
               </a:rPr>
-              <a:t> type and email address. Information is defined by city information, hotel, libraries, industries and colleges.</a:t>
+              <a:t>n Admin</a:t>
+            </a:r>
+            <a:r>
+              <a:rPr b="0" i="0" lang="en-AU" sz="2400" u="none" cap="none" strike="noStrike">
+                <a:solidFill>
+                  <a:schemeClr val="dk1"/>
+                </a:solidFill>
+                <a:latin typeface="Calibri"/>
+                <a:ea typeface="Calibri"/>
+                <a:cs typeface="Calibri"/>
+                <a:sym typeface="Calibri"/>
+              </a:rPr>
+              <a:t> I want </a:t>
+            </a:r>
+            <a:r>
+              <a:rPr lang="en-AU" sz="2400">
+                <a:solidFill>
+                  <a:schemeClr val="dk1"/>
+                </a:solidFill>
+                <a:latin typeface="Calibri"/>
+                <a:ea typeface="Calibri"/>
+                <a:cs typeface="Calibri"/>
+                <a:sym typeface="Calibri"/>
+              </a:rPr>
+              <a:t>to be able to create new city information</a:t>
+            </a:r>
+            <a:r>
+              <a:rPr b="0" i="0" lang="en-AU" sz="2400" u="none" cap="none" strike="noStrike">
+                <a:solidFill>
+                  <a:schemeClr val="dk1"/>
+                </a:solidFill>
+                <a:latin typeface="Calibri"/>
+                <a:ea typeface="Calibri"/>
+                <a:cs typeface="Calibri"/>
+                <a:sym typeface="Calibri"/>
+              </a:rPr>
+              <a:t> so that </a:t>
+            </a:r>
+            <a:r>
+              <a:rPr lang="en-AU" sz="2400">
+                <a:solidFill>
+                  <a:schemeClr val="dk1"/>
+                </a:solidFill>
+                <a:latin typeface="Calibri"/>
+                <a:ea typeface="Calibri"/>
+                <a:cs typeface="Calibri"/>
+                <a:sym typeface="Calibri"/>
+              </a:rPr>
+              <a:t>new information can be added at any time</a:t>
             </a:r>
           </a:p>
         </p:txBody>
@@ -13353,7 +13906,7 @@
                 <a:cs typeface="Calibri"/>
                 <a:sym typeface="Calibri"/>
               </a:rPr>
-              <a:t> All information provided on requested page</a:t>
+              <a:t>Should be able to log in through a different webpage than normal end-users</a:t>
             </a:r>
           </a:p>
           <a:p>
@@ -13378,7 +13931,7 @@
                 <a:cs typeface="Calibri"/>
                 <a:sym typeface="Calibri"/>
               </a:rPr>
-              <a:t>Accurate and updated regularly</a:t>
+              <a:t>Allows admin user to insert or create new city information </a:t>
             </a:r>
           </a:p>
           <a:p>
@@ -13403,7 +13956,7 @@
                 <a:cs typeface="Calibri"/>
                 <a:sym typeface="Calibri"/>
               </a:rPr>
-              <a:t>Optional: photos of item called</a:t>
+              <a:t>Allow uploading of a map of the city to the system</a:t>
             </a:r>
           </a:p>
         </p:txBody>
@@ -13603,7 +14156,7 @@
                 <a:schemeClr val="dk1"/>
               </a:buClr>
               <a:buSzPct val="100000"/>
-              <a:buFont typeface="Arial"/>
+              <a:buFont typeface="Calibri"/>
               <a:buChar char="•"/>
             </a:pPr>
             <a:r>
@@ -13616,7 +14169,7 @@
                 <a:cs typeface="Calibri"/>
                 <a:sym typeface="Calibri"/>
               </a:rPr>
-              <a:t> </a:t>
+              <a:t>Validation?</a:t>
             </a:r>
           </a:p>
         </p:txBody>
@@ -13696,7 +14249,7 @@
                 <a:cs typeface="Calibri"/>
                 <a:sym typeface="Calibri"/>
               </a:rPr>
-              <a:t>Story ID B6</a:t>
+              <a:t>Story ID S3</a:t>
             </a:r>
           </a:p>
         </p:txBody>
@@ -13751,7 +14304,7 @@
                 <a:cs typeface="Calibri"/>
                 <a:sym typeface="Calibri"/>
               </a:rPr>
-              <a:t>Logging out of account</a:t>
+              <a:t>Home page</a:t>
             </a:r>
           </a:p>
         </p:txBody>
@@ -13806,7 +14359,7 @@
                 <a:cs typeface="Calibri"/>
                 <a:sym typeface="Calibri"/>
               </a:rPr>
-              <a:t>As a user, </a:t>
+              <a:t>As a user, the home page to the website should </a:t>
             </a:r>
             <a:r>
               <a:rPr lang="en-AU" sz="2400">
@@ -13818,7 +14371,7 @@
                 <a:cs typeface="Calibri"/>
                 <a:sym typeface="Calibri"/>
               </a:rPr>
-              <a:t>I</a:t>
+              <a:t>display relevant information </a:t>
             </a:r>
             <a:r>
               <a:rPr b="0" i="0" lang="en-AU" sz="2400" u="none" cap="none" strike="noStrike">
@@ -13830,7 +14383,7 @@
                 <a:cs typeface="Calibri"/>
                 <a:sym typeface="Calibri"/>
               </a:rPr>
-              <a:t> want to be able</a:t>
+              <a:t>and </a:t>
             </a:r>
             <a:r>
               <a:rPr lang="en-AU" sz="2400">
@@ -13842,7 +14395,7 @@
                 <a:cs typeface="Calibri"/>
                 <a:sym typeface="Calibri"/>
               </a:rPr>
-              <a:t> to log out of my account when needed s</a:t>
+              <a:t>is u</a:t>
             </a:r>
             <a:r>
               <a:rPr b="0" i="0" lang="en-AU" sz="2400" u="none" cap="none" strike="noStrike">
@@ -13854,7 +14407,7 @@
                 <a:cs typeface="Calibri"/>
                 <a:sym typeface="Calibri"/>
               </a:rPr>
-              <a:t>o that </a:t>
+              <a:t>ser friendly so that </a:t>
             </a:r>
             <a:r>
               <a:rPr lang="en-AU" sz="2400">
@@ -13866,7 +14419,7 @@
                 <a:cs typeface="Calibri"/>
                 <a:sym typeface="Calibri"/>
               </a:rPr>
-              <a:t>confidentiality is protected</a:t>
+              <a:t>I can navigate through the web page</a:t>
             </a:r>
           </a:p>
         </p:txBody>
@@ -13890,7 +14443,7 @@
           </a:solidFill>
           <a:ln cap="flat" cmpd="sng" w="25400">
             <a:solidFill>
-              <a:srgbClr val="244061"/>
+              <a:srgbClr val="000000"/>
             </a:solidFill>
             <a:prstDash val="solid"/>
             <a:round/>
@@ -13946,7 +14499,7 @@
                 <a:cs typeface="Calibri"/>
                 <a:sym typeface="Calibri"/>
               </a:rPr>
-              <a:t> Button to log out clearly visible</a:t>
+              <a:t> Welcome message (who we are? what we offer?)</a:t>
             </a:r>
           </a:p>
           <a:p>
@@ -13971,7 +14524,57 @@
                 <a:cs typeface="Calibri"/>
                 <a:sym typeface="Calibri"/>
               </a:rPr>
-              <a:t>Refreshes back to homepage or acknowledge that user has logged out successfully</a:t>
+              <a:t>Easy access to creating new account</a:t>
+            </a:r>
+          </a:p>
+          <a:p>
+            <a:pPr indent="-179387" lvl="0" marL="179387" marR="0" rtl="0" algn="l">
+              <a:spcBef>
+                <a:spcPts val="0"/>
+              </a:spcBef>
+              <a:buClr>
+                <a:srgbClr val="FF0000"/>
+              </a:buClr>
+              <a:buSzPct val="100000"/>
+              <a:buFont typeface="Calibri"/>
+              <a:buChar char="•"/>
+            </a:pPr>
+            <a:r>
+              <a:rPr lang="en-AU" sz="2000">
+                <a:solidFill>
+                  <a:srgbClr val="FF0000"/>
+                </a:solidFill>
+                <a:latin typeface="Calibri"/>
+                <a:ea typeface="Calibri"/>
+                <a:cs typeface="Calibri"/>
+                <a:sym typeface="Calibri"/>
+              </a:rPr>
+              <a:t>Search bar easily located (does a user need to be logged on to use the site????????)</a:t>
+            </a:r>
+          </a:p>
+          <a:p>
+            <a:pPr indent="-179387" lvl="0" marL="179387" marR="0" rtl="0" algn="l">
+              <a:spcBef>
+                <a:spcPts val="0"/>
+              </a:spcBef>
+              <a:buClr>
+                <a:schemeClr val="dk1"/>
+              </a:buClr>
+              <a:buSzPct val="100000"/>
+              <a:buFont typeface="Calibri"/>
+              <a:buChar char="•"/>
+            </a:pPr>
+            <a:r>
+              <a:rPr lang="en-AU" sz="2000">
+                <a:solidFill>
+                  <a:schemeClr val="dk1"/>
+                </a:solidFill>
+                <a:latin typeface="Calibri"/>
+                <a:ea typeface="Calibri"/>
+                <a:cs typeface="Calibri"/>
+                <a:sym typeface="Calibri"/>
+              </a:rPr>
+              <a:t>Aesthetically pleasing to the eyes (font, colour, attractiveness)</a:t>
             </a:r>
           </a:p>
         </p:txBody>
@@ -14083,28 +14686,7 @@
                 <a:cs typeface="Calibri"/>
                 <a:sym typeface="Calibri"/>
               </a:rPr>
-              <a:t>Priority</a:t>
-            </a:r>
-          </a:p>
-          <a:p>
-            <a:pPr indent="0" lvl="0" marL="0" marR="0" rtl="0" algn="ctr">
-              <a:spcBef>
-                <a:spcPts val="0"/>
-              </a:spcBef>
-              <a:buSzPct val="25000"/>
-              <a:buNone/>
-            </a:pPr>
-            <a:r>
-              <a:rPr lang="en-AU" sz="2000">
-                <a:solidFill>
-                  <a:schemeClr val="dk1"/>
-                </a:solidFill>
-                <a:latin typeface="Calibri"/>
-                <a:ea typeface="Calibri"/>
-                <a:cs typeface="Calibri"/>
-                <a:sym typeface="Calibri"/>
-              </a:rPr>
-              <a:t>High</a:t>
+              <a:t>Priority High</a:t>
             </a:r>
           </a:p>
         </p:txBody>
@@ -14184,7 +14766,32 @@
                 <a:cs typeface="Calibri"/>
                 <a:sym typeface="Calibri"/>
               </a:rPr>
-              <a:t> </a:t>
+              <a:t> Amazing design</a:t>
+            </a:r>
+          </a:p>
+          <a:p>
+            <a:pPr indent="-179387" lvl="0" marL="179387" marR="0" rtl="0" algn="l">
+              <a:spcBef>
+                <a:spcPts val="0"/>
+              </a:spcBef>
+              <a:buClr>
+                <a:schemeClr val="dk1"/>
+              </a:buClr>
+              <a:buSzPct val="100000"/>
+              <a:buFont typeface="Calibri"/>
+              <a:buChar char="•"/>
+            </a:pPr>
+            <a:r>
+              <a:rPr lang="en-AU" sz="2000">
+                <a:solidFill>
+                  <a:schemeClr val="dk1"/>
+                </a:solidFill>
+                <a:latin typeface="Calibri"/>
+                <a:ea typeface="Calibri"/>
+                <a:cs typeface="Calibri"/>
+                <a:sym typeface="Calibri"/>
+              </a:rPr>
+              <a:t>Logo</a:t>
             </a:r>
           </a:p>
         </p:txBody>
@@ -14264,7 +14871,19 @@
                 <a:cs typeface="Calibri"/>
                 <a:sym typeface="Calibri"/>
               </a:rPr>
-              <a:t>Story ID B7</a:t>
+              <a:t>Story ID </a:t>
+            </a:r>
+            <a:r>
+              <a:rPr lang="en-AU" sz="2000">
+                <a:solidFill>
+                  <a:schemeClr val="dk1"/>
+                </a:solidFill>
+                <a:latin typeface="Calibri"/>
+                <a:ea typeface="Calibri"/>
+                <a:cs typeface="Calibri"/>
+                <a:sym typeface="Calibri"/>
+              </a:rPr>
+              <a:t>S4</a:t>
             </a:r>
           </a:p>
         </p:txBody>
@@ -14319,7 +14938,7 @@
                 <a:cs typeface="Calibri"/>
                 <a:sym typeface="Calibri"/>
               </a:rPr>
-              <a:t>Database</a:t>
+              <a:t>Individual web pages of data</a:t>
             </a:r>
           </a:p>
         </p:txBody>
@@ -14374,7 +14993,7 @@
                 <a:cs typeface="Calibri"/>
                 <a:sym typeface="Calibri"/>
               </a:rPr>
-              <a:t>As a user</a:t>
+              <a:t>As a user, any information I access should have details of their name, address, number,</a:t>
             </a:r>
             <a:r>
               <a:rPr lang="en-AU" sz="2400">
@@ -14386,8 +15005,20 @@
                 <a:cs typeface="Calibri"/>
                 <a:sym typeface="Calibri"/>
               </a:rPr>
-              <a:t>, web pages of search results should be sourced from a single database so that... </a:t>
-            </a:r>
+              <a:t> type and email address.</a:t>
+            </a:r>
+          </a:p>
+          <a:p>
+            <a:pPr indent="0" lvl="0" marL="0" marR="0" rtl="0" algn="l">
+              <a:spcBef>
+                <a:spcPts val="0"/>
+              </a:spcBef>
+              <a:buNone/>
+            </a:pPr>
+            <a:r>
+              <a:t/>
+            </a:r>
+            <a:endParaRPr/>
           </a:p>
         </p:txBody>
       </p:sp>
@@ -14466,7 +15097,32 @@
                 <a:cs typeface="Calibri"/>
                 <a:sym typeface="Calibri"/>
               </a:rPr>
-              <a:t> a database of all categories of data (i.e. user type, favourites, places)</a:t>
+              <a:t> All information provided displayed on requested page</a:t>
+            </a:r>
+          </a:p>
+          <a:p>
+            <a:pPr indent="-179387" lvl="0" marL="179387" marR="0" rtl="0" algn="l">
+              <a:spcBef>
+                <a:spcPts val="0"/>
+              </a:spcBef>
+              <a:buClr>
+                <a:schemeClr val="dk1"/>
+              </a:buClr>
+              <a:buSzPct val="100000"/>
+              <a:buFont typeface="Calibri"/>
+              <a:buChar char="•"/>
+            </a:pPr>
+            <a:r>
+              <a:rPr lang="en-AU" sz="2000">
+                <a:solidFill>
+                  <a:schemeClr val="dk1"/>
+                </a:solidFill>
+                <a:latin typeface="Calibri"/>
+                <a:ea typeface="Calibri"/>
+                <a:cs typeface="Calibri"/>
+                <a:sym typeface="Calibri"/>
+              </a:rPr>
+              <a:t>Accurate and updated regularly</a:t>
             </a:r>
           </a:p>
         </p:txBody>
@@ -14581,6 +15237,27 @@
               <a:t>Priority</a:t>
             </a:r>
           </a:p>
+          <a:p>
+            <a:pPr indent="0" lvl="0" marL="0" marR="0" rtl="0" algn="ctr">
+              <a:spcBef>
+                <a:spcPts val="0"/>
+              </a:spcBef>
+              <a:buSzPct val="25000"/>
+              <a:buNone/>
+            </a:pPr>
+            <a:r>
+              <a:rPr lang="en-AU" sz="2000">
+                <a:solidFill>
+                  <a:schemeClr val="dk1"/>
+                </a:solidFill>
+                <a:latin typeface="Calibri"/>
+                <a:ea typeface="Calibri"/>
+                <a:cs typeface="Calibri"/>
+                <a:sym typeface="Calibri"/>
+              </a:rPr>
+              <a:t>High</a:t>
+            </a:r>
+          </a:p>
         </p:txBody>
       </p:sp>
       <p:sp>
@@ -14659,6 +15336,18 @@
                 <a:sym typeface="Calibri"/>
               </a:rPr>
               <a:t> </a:t>
+            </a:r>
+            <a:r>
+              <a:rPr lang="en-AU" sz="2400">
+                <a:solidFill>
+                  <a:schemeClr val="dk1"/>
+                </a:solidFill>
+                <a:latin typeface="Calibri"/>
+                <a:ea typeface="Calibri"/>
+                <a:cs typeface="Calibri"/>
+                <a:sym typeface="Calibri"/>
+              </a:rPr>
+              <a:t>Information is defined by city information, hotel, libraries, industries and colleges.</a:t>
             </a:r>
           </a:p>
         </p:txBody>
@@ -14725,6 +15414,26 @@
               <a:spcBef>
                 <a:spcPts val="0"/>
               </a:spcBef>
+              <a:buNone/>
+            </a:pPr>
+            <a:r>
+              <a:t/>
+            </a:r>
+            <a:endParaRPr sz="2000">
+              <a:solidFill>
+                <a:schemeClr val="dk1"/>
+              </a:solidFill>
+              <a:latin typeface="Calibri"/>
+              <a:ea typeface="Calibri"/>
+              <a:cs typeface="Calibri"/>
+              <a:sym typeface="Calibri"/>
+            </a:endParaRPr>
+          </a:p>
+          <a:p>
+            <a:pPr indent="0" lvl="0" marL="0" marR="0" rtl="0" algn="ctr">
+              <a:spcBef>
+                <a:spcPts val="0"/>
+              </a:spcBef>
               <a:buSzPct val="25000"/>
               <a:buNone/>
             </a:pPr>
@@ -14738,8 +15447,40 @@
                 <a:cs typeface="Calibri"/>
                 <a:sym typeface="Calibri"/>
               </a:rPr>
-              <a:t>Story ID</a:t>
-            </a:r>
+              <a:t>Story ID </a:t>
+            </a:r>
+            <a:r>
+              <a:rPr lang="en-AU" sz="2000">
+                <a:solidFill>
+                  <a:schemeClr val="dk1"/>
+                </a:solidFill>
+                <a:latin typeface="Calibri"/>
+                <a:ea typeface="Calibri"/>
+                <a:cs typeface="Calibri"/>
+                <a:sym typeface="Calibri"/>
+              </a:rPr>
+              <a:t>O1</a:t>
+            </a:r>
+          </a:p>
+          <a:p>
+            <a:pPr indent="0" lvl="0" marL="0" marR="0" rtl="0" algn="ctr">
+              <a:spcBef>
+                <a:spcPts val="0"/>
+              </a:spcBef>
+              <a:buNone/>
+            </a:pPr>
+            <a:r>
+              <a:t/>
+            </a:r>
+            <a:endParaRPr sz="2000">
+              <a:solidFill>
+                <a:schemeClr val="dk1"/>
+              </a:solidFill>
+              <a:latin typeface="Calibri"/>
+              <a:ea typeface="Calibri"/>
+              <a:cs typeface="Calibri"/>
+              <a:sym typeface="Calibri"/>
+            </a:endParaRPr>
           </a:p>
         </p:txBody>
       </p:sp>
@@ -14784,7 +15525,7 @@
               <a:buNone/>
             </a:pPr>
             <a:r>
-              <a:rPr b="0" i="0" lang="en-AU" sz="2800" u="none" cap="none" strike="noStrike">
+              <a:rPr lang="en-AU" sz="2800">
                 <a:solidFill>
                   <a:schemeClr val="lt1"/>
                 </a:solidFill>
@@ -14793,7 +15534,7 @@
                 <a:cs typeface="Calibri"/>
                 <a:sym typeface="Calibri"/>
               </a:rPr>
-              <a:t>Story Title</a:t>
+              <a:t>Favourites tool</a:t>
             </a:r>
           </a:p>
         </p:txBody>
@@ -14848,7 +15589,43 @@
                 <a:cs typeface="Calibri"/>
                 <a:sym typeface="Calibri"/>
               </a:rPr>
-              <a:t>As a … I want … so that …</a:t>
+              <a:t>As a user, </a:t>
+            </a:r>
+            <a:r>
+              <a:rPr lang="en-AU" sz="2400">
+                <a:solidFill>
+                  <a:schemeClr val="dk1"/>
+                </a:solidFill>
+                <a:latin typeface="Calibri"/>
+                <a:ea typeface="Calibri"/>
+                <a:cs typeface="Calibri"/>
+                <a:sym typeface="Calibri"/>
+              </a:rPr>
+              <a:t>I</a:t>
+            </a:r>
+            <a:r>
+              <a:rPr b="0" i="0" lang="en-AU" sz="2400" u="none" cap="none" strike="noStrike">
+                <a:solidFill>
+                  <a:schemeClr val="dk1"/>
+                </a:solidFill>
+                <a:latin typeface="Calibri"/>
+                <a:ea typeface="Calibri"/>
+                <a:cs typeface="Calibri"/>
+                <a:sym typeface="Calibri"/>
+              </a:rPr>
+              <a:t> want to be able to save my favourite information available from</a:t>
+            </a:r>
+            <a:r>
+              <a:rPr lang="en-AU" sz="2400">
+                <a:solidFill>
+                  <a:schemeClr val="dk1"/>
+                </a:solidFill>
+                <a:latin typeface="Calibri"/>
+                <a:ea typeface="Calibri"/>
+                <a:cs typeface="Calibri"/>
+                <a:sym typeface="Calibri"/>
+              </a:rPr>
+              <a:t> the website so that I can gain easy and quick access to it</a:t>
             </a:r>
           </a:p>
         </p:txBody>
@@ -14928,7 +15705,57 @@
                 <a:cs typeface="Calibri"/>
                 <a:sym typeface="Calibri"/>
               </a:rPr>
-              <a:t> </a:t>
+              <a:t> no duplication</a:t>
+            </a:r>
+          </a:p>
+          <a:p>
+            <a:pPr indent="-179387" lvl="0" marL="179387" marR="0" rtl="0" algn="l">
+              <a:spcBef>
+                <a:spcPts val="0"/>
+              </a:spcBef>
+              <a:buClr>
+                <a:schemeClr val="dk1"/>
+              </a:buClr>
+              <a:buSzPct val="100000"/>
+              <a:buFont typeface="Calibri"/>
+              <a:buChar char="•"/>
+            </a:pPr>
+            <a:r>
+              <a:rPr lang="en-AU" sz="2000">
+                <a:solidFill>
+                  <a:schemeClr val="dk1"/>
+                </a:solidFill>
+                <a:latin typeface="Calibri"/>
+                <a:ea typeface="Calibri"/>
+                <a:cs typeface="Calibri"/>
+                <a:sym typeface="Calibri"/>
+              </a:rPr>
+              <a:t>able to favourite or bookmark specific web page in user account</a:t>
+            </a:r>
+          </a:p>
+          <a:p>
+            <a:pPr indent="-179387" lvl="0" marL="179387" marR="0" rtl="0" algn="l">
+              <a:spcBef>
+                <a:spcPts val="0"/>
+              </a:spcBef>
+              <a:buClr>
+                <a:schemeClr val="dk1"/>
+              </a:buClr>
+              <a:buSzPct val="100000"/>
+              <a:buFont typeface="Calibri"/>
+              <a:buChar char="•"/>
+            </a:pPr>
+            <a:r>
+              <a:rPr lang="en-AU" sz="2000">
+                <a:solidFill>
+                  <a:schemeClr val="dk1"/>
+                </a:solidFill>
+                <a:latin typeface="Calibri"/>
+                <a:ea typeface="Calibri"/>
+                <a:cs typeface="Calibri"/>
+                <a:sym typeface="Calibri"/>
+              </a:rPr>
+              <a:t>easily accessible area to re-select bookmarked item</a:t>
             </a:r>
           </a:p>
         </p:txBody>
@@ -15043,6 +15870,27 @@
               <a:t>Priority</a:t>
             </a:r>
           </a:p>
+          <a:p>
+            <a:pPr indent="0" lvl="0" marL="0" marR="0" rtl="0" algn="ctr">
+              <a:spcBef>
+                <a:spcPts val="0"/>
+              </a:spcBef>
+              <a:buSzPct val="25000"/>
+              <a:buNone/>
+            </a:pPr>
+            <a:r>
+              <a:rPr lang="en-AU" sz="2000">
+                <a:solidFill>
+                  <a:schemeClr val="dk1"/>
+                </a:solidFill>
+                <a:latin typeface="Calibri"/>
+                <a:ea typeface="Calibri"/>
+                <a:cs typeface="Calibri"/>
+                <a:sym typeface="Calibri"/>
+              </a:rPr>
+              <a:t>Low</a:t>
+            </a:r>
+          </a:p>
         </p:txBody>
       </p:sp>
       <p:sp>
@@ -15120,7 +15968,7 @@
                 <a:cs typeface="Calibri"/>
                 <a:sym typeface="Calibri"/>
               </a:rPr>
-              <a:t> </a:t>
+              <a:t> additional feature</a:t>
             </a:r>
           </a:p>
         </p:txBody>
@@ -15200,7 +16048,19 @@
                 <a:cs typeface="Calibri"/>
                 <a:sym typeface="Calibri"/>
               </a:rPr>
-              <a:t>Story ID</a:t>
+              <a:t>Story ID O</a:t>
+            </a:r>
+            <a:r>
+              <a:rPr lang="en-AU" sz="2000">
+                <a:solidFill>
+                  <a:schemeClr val="dk1"/>
+                </a:solidFill>
+                <a:latin typeface="Calibri"/>
+                <a:ea typeface="Calibri"/>
+                <a:cs typeface="Calibri"/>
+                <a:sym typeface="Calibri"/>
+              </a:rPr>
+              <a:t>2</a:t>
             </a:r>
           </a:p>
         </p:txBody>
@@ -15246,7 +16106,7 @@
               <a:buNone/>
             </a:pPr>
             <a:r>
-              <a:rPr b="0" i="0" lang="en-AU" sz="2800" u="none" cap="none" strike="noStrike">
+              <a:rPr lang="en-AU" sz="2800">
                 <a:solidFill>
                   <a:schemeClr val="lt1"/>
                 </a:solidFill>
@@ -15255,7 +16115,7 @@
                 <a:cs typeface="Calibri"/>
                 <a:sym typeface="Calibri"/>
               </a:rPr>
-              <a:t>Story Title</a:t>
+              <a:t>Multilingual UI</a:t>
             </a:r>
           </a:p>
         </p:txBody>
@@ -15310,7 +16170,67 @@
                 <a:cs typeface="Calibri"/>
                 <a:sym typeface="Calibri"/>
               </a:rPr>
-              <a:t>As a … I want … so that …</a:t>
+              <a:t>As a </a:t>
+            </a:r>
+            <a:r>
+              <a:rPr lang="en-AU" sz="2400">
+                <a:solidFill>
+                  <a:schemeClr val="dk1"/>
+                </a:solidFill>
+                <a:latin typeface="Calibri"/>
+                <a:ea typeface="Calibri"/>
+                <a:cs typeface="Calibri"/>
+                <a:sym typeface="Calibri"/>
+              </a:rPr>
+              <a:t>Foreign User</a:t>
+            </a:r>
+            <a:r>
+              <a:rPr b="0" i="0" lang="en-AU" sz="2400" u="none" cap="none" strike="noStrike">
+                <a:solidFill>
+                  <a:schemeClr val="dk1"/>
+                </a:solidFill>
+                <a:latin typeface="Calibri"/>
+                <a:ea typeface="Calibri"/>
+                <a:cs typeface="Calibri"/>
+                <a:sym typeface="Calibri"/>
+              </a:rPr>
+              <a:t> I want </a:t>
+            </a:r>
+            <a:r>
+              <a:rPr lang="en-AU" sz="2400">
+                <a:solidFill>
+                  <a:schemeClr val="dk1"/>
+                </a:solidFill>
+                <a:latin typeface="Calibri"/>
+                <a:ea typeface="Calibri"/>
+                <a:cs typeface="Calibri"/>
+                <a:sym typeface="Calibri"/>
+              </a:rPr>
+              <a:t>to be able to view the site in my native language</a:t>
+            </a:r>
+            <a:r>
+              <a:rPr b="0" i="0" lang="en-AU" sz="2400" u="none" cap="none" strike="noStrike">
+                <a:solidFill>
+                  <a:schemeClr val="dk1"/>
+                </a:solidFill>
+                <a:latin typeface="Calibri"/>
+                <a:ea typeface="Calibri"/>
+                <a:cs typeface="Calibri"/>
+                <a:sym typeface="Calibri"/>
+              </a:rPr>
+              <a:t> so that </a:t>
+            </a:r>
+            <a:r>
+              <a:rPr lang="en-AU" sz="2400">
+                <a:solidFill>
+                  <a:schemeClr val="dk1"/>
+                </a:solidFill>
+                <a:latin typeface="Calibri"/>
+                <a:ea typeface="Calibri"/>
+                <a:cs typeface="Calibri"/>
+                <a:sym typeface="Calibri"/>
+              </a:rPr>
+              <a:t>it is easier for me to understand the website</a:t>
             </a:r>
           </a:p>
         </p:txBody>
@@ -15390,7 +16310,57 @@
                 <a:cs typeface="Calibri"/>
                 <a:sym typeface="Calibri"/>
               </a:rPr>
-              <a:t> </a:t>
+              <a:t> Majority of site text in selected language</a:t>
+            </a:r>
+          </a:p>
+          <a:p>
+            <a:pPr indent="-179387" lvl="0" marL="179387" marR="0" rtl="0" algn="l">
+              <a:spcBef>
+                <a:spcPts val="0"/>
+              </a:spcBef>
+              <a:buClr>
+                <a:schemeClr val="dk1"/>
+              </a:buClr>
+              <a:buSzPct val="100000"/>
+              <a:buFont typeface="Calibri"/>
+              <a:buChar char="•"/>
+            </a:pPr>
+            <a:r>
+              <a:rPr lang="en-AU" sz="2000">
+                <a:solidFill>
+                  <a:schemeClr val="dk1"/>
+                </a:solidFill>
+                <a:latin typeface="Calibri"/>
+                <a:ea typeface="Calibri"/>
+                <a:cs typeface="Calibri"/>
+                <a:sym typeface="Calibri"/>
+              </a:rPr>
+              <a:t>Correctly Translated</a:t>
+            </a:r>
+          </a:p>
+          <a:p>
+            <a:pPr indent="-179387" lvl="0" marL="179387" marR="0" rtl="0" algn="l">
+              <a:spcBef>
+                <a:spcPts val="0"/>
+              </a:spcBef>
+              <a:buClr>
+                <a:schemeClr val="dk1"/>
+              </a:buClr>
+              <a:buSzPct val="100000"/>
+              <a:buFont typeface="Calibri"/>
+              <a:buChar char="•"/>
+            </a:pPr>
+            <a:r>
+              <a:rPr lang="en-AU" sz="2000">
+                <a:solidFill>
+                  <a:schemeClr val="dk1"/>
+                </a:solidFill>
+                <a:latin typeface="Calibri"/>
+                <a:ea typeface="Calibri"/>
+                <a:cs typeface="Calibri"/>
+                <a:sym typeface="Calibri"/>
+              </a:rPr>
+              <a:t>Correctly selected language (not french when chinese selected)</a:t>
             </a:r>
           </a:p>
         </p:txBody>
@@ -15502,7 +16472,7 @@
                 <a:cs typeface="Calibri"/>
                 <a:sym typeface="Calibri"/>
               </a:rPr>
-              <a:t>Priority</a:t>
+              <a:t>Priority Low</a:t>
             </a:r>
           </a:p>
         </p:txBody>
@@ -15662,7 +16632,7 @@
                 <a:cs typeface="Calibri"/>
                 <a:sym typeface="Calibri"/>
               </a:rPr>
-              <a:t>Story ID</a:t>
+              <a:t>Story ID O3</a:t>
             </a:r>
           </a:p>
         </p:txBody>
@@ -15708,7 +16678,7 @@
               <a:buNone/>
             </a:pPr>
             <a:r>
-              <a:rPr b="0" i="0" lang="en-AU" sz="2800" u="none" cap="none" strike="noStrike">
+              <a:rPr lang="en-AU" sz="2800">
                 <a:solidFill>
                   <a:schemeClr val="lt1"/>
                 </a:solidFill>
@@ -15717,7 +16687,7 @@
                 <a:cs typeface="Calibri"/>
                 <a:sym typeface="Calibri"/>
               </a:rPr>
-              <a:t>Story Title</a:t>
+              <a:t>Feedback Page</a:t>
             </a:r>
           </a:p>
         </p:txBody>
@@ -15755,25 +16725,67 @@
           </a:bodyPr>
           <a:lstStyle/>
           <a:p>
+            <a:pPr indent="-69850" lvl="0" marL="0" marR="0" rtl="0" algn="l">
+              <a:spcBef>
+                <a:spcPts val="0"/>
+              </a:spcBef>
+              <a:buClr>
+                <a:schemeClr val="dk1"/>
+              </a:buClr>
+              <a:buFont typeface="Arial"/>
+              <a:buNone/>
+            </a:pPr>
+            <a:r>
+              <a:t/>
+            </a:r>
+            <a:endParaRPr sz="2400">
+              <a:latin typeface="Calibri"/>
+              <a:ea typeface="Calibri"/>
+              <a:cs typeface="Calibri"/>
+              <a:sym typeface="Calibri"/>
+            </a:endParaRPr>
+          </a:p>
+          <a:p>
+            <a:pPr indent="-69850" lvl="0" marL="0" marR="0" rtl="0" algn="l">
+              <a:spcBef>
+                <a:spcPts val="0"/>
+              </a:spcBef>
+              <a:buClr>
+                <a:schemeClr val="dk1"/>
+              </a:buClr>
+              <a:buSzPct val="45833"/>
+              <a:buFont typeface="Arial"/>
+              <a:buNone/>
+            </a:pPr>
+            <a:r>
+              <a:rPr lang="en-AU" sz="2400">
+                <a:latin typeface="Calibri"/>
+                <a:ea typeface="Calibri"/>
+                <a:cs typeface="Calibri"/>
+                <a:sym typeface="Calibri"/>
+              </a:rPr>
+              <a:t>As a user, I want to be able to leave feedback so that I can suggests improvements or address an issue.</a:t>
+            </a:r>
+          </a:p>
+          <a:p>
             <a:pPr indent="0" lvl="0" marL="0" marR="0" rtl="0" algn="l">
               <a:spcBef>
                 <a:spcPts val="0"/>
               </a:spcBef>
-              <a:buSzPct val="25000"/>
-              <a:buNone/>
-            </a:pPr>
-            <a:r>
-              <a:rPr b="0" i="0" lang="en-AU" sz="2400" u="none" cap="none" strike="noStrike">
-                <a:solidFill>
-                  <a:schemeClr val="dk1"/>
-                </a:solidFill>
-                <a:latin typeface="Calibri"/>
-                <a:ea typeface="Calibri"/>
-                <a:cs typeface="Calibri"/>
-                <a:sym typeface="Calibri"/>
-              </a:rPr>
-              <a:t>As a … I want … so that …</a:t>
-            </a:r>
+              <a:buNone/>
+            </a:pPr>
+            <a:r>
+              <a:t/>
+            </a:r>
+            <a:endParaRPr sz="2400">
+              <a:solidFill>
+                <a:schemeClr val="dk1"/>
+              </a:solidFill>
+              <a:latin typeface="Calibri"/>
+              <a:ea typeface="Calibri"/>
+              <a:cs typeface="Calibri"/>
+              <a:sym typeface="Calibri"/>
+            </a:endParaRPr>
           </a:p>
         </p:txBody>
       </p:sp>
@@ -15852,7 +16864,32 @@
                 <a:cs typeface="Calibri"/>
                 <a:sym typeface="Calibri"/>
               </a:rPr>
-              <a:t> </a:t>
+              <a:t> Textbox for name, and description of feedback</a:t>
+            </a:r>
+          </a:p>
+          <a:p>
+            <a:pPr indent="-179387" lvl="0" marL="179387" marR="0" rtl="0" algn="l">
+              <a:spcBef>
+                <a:spcPts val="0"/>
+              </a:spcBef>
+              <a:buClr>
+                <a:schemeClr val="dk1"/>
+              </a:buClr>
+              <a:buSzPct val="100000"/>
+              <a:buFont typeface="Calibri"/>
+              <a:buChar char="•"/>
+            </a:pPr>
+            <a:r>
+              <a:rPr lang="en-AU" sz="2000">
+                <a:solidFill>
+                  <a:schemeClr val="dk1"/>
+                </a:solidFill>
+                <a:latin typeface="Calibri"/>
+                <a:ea typeface="Calibri"/>
+                <a:cs typeface="Calibri"/>
+                <a:sym typeface="Calibri"/>
+              </a:rPr>
+              <a:t>Validation </a:t>
             </a:r>
           </a:p>
         </p:txBody>
@@ -16124,7 +17161,7 @@
                 <a:cs typeface="Calibri"/>
                 <a:sym typeface="Calibri"/>
               </a:rPr>
-              <a:t>Story ID</a:t>
+              <a:t>Story ID O4</a:t>
             </a:r>
           </a:p>
         </p:txBody>
@@ -16170,7 +17207,7 @@
               <a:buNone/>
             </a:pPr>
             <a:r>
-              <a:rPr b="0" i="0" lang="en-AU" sz="2800" u="none" cap="none" strike="noStrike">
+              <a:rPr lang="en-AU" sz="2800">
                 <a:solidFill>
                   <a:schemeClr val="lt1"/>
                 </a:solidFill>
@@ -16179,7 +17216,7 @@
                 <a:cs typeface="Calibri"/>
                 <a:sym typeface="Calibri"/>
               </a:rPr>
-              <a:t>Story Title</a:t>
+              <a:t>Tour bookings</a:t>
             </a:r>
           </a:p>
         </p:txBody>
@@ -16234,7 +17271,43 @@
                 <a:cs typeface="Calibri"/>
                 <a:sym typeface="Calibri"/>
               </a:rPr>
-              <a:t>As a … I want … so that …</a:t>
+              <a:t>As a</a:t>
+            </a:r>
+            <a:r>
+              <a:rPr lang="en-AU" sz="2400">
+                <a:solidFill>
+                  <a:schemeClr val="dk1"/>
+                </a:solidFill>
+                <a:latin typeface="Calibri"/>
+                <a:ea typeface="Calibri"/>
+                <a:cs typeface="Calibri"/>
+                <a:sym typeface="Calibri"/>
+              </a:rPr>
+              <a:t> user</a:t>
+            </a:r>
+            <a:r>
+              <a:rPr b="0" i="0" lang="en-AU" sz="2400" u="none" cap="none" strike="noStrike">
+                <a:solidFill>
+                  <a:schemeClr val="dk1"/>
+                </a:solidFill>
+                <a:latin typeface="Calibri"/>
+                <a:ea typeface="Calibri"/>
+                <a:cs typeface="Calibri"/>
+                <a:sym typeface="Calibri"/>
+              </a:rPr>
+              <a:t> I want to be able to </a:t>
+            </a:r>
+            <a:r>
+              <a:rPr lang="en-AU" sz="2400">
+                <a:solidFill>
+                  <a:schemeClr val="dk1"/>
+                </a:solidFill>
+                <a:latin typeface="Calibri"/>
+                <a:ea typeface="Calibri"/>
+                <a:cs typeface="Calibri"/>
+                <a:sym typeface="Calibri"/>
+              </a:rPr>
+              <a:t>book tours on the website so that I do not have to look for an external agent myself</a:t>
             </a:r>
           </a:p>
         </p:txBody>
@@ -16314,7 +17387,7 @@
                 <a:cs typeface="Calibri"/>
                 <a:sym typeface="Calibri"/>
               </a:rPr>
-              <a:t> </a:t>
+              <a:t> Link user straight through to a booking agent of choice</a:t>
             </a:r>
           </a:p>
         </p:txBody>
@@ -16426,7 +17499,7 @@
                 <a:cs typeface="Calibri"/>
                 <a:sym typeface="Calibri"/>
               </a:rPr>
-              <a:t>Priority</a:t>
+              <a:t>Priority Low</a:t>
             </a:r>
           </a:p>
         </p:txBody>
@@ -16888,7 +17961,7 @@
                 <a:cs typeface="Calibri"/>
                 <a:sym typeface="Calibri"/>
               </a:rPr>
-              <a:t>Priority</a:t>
+              <a:t>Priority Low</a:t>
             </a:r>
           </a:p>
         </p:txBody>
@@ -17984,7 +19057,7 @@
                 <a:cs typeface="Calibri"/>
                 <a:sym typeface="Calibri"/>
               </a:rPr>
-              <a:t>A1</a:t>
+              <a:t>U1</a:t>
             </a:r>
           </a:p>
         </p:txBody>
@@ -18234,7 +19307,7 @@
                 <a:cs typeface="Calibri"/>
                 <a:sym typeface="Calibri"/>
               </a:rPr>
-              <a:t>Account creation should require a name, unique username and password</a:t>
+              <a:t>Account creation requires a name, unique username and password</a:t>
             </a:r>
           </a:p>
           <a:p>
@@ -18284,11 +19357,11 @@
                 <a:cs typeface="Calibri"/>
                 <a:sym typeface="Calibri"/>
               </a:rPr>
-              <a:t>Should be able to view all information on the site by choice</a:t>
-            </a:r>
-          </a:p>
-          <a:p>
-            <a:pPr indent="-179387" lvl="0" marL="179387" marR="0" rtl="0" algn="l">
+              <a:t>Should display city information and attractions</a:t>
+            </a:r>
+          </a:p>
+          <a:p>
+            <a:pPr indent="-179387" lvl="0" marL="179387" rtl="0">
               <a:spcBef>
                 <a:spcPts val="0"/>
               </a:spcBef>
@@ -18309,7 +19382,7 @@
                 <a:cs typeface="Calibri"/>
                 <a:sym typeface="Calibri"/>
               </a:rPr>
-              <a:t>Should display city information and attractions</a:t>
+              <a:t>Validation</a:t>
             </a:r>
           </a:p>
         </p:txBody>
@@ -23309,7 +24382,19 @@
                 <a:cs typeface="Calibri"/>
                 <a:sym typeface="Calibri"/>
               </a:rPr>
-              <a:t>A1</a:t>
+              <a:t>U</a:t>
+            </a:r>
+            <a:r>
+              <a:rPr lang="en-AU" sz="2000">
+                <a:solidFill>
+                  <a:schemeClr val="dk1"/>
+                </a:solidFill>
+                <a:latin typeface="Calibri"/>
+                <a:ea typeface="Calibri"/>
+                <a:cs typeface="Calibri"/>
+                <a:sym typeface="Calibri"/>
+              </a:rPr>
+              <a:t>2</a:t>
             </a:r>
           </a:p>
         </p:txBody>
@@ -23559,7 +24644,7 @@
                 <a:cs typeface="Calibri"/>
                 <a:sym typeface="Calibri"/>
               </a:rPr>
-              <a:t>Account creation should require a name, unique username and password</a:t>
+              <a:t>Account creation requires a name, unique username and password</a:t>
             </a:r>
           </a:p>
           <a:p>
@@ -23609,11 +24694,11 @@
                 <a:cs typeface="Calibri"/>
                 <a:sym typeface="Calibri"/>
               </a:rPr>
-              <a:t>Should be able to view all information on the site by choice</a:t>
-            </a:r>
-          </a:p>
-          <a:p>
-            <a:pPr indent="-179387" lvl="0" marL="179387" marR="0" rtl="0" algn="l">
+              <a:t>Should display Student user city information (colleges, libraries)</a:t>
+            </a:r>
+          </a:p>
+          <a:p>
+            <a:pPr indent="-179387" lvl="0" marL="179387" rtl="0">
               <a:spcBef>
                 <a:spcPts val="0"/>
               </a:spcBef>
@@ -23634,7 +24719,7 @@
                 <a:cs typeface="Calibri"/>
                 <a:sym typeface="Calibri"/>
               </a:rPr>
-              <a:t>Should display Student user city information (colleges, libraries)</a:t>
+              <a:t>Validation</a:t>
             </a:r>
           </a:p>
         </p:txBody>
@@ -24417,72 +25502,437 @@
       <p:sp>
         <p:nvSpPr>
           <p:cNvPr id="409" name="Shape 409"/>
-          <p:cNvSpPr txBox="1"/>
-          <p:nvPr>
-            <p:ph type="ctrTitle"/>
-          </p:nvPr>
-        </p:nvSpPr>
-        <p:spPr>
-          <a:xfrm>
-            <a:off x="742950" y="2130425"/>
-            <a:ext cx="8420100" cy="1470000"/>
-          </a:xfrm>
-          <a:prstGeom prst="rect">
-            <a:avLst/>
-          </a:prstGeom>
-        </p:spPr>
-        <p:txBody>
-          <a:bodyPr anchorCtr="0" anchor="ctr" bIns="91425" lIns="91425" rIns="91425" tIns="91425">
+          <p:cNvSpPr/>
+          <p:nvPr/>
+        </p:nvSpPr>
+        <p:spPr>
+          <a:xfrm>
+            <a:off x="39152" y="109409"/>
+            <a:ext cx="720000" cy="540000"/>
+          </a:xfrm>
+          <a:prstGeom prst="rect">
+            <a:avLst/>
+          </a:prstGeom>
+          <a:solidFill>
+            <a:srgbClr val="B7CCE4"/>
+          </a:solidFill>
+          <a:ln cap="flat" cmpd="sng" w="25400">
+            <a:solidFill>
+              <a:srgbClr val="244061"/>
+            </a:solidFill>
+            <a:prstDash val="solid"/>
+            <a:round/>
+            <a:headEnd len="med" w="med" type="none"/>
+            <a:tailEnd len="med" w="med" type="none"/>
+          </a:ln>
+        </p:spPr>
+        <p:txBody>
+          <a:bodyPr anchorCtr="0" anchor="ctr" bIns="45700" lIns="0" rIns="0" tIns="45700">
             <a:noAutofit/>
           </a:bodyPr>
           <a:lstStyle/>
           <a:p>
-            <a:pPr lvl="0">
-              <a:spcBef>
-                <a:spcPts val="0"/>
-              </a:spcBef>
-              <a:buNone/>
-            </a:pPr>
-            <a:r>
-              <a:t/>
-            </a:r>
-            <a:endParaRPr/>
+            <a:pPr indent="0" lvl="0" marL="0" marR="0" rtl="0" algn="ctr">
+              <a:spcBef>
+                <a:spcPts val="0"/>
+              </a:spcBef>
+              <a:buSzPct val="25000"/>
+              <a:buNone/>
+            </a:pPr>
+            <a:r>
+              <a:rPr b="0" i="0" lang="en-AU" sz="2000" u="none" cap="none" strike="noStrike">
+                <a:solidFill>
+                  <a:schemeClr val="dk1"/>
+                </a:solidFill>
+                <a:latin typeface="Calibri"/>
+                <a:ea typeface="Calibri"/>
+                <a:cs typeface="Calibri"/>
+                <a:sym typeface="Calibri"/>
+              </a:rPr>
+              <a:t>Story ID</a:t>
+            </a:r>
           </a:p>
         </p:txBody>
       </p:sp>
       <p:sp>
         <p:nvSpPr>
           <p:cNvPr id="410" name="Shape 410"/>
-          <p:cNvSpPr txBox="1"/>
-          <p:nvPr>
-            <p:ph idx="1" type="subTitle"/>
-          </p:nvPr>
-        </p:nvSpPr>
-        <p:spPr>
-          <a:xfrm>
-            <a:off x="1485900" y="3886200"/>
-            <a:ext cx="6934200" cy="1752600"/>
-          </a:xfrm>
-          <a:prstGeom prst="rect">
-            <a:avLst/>
-          </a:prstGeom>
-        </p:spPr>
-        <p:txBody>
-          <a:bodyPr anchorCtr="0" anchor="t" bIns="91425" lIns="91425" rIns="91425" tIns="91425">
+          <p:cNvSpPr/>
+          <p:nvPr/>
+        </p:nvSpPr>
+        <p:spPr>
+          <a:xfrm>
+            <a:off x="831153" y="109409"/>
+            <a:ext cx="7380000" cy="540000"/>
+          </a:xfrm>
+          <a:prstGeom prst="rect">
+            <a:avLst/>
+          </a:prstGeom>
+          <a:solidFill>
+            <a:schemeClr val="accent1"/>
+          </a:solidFill>
+          <a:ln cap="flat" cmpd="sng" w="25400">
+            <a:solidFill>
+              <a:srgbClr val="244061"/>
+            </a:solidFill>
+            <a:prstDash val="solid"/>
+            <a:round/>
+            <a:headEnd len="med" w="med" type="none"/>
+            <a:tailEnd len="med" w="med" type="none"/>
+          </a:ln>
+        </p:spPr>
+        <p:txBody>
+          <a:bodyPr anchorCtr="0" anchor="ctr" bIns="45700" lIns="91425" rIns="91425" tIns="45700">
             <a:noAutofit/>
           </a:bodyPr>
           <a:lstStyle/>
           <a:p>
-            <a:pPr lvl="0">
-              <a:spcBef>
-                <a:spcPts val="0"/>
-              </a:spcBef>
-              <a:buNone/>
-            </a:pPr>
-            <a:r>
-              <a:t/>
-            </a:r>
-            <a:endParaRPr/>
+            <a:pPr indent="0" lvl="0" marL="0" marR="0" rtl="0" algn="ctr">
+              <a:spcBef>
+                <a:spcPts val="0"/>
+              </a:spcBef>
+              <a:buSzPct val="25000"/>
+              <a:buNone/>
+            </a:pPr>
+            <a:r>
+              <a:rPr b="0" i="0" lang="en-AU" sz="2800" u="none" cap="none" strike="noStrike">
+                <a:solidFill>
+                  <a:schemeClr val="lt1"/>
+                </a:solidFill>
+                <a:latin typeface="Calibri"/>
+                <a:ea typeface="Calibri"/>
+                <a:cs typeface="Calibri"/>
+                <a:sym typeface="Calibri"/>
+              </a:rPr>
+              <a:t>Story Title</a:t>
+            </a:r>
+          </a:p>
+        </p:txBody>
+      </p:sp>
+      <p:sp>
+        <p:nvSpPr>
+          <p:cNvPr id="411" name="Shape 411"/>
+          <p:cNvSpPr/>
+          <p:nvPr/>
+        </p:nvSpPr>
+        <p:spPr>
+          <a:xfrm>
+            <a:off x="39152" y="822470"/>
+            <a:ext cx="9828000" cy="2340000"/>
+          </a:xfrm>
+          <a:prstGeom prst="rect">
+            <a:avLst/>
+          </a:prstGeom>
+          <a:solidFill>
+            <a:srgbClr val="C5D8F1"/>
+          </a:solidFill>
+          <a:ln cap="flat" cmpd="sng" w="25400">
+            <a:solidFill>
+              <a:srgbClr val="244061"/>
+            </a:solidFill>
+            <a:prstDash val="solid"/>
+            <a:round/>
+            <a:headEnd len="med" w="med" type="none"/>
+            <a:tailEnd len="med" w="med" type="none"/>
+          </a:ln>
+        </p:spPr>
+        <p:txBody>
+          <a:bodyPr anchorCtr="0" anchor="t" bIns="45700" lIns="91425" rIns="91425" tIns="45700">
+            <a:noAutofit/>
+          </a:bodyPr>
+          <a:lstStyle/>
+          <a:p>
+            <a:pPr indent="0" lvl="0" marL="0" marR="0" rtl="0" algn="l">
+              <a:spcBef>
+                <a:spcPts val="0"/>
+              </a:spcBef>
+              <a:buSzPct val="25000"/>
+              <a:buNone/>
+            </a:pPr>
+            <a:r>
+              <a:rPr b="0" i="0" lang="en-AU" sz="2400" u="none" cap="none" strike="noStrike">
+                <a:solidFill>
+                  <a:schemeClr val="dk1"/>
+                </a:solidFill>
+                <a:latin typeface="Calibri"/>
+                <a:ea typeface="Calibri"/>
+                <a:cs typeface="Calibri"/>
+                <a:sym typeface="Calibri"/>
+              </a:rPr>
+              <a:t>As a … I want … so that …</a:t>
+            </a:r>
+          </a:p>
+        </p:txBody>
+      </p:sp>
+      <p:sp>
+        <p:nvSpPr>
+          <p:cNvPr id="412" name="Shape 412"/>
+          <p:cNvSpPr/>
+          <p:nvPr/>
+        </p:nvSpPr>
+        <p:spPr>
+          <a:xfrm>
+            <a:off x="39152" y="3335530"/>
+            <a:ext cx="9828000" cy="1620000"/>
+          </a:xfrm>
+          <a:prstGeom prst="rect">
+            <a:avLst/>
+          </a:prstGeom>
+          <a:solidFill>
+            <a:srgbClr val="DAE5F1"/>
+          </a:solidFill>
+          <a:ln cap="flat" cmpd="sng" w="25400">
+            <a:solidFill>
+              <a:srgbClr val="244061"/>
+            </a:solidFill>
+            <a:prstDash val="solid"/>
+            <a:round/>
+            <a:headEnd len="med" w="med" type="none"/>
+            <a:tailEnd len="med" w="med" type="none"/>
+          </a:ln>
+        </p:spPr>
+        <p:txBody>
+          <a:bodyPr anchorCtr="0" anchor="t" bIns="45700" lIns="91425" rIns="91425" tIns="36000">
+            <a:noAutofit/>
+          </a:bodyPr>
+          <a:lstStyle/>
+          <a:p>
+            <a:pPr indent="0" lvl="0" marL="0" marR="0" rtl="0" algn="l">
+              <a:spcBef>
+                <a:spcPts val="0"/>
+              </a:spcBef>
+              <a:buSzPct val="25000"/>
+              <a:buNone/>
+            </a:pPr>
+            <a:r>
+              <a:rPr lang="en-AU" sz="2000">
+                <a:solidFill>
+                  <a:schemeClr val="dk1"/>
+                </a:solidFill>
+                <a:latin typeface="Calibri"/>
+                <a:ea typeface="Calibri"/>
+                <a:cs typeface="Calibri"/>
+                <a:sym typeface="Calibri"/>
+              </a:rPr>
+              <a:t>Acceptance Criteria</a:t>
+            </a:r>
+          </a:p>
+          <a:p>
+            <a:pPr indent="-179387" lvl="0" marL="179387" marR="0" rtl="0" algn="l">
+              <a:spcBef>
+                <a:spcPts val="0"/>
+              </a:spcBef>
+              <a:buClr>
+                <a:schemeClr val="dk1"/>
+              </a:buClr>
+              <a:buSzPct val="100000"/>
+              <a:buFont typeface="Arial"/>
+              <a:buChar char="•"/>
+            </a:pPr>
+            <a:r>
+              <a:rPr lang="en-AU" sz="2000">
+                <a:solidFill>
+                  <a:schemeClr val="dk1"/>
+                </a:solidFill>
+                <a:latin typeface="Calibri"/>
+                <a:ea typeface="Calibri"/>
+                <a:cs typeface="Calibri"/>
+                <a:sym typeface="Calibri"/>
+              </a:rPr>
+              <a:t> </a:t>
+            </a:r>
+          </a:p>
+        </p:txBody>
+      </p:sp>
+      <p:sp>
+        <p:nvSpPr>
+          <p:cNvPr id="413" name="Shape 413"/>
+          <p:cNvSpPr/>
+          <p:nvPr/>
+        </p:nvSpPr>
+        <p:spPr>
+          <a:xfrm>
+            <a:off x="9147153" y="109409"/>
+            <a:ext cx="720000" cy="540000"/>
+          </a:xfrm>
+          <a:prstGeom prst="rect">
+            <a:avLst/>
+          </a:prstGeom>
+          <a:solidFill>
+            <a:srgbClr val="CCF0CD">
+              <a:alpha val="20000"/>
+            </a:srgbClr>
+          </a:solidFill>
+          <a:ln cap="flat" cmpd="sng" w="25400">
+            <a:solidFill>
+              <a:srgbClr val="244061"/>
+            </a:solidFill>
+            <a:prstDash val="solid"/>
+            <a:round/>
+            <a:headEnd len="med" w="med" type="none"/>
+            <a:tailEnd len="med" w="med" type="none"/>
+          </a:ln>
+        </p:spPr>
+        <p:txBody>
+          <a:bodyPr anchorCtr="0" anchor="ctr" bIns="45700" lIns="0" rIns="0" tIns="45700">
+            <a:noAutofit/>
+          </a:bodyPr>
+          <a:lstStyle/>
+          <a:p>
+            <a:pPr indent="0" lvl="0" marL="0" marR="0" rtl="0" algn="ctr">
+              <a:spcBef>
+                <a:spcPts val="0"/>
+              </a:spcBef>
+              <a:buSzPct val="25000"/>
+              <a:buNone/>
+            </a:pPr>
+            <a:r>
+              <a:rPr lang="en-AU" sz="2000">
+                <a:solidFill>
+                  <a:schemeClr val="dk1"/>
+                </a:solidFill>
+                <a:latin typeface="Calibri"/>
+                <a:ea typeface="Calibri"/>
+                <a:cs typeface="Calibri"/>
+                <a:sym typeface="Calibri"/>
+              </a:rPr>
+              <a:t>Story Points</a:t>
+            </a:r>
+          </a:p>
+        </p:txBody>
+      </p:sp>
+      <p:sp>
+        <p:nvSpPr>
+          <p:cNvPr id="414" name="Shape 414"/>
+          <p:cNvSpPr/>
+          <p:nvPr/>
+        </p:nvSpPr>
+        <p:spPr>
+          <a:xfrm>
+            <a:off x="8283153" y="109409"/>
+            <a:ext cx="792000" cy="540000"/>
+          </a:xfrm>
+          <a:prstGeom prst="rect">
+            <a:avLst/>
+          </a:prstGeom>
+          <a:solidFill>
+            <a:srgbClr val="E5DFEC"/>
+          </a:solidFill>
+          <a:ln cap="flat" cmpd="sng" w="25400">
+            <a:solidFill>
+              <a:srgbClr val="244061"/>
+            </a:solidFill>
+            <a:prstDash val="solid"/>
+            <a:round/>
+            <a:headEnd len="med" w="med" type="none"/>
+            <a:tailEnd len="med" w="med" type="none"/>
+          </a:ln>
+        </p:spPr>
+        <p:txBody>
+          <a:bodyPr anchorCtr="0" anchor="ctr" bIns="45700" lIns="0" rIns="0" tIns="45700">
+            <a:noAutofit/>
+          </a:bodyPr>
+          <a:lstStyle/>
+          <a:p>
+            <a:pPr indent="0" lvl="0" marL="0" marR="0" rtl="0" algn="ctr">
+              <a:spcBef>
+                <a:spcPts val="0"/>
+              </a:spcBef>
+              <a:buSzPct val="25000"/>
+              <a:buNone/>
+            </a:pPr>
+            <a:r>
+              <a:rPr lang="en-AU" sz="2000">
+                <a:solidFill>
+                  <a:schemeClr val="dk1"/>
+                </a:solidFill>
+                <a:latin typeface="Calibri"/>
+                <a:ea typeface="Calibri"/>
+                <a:cs typeface="Calibri"/>
+                <a:sym typeface="Calibri"/>
+              </a:rPr>
+              <a:t>Priority</a:t>
+            </a:r>
+          </a:p>
+        </p:txBody>
+      </p:sp>
+      <p:sp>
+        <p:nvSpPr>
+          <p:cNvPr id="415" name="Shape 415"/>
+          <p:cNvSpPr/>
+          <p:nvPr/>
+        </p:nvSpPr>
+        <p:spPr>
+          <a:xfrm>
+            <a:off x="39152" y="5128589"/>
+            <a:ext cx="9828000" cy="1620000"/>
+          </a:xfrm>
+          <a:prstGeom prst="rect">
+            <a:avLst/>
+          </a:prstGeom>
+          <a:solidFill>
+            <a:schemeClr val="lt1"/>
+          </a:solidFill>
+          <a:ln cap="flat" cmpd="sng" w="25400">
+            <a:solidFill>
+              <a:srgbClr val="244061"/>
+            </a:solidFill>
+            <a:prstDash val="solid"/>
+            <a:round/>
+            <a:headEnd len="med" w="med" type="none"/>
+            <a:tailEnd len="med" w="med" type="none"/>
+          </a:ln>
+        </p:spPr>
+        <p:txBody>
+          <a:bodyPr anchorCtr="0" anchor="t" bIns="45700" lIns="91425" rIns="91425" tIns="36000">
+            <a:noAutofit/>
+          </a:bodyPr>
+          <a:lstStyle/>
+          <a:p>
+            <a:pPr indent="0" lvl="0" marL="0" marR="0" rtl="0" algn="l">
+              <a:spcBef>
+                <a:spcPts val="0"/>
+              </a:spcBef>
+              <a:buSzPct val="25000"/>
+              <a:buNone/>
+            </a:pPr>
+            <a:r>
+              <a:rPr lang="en-AU" sz="2000">
+                <a:solidFill>
+                  <a:schemeClr val="dk1"/>
+                </a:solidFill>
+                <a:latin typeface="Calibri"/>
+                <a:ea typeface="Calibri"/>
+                <a:cs typeface="Calibri"/>
+                <a:sym typeface="Calibri"/>
+              </a:rPr>
+              <a:t>Notes</a:t>
+            </a:r>
+          </a:p>
+          <a:p>
+            <a:pPr indent="-179387" lvl="0" marL="179387" marR="0" rtl="0" algn="l">
+              <a:spcBef>
+                <a:spcPts val="0"/>
+              </a:spcBef>
+              <a:buClr>
+                <a:schemeClr val="dk1"/>
+              </a:buClr>
+              <a:buSzPct val="100000"/>
+              <a:buFont typeface="Arial"/>
+              <a:buChar char="•"/>
+            </a:pPr>
+            <a:r>
+              <a:rPr lang="en-AU" sz="2000">
+                <a:solidFill>
+                  <a:schemeClr val="dk1"/>
+                </a:solidFill>
+                <a:latin typeface="Calibri"/>
+                <a:ea typeface="Calibri"/>
+                <a:cs typeface="Calibri"/>
+                <a:sym typeface="Calibri"/>
+              </a:rPr>
+              <a:t> </a:t>
+            </a:r>
           </a:p>
         </p:txBody>
       </p:sp>
@@ -24499,7 +25949,7 @@
   <p:cSld>
     <p:spTree>
       <p:nvGrpSpPr>
-        <p:cNvPr id="414" name="Shape 414"/>
+        <p:cNvPr id="419" name="Shape 419"/>
         <p:cNvGrpSpPr/>
         <p:nvPr/>
       </p:nvGrpSpPr>
@@ -24513,7 +25963,7 @@
       </p:grpSpPr>
       <p:sp>
         <p:nvSpPr>
-          <p:cNvPr id="415" name="Shape 415"/>
+          <p:cNvPr id="420" name="Shape 420"/>
           <p:cNvSpPr txBox="1"/>
           <p:nvPr>
             <p:ph type="ctrTitle"/>
@@ -24549,7 +25999,104 @@
       </p:sp>
       <p:sp>
         <p:nvSpPr>
-          <p:cNvPr id="416" name="Shape 416"/>
+          <p:cNvPr id="421" name="Shape 421"/>
+          <p:cNvSpPr txBox="1"/>
+          <p:nvPr>
+            <p:ph idx="1" type="subTitle"/>
+          </p:nvPr>
+        </p:nvSpPr>
+        <p:spPr>
+          <a:xfrm>
+            <a:off x="1485900" y="3886200"/>
+            <a:ext cx="6934200" cy="1752600"/>
+          </a:xfrm>
+          <a:prstGeom prst="rect">
+            <a:avLst/>
+          </a:prstGeom>
+        </p:spPr>
+        <p:txBody>
+          <a:bodyPr anchorCtr="0" anchor="t" bIns="91425" lIns="91425" rIns="91425" tIns="91425">
+            <a:noAutofit/>
+          </a:bodyPr>
+          <a:lstStyle/>
+          <a:p>
+            <a:pPr lvl="0">
+              <a:spcBef>
+                <a:spcPts val="0"/>
+              </a:spcBef>
+              <a:buNone/>
+            </a:pPr>
+            <a:r>
+              <a:t/>
+            </a:r>
+            <a:endParaRPr/>
+          </a:p>
+        </p:txBody>
+      </p:sp>
+    </p:spTree>
+  </p:cSld>
+  <p:clrMapOvr>
+    <a:masterClrMapping/>
+  </p:clrMapOvr>
+</p:sld>
+</file>
+
+<file path=ppt/slides/slide33.xml><?xml version="1.0" encoding="utf-8"?>
+<p:sld xmlns:a="http://schemas.openxmlformats.org/drawingml/2006/main" xmlns:r="http://schemas.openxmlformats.org/officeDocument/2006/relationships" xmlns:mc="http://schemas.openxmlformats.org/markup-compatibility/2006" xmlns:mv="urn:schemas-microsoft-com:mac:vml" xmlns:p="http://schemas.openxmlformats.org/presentationml/2006/main" xmlns:c="http://schemas.openxmlformats.org/drawingml/2006/chart" xmlns:dgm="http://schemas.openxmlformats.org/drawingml/2006/diagram" xmlns:o="urn:schemas-microsoft-com:office:office" xmlns:v="urn:schemas-microsoft-com:vml" xmlns:pvml="urn:schemas-microsoft-com:office:powerpoint" xmlns:com="http://schemas.openxmlformats.org/drawingml/2006/compatibility" xmlns:p14="http://schemas.microsoft.com/office/powerpoint/2010/main" xmlns:p15="http://schemas.microsoft.com/office/powerpoint/2012/main">
+  <p:cSld>
+    <p:spTree>
+      <p:nvGrpSpPr>
+        <p:cNvPr id="425" name="Shape 425"/>
+        <p:cNvGrpSpPr/>
+        <p:nvPr/>
+      </p:nvGrpSpPr>
+      <p:grpSpPr>
+        <a:xfrm>
+          <a:off x="0" y="0"/>
+          <a:ext cx="0" cy="0"/>
+          <a:chOff x="0" y="0"/>
+          <a:chExt cx="0" cy="0"/>
+        </a:xfrm>
+      </p:grpSpPr>
+      <p:sp>
+        <p:nvSpPr>
+          <p:cNvPr id="426" name="Shape 426"/>
+          <p:cNvSpPr txBox="1"/>
+          <p:nvPr>
+            <p:ph type="ctrTitle"/>
+          </p:nvPr>
+        </p:nvSpPr>
+        <p:spPr>
+          <a:xfrm>
+            <a:off x="742950" y="2130425"/>
+            <a:ext cx="8420100" cy="1470000"/>
+          </a:xfrm>
+          <a:prstGeom prst="rect">
+            <a:avLst/>
+          </a:prstGeom>
+        </p:spPr>
+        <p:txBody>
+          <a:bodyPr anchorCtr="0" anchor="ctr" bIns="91425" lIns="91425" rIns="91425" tIns="91425">
+            <a:noAutofit/>
+          </a:bodyPr>
+          <a:lstStyle/>
+          <a:p>
+            <a:pPr lvl="0">
+              <a:spcBef>
+                <a:spcPts val="0"/>
+              </a:spcBef>
+              <a:buNone/>
+            </a:pPr>
+            <a:r>
+              <a:t/>
+            </a:r>
+            <a:endParaRPr/>
+          </a:p>
+        </p:txBody>
+      </p:sp>
+      <p:sp>
+        <p:nvSpPr>
+          <p:cNvPr id="427" name="Shape 427"/>
           <p:cNvSpPr txBox="1"/>
           <p:nvPr>
             <p:ph idx="1" type="subTitle"/>
@@ -24670,7 +26217,19 @@
                 <a:cs typeface="Calibri"/>
                 <a:sym typeface="Calibri"/>
               </a:rPr>
-              <a:t>A1</a:t>
+              <a:t>U</a:t>
+            </a:r>
+            <a:r>
+              <a:rPr lang="en-AU" sz="2000">
+                <a:solidFill>
+                  <a:schemeClr val="dk1"/>
+                </a:solidFill>
+                <a:latin typeface="Calibri"/>
+                <a:ea typeface="Calibri"/>
+                <a:cs typeface="Calibri"/>
+                <a:sym typeface="Calibri"/>
+              </a:rPr>
+              <a:t>3</a:t>
             </a:r>
           </a:p>
         </p:txBody>
@@ -24920,7 +26479,7 @@
                 <a:cs typeface="Calibri"/>
                 <a:sym typeface="Calibri"/>
               </a:rPr>
-              <a:t>Account creation should require a name, unique username and password</a:t>
+              <a:t>Account creation requires a name, unique username and password</a:t>
             </a:r>
           </a:p>
           <a:p>
@@ -24970,11 +26529,11 @@
                 <a:cs typeface="Calibri"/>
                 <a:sym typeface="Calibri"/>
               </a:rPr>
-              <a:t>Should be able to view all information on the site by choice</a:t>
-            </a:r>
-          </a:p>
-          <a:p>
-            <a:pPr indent="-179387" lvl="0" marL="179387" marR="0" rtl="0" algn="l">
+              <a:t>Should display business user city information ( hotels, industries)</a:t>
+            </a:r>
+          </a:p>
+          <a:p>
+            <a:pPr indent="-179387" lvl="0" marL="179387" rtl="0">
               <a:spcBef>
                 <a:spcPts val="0"/>
               </a:spcBef>
@@ -24995,7 +26554,7 @@
                 <a:cs typeface="Calibri"/>
                 <a:sym typeface="Calibri"/>
               </a:rPr>
-              <a:t>Should display business user city information ( hotels, industries)</a:t>
+              <a:t>Validation</a:t>
             </a:r>
           </a:p>
         </p:txBody>
@@ -25375,7 +26934,7 @@
                 <a:cs typeface="Calibri"/>
                 <a:sym typeface="Calibri"/>
               </a:rPr>
-              <a:t>A2</a:t>
+              <a:t>U4</a:t>
             </a:r>
           </a:p>
         </p:txBody>
@@ -25430,7 +26989,7 @@
                 <a:cs typeface="Calibri"/>
                 <a:sym typeface="Calibri"/>
               </a:rPr>
-              <a:t>Admin User</a:t>
+              <a:t>Viewing other information</a:t>
             </a:r>
           </a:p>
         </p:txBody>
@@ -25468,25 +27027,17 @@
           </a:bodyPr>
           <a:lstStyle/>
           <a:p>
-            <a:pPr indent="0" lvl="0" marL="0" marR="0" rtl="0" algn="l">
-              <a:spcBef>
-                <a:spcPts val="0"/>
-              </a:spcBef>
-              <a:buSzPct val="25000"/>
-              <a:buNone/>
-            </a:pPr>
-            <a:r>
-              <a:rPr b="0" i="0" lang="en-AU" sz="2400" u="none" cap="none" strike="noStrike">
-                <a:solidFill>
-                  <a:schemeClr val="dk1"/>
-                </a:solidFill>
-                <a:latin typeface="Calibri"/>
-                <a:ea typeface="Calibri"/>
-                <a:cs typeface="Calibri"/>
-                <a:sym typeface="Calibri"/>
-              </a:rPr>
-              <a:t>As a</a:t>
-            </a:r>
+            <a:pPr lvl="0" rtl="0">
+              <a:spcBef>
+                <a:spcPts val="0"/>
+              </a:spcBef>
+              <a:buClr>
+                <a:schemeClr val="dk1"/>
+              </a:buClr>
+              <a:buSzPct val="45833"/>
+              <a:buFont typeface="Arial"/>
+              <a:buNone/>
+            </a:pPr>
             <a:r>
               <a:rPr lang="en-AU" sz="2400">
                 <a:solidFill>
@@ -25497,55 +27048,7 @@
                 <a:cs typeface="Calibri"/>
                 <a:sym typeface="Calibri"/>
               </a:rPr>
-              <a:t>n Admin</a:t>
-            </a:r>
-            <a:r>
-              <a:rPr b="0" i="0" lang="en-AU" sz="2400" u="none" cap="none" strike="noStrike">
-                <a:solidFill>
-                  <a:schemeClr val="dk1"/>
-                </a:solidFill>
-                <a:latin typeface="Calibri"/>
-                <a:ea typeface="Calibri"/>
-                <a:cs typeface="Calibri"/>
-                <a:sym typeface="Calibri"/>
-              </a:rPr>
-              <a:t> I want </a:t>
-            </a:r>
-            <a:r>
-              <a:rPr lang="en-AU" sz="2400">
-                <a:solidFill>
-                  <a:schemeClr val="dk1"/>
-                </a:solidFill>
-                <a:latin typeface="Calibri"/>
-                <a:ea typeface="Calibri"/>
-                <a:cs typeface="Calibri"/>
-                <a:sym typeface="Calibri"/>
-              </a:rPr>
-              <a:t>to be able to create and modify city information</a:t>
-            </a:r>
-            <a:r>
-              <a:rPr b="0" i="0" lang="en-AU" sz="2400" u="none" cap="none" strike="noStrike">
-                <a:solidFill>
-                  <a:schemeClr val="dk1"/>
-                </a:solidFill>
-                <a:latin typeface="Calibri"/>
-                <a:ea typeface="Calibri"/>
-                <a:cs typeface="Calibri"/>
-                <a:sym typeface="Calibri"/>
-              </a:rPr>
-              <a:t> so that </a:t>
-            </a:r>
-            <a:r>
-              <a:rPr lang="en-AU" sz="2400">
-                <a:solidFill>
-                  <a:schemeClr val="dk1"/>
-                </a:solidFill>
-                <a:latin typeface="Calibri"/>
-                <a:ea typeface="Calibri"/>
-                <a:cs typeface="Calibri"/>
-                <a:sym typeface="Calibri"/>
-              </a:rPr>
-              <a:t>all information is displayed correctly</a:t>
+              <a:t>As an account user I want to be able to view other non-personalised city information</a:t>
             </a:r>
           </a:p>
         </p:txBody>
@@ -25612,31 +27115,6 @@
                 <a:schemeClr val="dk1"/>
               </a:buClr>
               <a:buSzPct val="100000"/>
-              <a:buFont typeface="Arial"/>
-              <a:buChar char="•"/>
-            </a:pPr>
-            <a:r>
-              <a:rPr lang="en-AU" sz="2000">
-                <a:solidFill>
-                  <a:schemeClr val="dk1"/>
-                </a:solidFill>
-                <a:latin typeface="Calibri"/>
-                <a:ea typeface="Calibri"/>
-                <a:cs typeface="Calibri"/>
-                <a:sym typeface="Calibri"/>
-              </a:rPr>
-              <a:t>Should be able to log in through a different webpage than normal end-users</a:t>
-            </a:r>
-          </a:p>
-          <a:p>
-            <a:pPr indent="-179387" lvl="0" marL="179387" marR="0" rtl="0" algn="l">
-              <a:spcBef>
-                <a:spcPts val="0"/>
-              </a:spcBef>
-              <a:buClr>
-                <a:schemeClr val="dk1"/>
-              </a:buClr>
-              <a:buSzPct val="100000"/>
               <a:buFont typeface="Calibri"/>
               <a:buChar char="•"/>
             </a:pPr>
@@ -25650,69 +27128,7 @@
                 <a:cs typeface="Calibri"/>
                 <a:sym typeface="Calibri"/>
               </a:rPr>
-              <a:t>Admin account can only be created by another admin account</a:t>
-            </a:r>
-          </a:p>
-          <a:p>
-            <a:pPr indent="-179387" lvl="0" marL="179387" marR="0" rtl="0" algn="l">
-              <a:spcBef>
-                <a:spcPts val="0"/>
-              </a:spcBef>
-              <a:buClr>
-                <a:schemeClr val="dk1"/>
-              </a:buClr>
-              <a:buSzPct val="100000"/>
-              <a:buFont typeface="Calibri"/>
-              <a:buChar char="•"/>
-            </a:pPr>
-            <a:r>
-              <a:rPr lang="en-AU" sz="2000">
-                <a:solidFill>
-                  <a:schemeClr val="dk1"/>
-                </a:solidFill>
-                <a:latin typeface="Calibri"/>
-                <a:ea typeface="Calibri"/>
-                <a:cs typeface="Calibri"/>
-                <a:sym typeface="Calibri"/>
-              </a:rPr>
-              <a:t>Should be able to alter city </a:t>
-            </a:r>
-            <a:r>
-              <a:rPr lang="en-AU" sz="2000">
-                <a:solidFill>
-                  <a:schemeClr val="dk1"/>
-                </a:solidFill>
-                <a:latin typeface="Calibri"/>
-                <a:ea typeface="Calibri"/>
-                <a:cs typeface="Calibri"/>
-                <a:sym typeface="Calibri"/>
-              </a:rPr>
-              <a:t>information</a:t>
-            </a:r>
-          </a:p>
-          <a:p>
-            <a:pPr indent="-179387" lvl="0" marL="179387" marR="0" rtl="0" algn="l">
-              <a:spcBef>
-                <a:spcPts val="0"/>
-              </a:spcBef>
-              <a:buClr>
-                <a:schemeClr val="dk1"/>
-              </a:buClr>
-              <a:buSzPct val="100000"/>
-              <a:buFont typeface="Calibri"/>
-              <a:buChar char="•"/>
-            </a:pPr>
-            <a:r>
-              <a:rPr lang="en-AU" sz="2000">
-                <a:solidFill>
-                  <a:schemeClr val="dk1"/>
-                </a:solidFill>
-                <a:latin typeface="Calibri"/>
-                <a:ea typeface="Calibri"/>
-                <a:cs typeface="Calibri"/>
-                <a:sym typeface="Calibri"/>
-              </a:rPr>
-              <a:t>Allow uploading of a map of the city to the system</a:t>
+              <a:t>Tabs or links available to change views</a:t>
             </a:r>
           </a:p>
         </p:txBody>
@@ -25911,47 +27327,21 @@
               <a:buClr>
                 <a:schemeClr val="dk1"/>
               </a:buClr>
-              <a:buSzPct val="100000"/>
-              <a:buFont typeface="Arial"/>
-              <a:buChar char="•"/>
-            </a:pPr>
-            <a:r>
-              <a:rPr lang="en-AU" sz="2000">
-                <a:solidFill>
-                  <a:schemeClr val="dk1"/>
-                </a:solidFill>
-                <a:latin typeface="Calibri"/>
-                <a:ea typeface="Calibri"/>
-                <a:cs typeface="Calibri"/>
-                <a:sym typeface="Calibri"/>
-              </a:rPr>
-              <a:t>Original admin - Susan</a:t>
-            </a:r>
-          </a:p>
-          <a:p>
-            <a:pPr indent="-179387" lvl="0" marL="179387" marR="0" rtl="0" algn="l">
-              <a:spcBef>
-                <a:spcPts val="0"/>
-              </a:spcBef>
-              <a:buClr>
-                <a:schemeClr val="dk1"/>
-              </a:buClr>
-              <a:buSzPct val="100000"/>
               <a:buFont typeface="Calibri"/>
               <a:buChar char="•"/>
             </a:pPr>
             <a:r>
-              <a:rPr lang="en-AU" sz="2000">
-                <a:solidFill>
-                  <a:schemeClr val="dk1"/>
-                </a:solidFill>
-                <a:latin typeface="Calibri"/>
-                <a:ea typeface="Calibri"/>
-                <a:cs typeface="Calibri"/>
-                <a:sym typeface="Calibri"/>
-              </a:rPr>
-              <a:t>Validation</a:t>
-            </a:r>
+              <a:t/>
+            </a:r>
+            <a:endParaRPr sz="2000">
+              <a:solidFill>
+                <a:schemeClr val="dk1"/>
+              </a:solidFill>
+              <a:latin typeface="Calibri"/>
+              <a:ea typeface="Calibri"/>
+              <a:cs typeface="Calibri"/>
+              <a:sym typeface="Calibri"/>
+            </a:endParaRPr>
           </a:p>
         </p:txBody>
       </p:sp>
@@ -26030,7 +27420,7 @@
                 <a:cs typeface="Calibri"/>
                 <a:sym typeface="Calibri"/>
               </a:rPr>
-              <a:t>Story ID B1</a:t>
+              <a:t>Story ID U5</a:t>
             </a:r>
           </a:p>
         </p:txBody>
@@ -26076,7 +27466,7 @@
               <a:buNone/>
             </a:pPr>
             <a:r>
-              <a:rPr b="0" i="0" lang="en-AU" sz="2800" u="none" cap="none" strike="noStrike">
+              <a:rPr lang="en-AU" sz="2800">
                 <a:solidFill>
                   <a:schemeClr val="lt1"/>
                 </a:solidFill>
@@ -26085,19 +27475,7 @@
                 <a:cs typeface="Calibri"/>
                 <a:sym typeface="Calibri"/>
               </a:rPr>
-              <a:t>S</a:t>
-            </a:r>
-            <a:r>
-              <a:rPr lang="en-AU" sz="2800">
-                <a:solidFill>
-                  <a:schemeClr val="lt1"/>
-                </a:solidFill>
-                <a:latin typeface="Calibri"/>
-                <a:ea typeface="Calibri"/>
-                <a:cs typeface="Calibri"/>
-                <a:sym typeface="Calibri"/>
-              </a:rPr>
-              <a:t>earch functions</a:t>
+              <a:t>Admin Account Creation</a:t>
             </a:r>
           </a:p>
         </p:txBody>
@@ -26152,7 +27530,7 @@
                 <a:cs typeface="Calibri"/>
                 <a:sym typeface="Calibri"/>
               </a:rPr>
-              <a:t>As a </a:t>
+              <a:t>As a</a:t>
             </a:r>
             <a:r>
               <a:rPr lang="en-AU" sz="2400">
@@ -26164,7 +27542,31 @@
                 <a:cs typeface="Calibri"/>
                 <a:sym typeface="Calibri"/>
               </a:rPr>
-              <a:t>user, I should be able to search by keywords so that the search is narrowed down and more specific to what I am looking for</a:t>
+              <a:t>n Admin</a:t>
+            </a:r>
+            <a:r>
+              <a:rPr b="0" i="0" lang="en-AU" sz="2400" u="none" cap="none" strike="noStrike">
+                <a:solidFill>
+                  <a:schemeClr val="dk1"/>
+                </a:solidFill>
+                <a:latin typeface="Calibri"/>
+                <a:ea typeface="Calibri"/>
+                <a:cs typeface="Calibri"/>
+                <a:sym typeface="Calibri"/>
+              </a:rPr>
+              <a:t> </a:t>
+            </a:r>
+            <a:r>
+              <a:rPr lang="en-AU" sz="2400">
+                <a:solidFill>
+                  <a:schemeClr val="dk1"/>
+                </a:solidFill>
+                <a:latin typeface="Calibri"/>
+                <a:ea typeface="Calibri"/>
+                <a:cs typeface="Calibri"/>
+                <a:sym typeface="Calibri"/>
+              </a:rPr>
+              <a:t>my account must require another admin account for creation so that regular users are not able to accidentally create an admin account</a:t>
             </a:r>
           </a:p>
         </p:txBody>
@@ -26244,7 +27646,7 @@
                 <a:cs typeface="Calibri"/>
                 <a:sym typeface="Calibri"/>
               </a:rPr>
-              <a:t> Ensuring all relevant information associated with the keyword is presented </a:t>
+              <a:t>Should be able to log in through a different webpage than normal end-users</a:t>
             </a:r>
           </a:p>
           <a:p>
@@ -26269,11 +27671,11 @@
                 <a:cs typeface="Calibri"/>
                 <a:sym typeface="Calibri"/>
               </a:rPr>
-              <a:t>Enables user to select their preferred link or extend into their search</a:t>
-            </a:r>
-          </a:p>
-          <a:p>
-            <a:pPr indent="-179387" lvl="0" marL="179387" marR="0" rtl="0" algn="l">
+              <a:t>Admin account can only be created by another admin account</a:t>
+            </a:r>
+          </a:p>
+          <a:p>
+            <a:pPr indent="-179387" lvl="0" marL="179387" rtl="0">
               <a:spcBef>
                 <a:spcPts val="0"/>
               </a:spcBef>
@@ -26294,32 +27696,7 @@
                 <a:cs typeface="Calibri"/>
                 <a:sym typeface="Calibri"/>
               </a:rPr>
-              <a:t>Sorting of results</a:t>
-            </a:r>
-          </a:p>
-          <a:p>
-            <a:pPr indent="-179387" lvl="0" marL="179387" marR="0" rtl="0" algn="l">
-              <a:spcBef>
-                <a:spcPts val="0"/>
-              </a:spcBef>
-              <a:buClr>
-                <a:schemeClr val="dk1"/>
-              </a:buClr>
-              <a:buSzPct val="100000"/>
-              <a:buFont typeface="Calibri"/>
-              <a:buChar char="•"/>
-            </a:pPr>
-            <a:r>
-              <a:rPr lang="en-AU" sz="2000">
-                <a:solidFill>
-                  <a:schemeClr val="dk1"/>
-                </a:solidFill>
-                <a:latin typeface="Calibri"/>
-                <a:ea typeface="Calibri"/>
-                <a:cs typeface="Calibri"/>
-                <a:sym typeface="Calibri"/>
-              </a:rPr>
-              <a:t>Delete previous search upon new search</a:t>
+              <a:t>Validation</a:t>
             </a:r>
           </a:p>
         </p:txBody>
@@ -26532,7 +27909,7 @@
                 <a:cs typeface="Calibri"/>
                 <a:sym typeface="Calibri"/>
               </a:rPr>
-              <a:t> REGEX tool </a:t>
+              <a:t>Original admin - Susan</a:t>
             </a:r>
           </a:p>
         </p:txBody>
@@ -26612,7 +27989,31 @@
                 <a:cs typeface="Calibri"/>
                 <a:sym typeface="Calibri"/>
               </a:rPr>
-              <a:t>Story ID B2</a:t>
+              <a:t>Story ID </a:t>
+            </a:r>
+            <a:r>
+              <a:rPr lang="en-AU" sz="2000">
+                <a:solidFill>
+                  <a:schemeClr val="dk1"/>
+                </a:solidFill>
+                <a:latin typeface="Calibri"/>
+                <a:ea typeface="Calibri"/>
+                <a:cs typeface="Calibri"/>
+                <a:sym typeface="Calibri"/>
+              </a:rPr>
+              <a:t>U</a:t>
+            </a:r>
+            <a:r>
+              <a:rPr lang="en-AU" sz="2000">
+                <a:solidFill>
+                  <a:schemeClr val="dk1"/>
+                </a:solidFill>
+                <a:latin typeface="Calibri"/>
+                <a:ea typeface="Calibri"/>
+                <a:cs typeface="Calibri"/>
+                <a:sym typeface="Calibri"/>
+              </a:rPr>
+              <a:t>6</a:t>
             </a:r>
           </a:p>
         </p:txBody>
@@ -26658,6 +28059,18 @@
               <a:buNone/>
             </a:pPr>
             <a:r>
+              <a:rPr b="0" i="0" lang="en-AU" sz="2800" u="none" cap="none" strike="noStrike">
+                <a:solidFill>
+                  <a:schemeClr val="lt1"/>
+                </a:solidFill>
+                <a:latin typeface="Calibri"/>
+                <a:ea typeface="Calibri"/>
+                <a:cs typeface="Calibri"/>
+                <a:sym typeface="Calibri"/>
+              </a:rPr>
+              <a:t>S</a:t>
+            </a:r>
+            <a:r>
               <a:rPr lang="en-AU" sz="2800">
                 <a:solidFill>
                   <a:schemeClr val="lt1"/>
@@ -26667,7 +28080,7 @@
                 <a:cs typeface="Calibri"/>
                 <a:sym typeface="Calibri"/>
               </a:rPr>
-              <a:t>Home page</a:t>
+              <a:t>earch functions</a:t>
             </a:r>
           </a:p>
         </p:txBody>
@@ -26722,7 +28135,7 @@
                 <a:cs typeface="Calibri"/>
                 <a:sym typeface="Calibri"/>
               </a:rPr>
-              <a:t>As a user, the home page to the website should </a:t>
+              <a:t>As a </a:t>
             </a:r>
             <a:r>
               <a:rPr lang="en-AU" sz="2400">
@@ -26734,55 +28147,7 @@
                 <a:cs typeface="Calibri"/>
                 <a:sym typeface="Calibri"/>
               </a:rPr>
-              <a:t>display relevant information </a:t>
-            </a:r>
-            <a:r>
-              <a:rPr b="0" i="0" lang="en-AU" sz="2400" u="none" cap="none" strike="noStrike">
-                <a:solidFill>
-                  <a:schemeClr val="dk1"/>
-                </a:solidFill>
-                <a:latin typeface="Calibri"/>
-                <a:ea typeface="Calibri"/>
-                <a:cs typeface="Calibri"/>
-                <a:sym typeface="Calibri"/>
-              </a:rPr>
-              <a:t>and </a:t>
-            </a:r>
-            <a:r>
-              <a:rPr lang="en-AU" sz="2400">
-                <a:solidFill>
-                  <a:schemeClr val="dk1"/>
-                </a:solidFill>
-                <a:latin typeface="Calibri"/>
-                <a:ea typeface="Calibri"/>
-                <a:cs typeface="Calibri"/>
-                <a:sym typeface="Calibri"/>
-              </a:rPr>
-              <a:t>is u</a:t>
-            </a:r>
-            <a:r>
-              <a:rPr b="0" i="0" lang="en-AU" sz="2400" u="none" cap="none" strike="noStrike">
-                <a:solidFill>
-                  <a:schemeClr val="dk1"/>
-                </a:solidFill>
-                <a:latin typeface="Calibri"/>
-                <a:ea typeface="Calibri"/>
-                <a:cs typeface="Calibri"/>
-                <a:sym typeface="Calibri"/>
-              </a:rPr>
-              <a:t>ser friendly so that </a:t>
-            </a:r>
-            <a:r>
-              <a:rPr lang="en-AU" sz="2400">
-                <a:solidFill>
-                  <a:schemeClr val="dk1"/>
-                </a:solidFill>
-                <a:latin typeface="Calibri"/>
-                <a:ea typeface="Calibri"/>
-                <a:cs typeface="Calibri"/>
-                <a:sym typeface="Calibri"/>
-              </a:rPr>
-              <a:t>I can navigate through the web page</a:t>
+              <a:t>user, I should be able to search by keywords so that the search is narrowed down and more specific to what I am looking for</a:t>
             </a:r>
           </a:p>
         </p:txBody>
@@ -26862,7 +28227,7 @@
                 <a:cs typeface="Calibri"/>
                 <a:sym typeface="Calibri"/>
               </a:rPr>
-              <a:t> Welcome message (who we are? what we offer?)</a:t>
+              <a:t>Ensuring all relevant information associated with the keyword is presented </a:t>
             </a:r>
           </a:p>
           <a:p>
@@ -26887,7 +28252,7 @@
                 <a:cs typeface="Calibri"/>
                 <a:sym typeface="Calibri"/>
               </a:rPr>
-              <a:t>Easy access to creating new account</a:t>
+              <a:t>Enables user to select their preferred link or extend into their search</a:t>
             </a:r>
           </a:p>
           <a:p>
@@ -26912,7 +28277,7 @@
                 <a:cs typeface="Calibri"/>
                 <a:sym typeface="Calibri"/>
               </a:rPr>
-              <a:t>Search bar easily located</a:t>
+              <a:t>Sorting of results</a:t>
             </a:r>
           </a:p>
           <a:p>
@@ -26937,7 +28302,7 @@
                 <a:cs typeface="Calibri"/>
                 <a:sym typeface="Calibri"/>
               </a:rPr>
-              <a:t>Aesthetically pleasing to the eyes (font, colour, attractiveness)</a:t>
+              <a:t>Delete previous search upon new search</a:t>
             </a:r>
           </a:p>
         </p:txBody>
@@ -27049,7 +28414,28 @@
                 <a:cs typeface="Calibri"/>
                 <a:sym typeface="Calibri"/>
               </a:rPr>
-              <a:t>Priority High</a:t>
+              <a:t>Priority</a:t>
+            </a:r>
+          </a:p>
+          <a:p>
+            <a:pPr indent="0" lvl="0" marL="0" marR="0" rtl="0" algn="ctr">
+              <a:spcBef>
+                <a:spcPts val="0"/>
+              </a:spcBef>
+              <a:buSzPct val="25000"/>
+              <a:buNone/>
+            </a:pPr>
+            <a:r>
+              <a:rPr lang="en-AU" sz="2000">
+                <a:solidFill>
+                  <a:schemeClr val="dk1"/>
+                </a:solidFill>
+                <a:latin typeface="Calibri"/>
+                <a:ea typeface="Calibri"/>
+                <a:cs typeface="Calibri"/>
+                <a:sym typeface="Calibri"/>
+              </a:rPr>
+              <a:t>High</a:t>
             </a:r>
           </a:p>
         </p:txBody>
@@ -27129,32 +28515,7 @@
                 <a:cs typeface="Calibri"/>
                 <a:sym typeface="Calibri"/>
               </a:rPr>
-              <a:t> Amazing design</a:t>
-            </a:r>
-          </a:p>
-          <a:p>
-            <a:pPr indent="-179387" lvl="0" marL="179387" marR="0" rtl="0" algn="l">
-              <a:spcBef>
-                <a:spcPts val="0"/>
-              </a:spcBef>
-              <a:buClr>
-                <a:schemeClr val="dk1"/>
-              </a:buClr>
-              <a:buSzPct val="100000"/>
-              <a:buFont typeface="Calibri"/>
-              <a:buChar char="•"/>
-            </a:pPr>
-            <a:r>
-              <a:rPr lang="en-AU" sz="2000">
-                <a:solidFill>
-                  <a:schemeClr val="dk1"/>
-                </a:solidFill>
-                <a:latin typeface="Calibri"/>
-                <a:ea typeface="Calibri"/>
-                <a:cs typeface="Calibri"/>
-                <a:sym typeface="Calibri"/>
-              </a:rPr>
-              <a:t>Logo</a:t>
+              <a:t> REGEX tool </a:t>
             </a:r>
           </a:p>
         </p:txBody>
@@ -27234,7 +28595,7 @@
                 <a:cs typeface="Calibri"/>
                 <a:sym typeface="Calibri"/>
               </a:rPr>
-              <a:t>Story ID B</a:t>
+              <a:t>Story ID </a:t>
             </a:r>
             <a:r>
               <a:rPr lang="en-AU" sz="2000">
@@ -27246,7 +28607,7 @@
                 <a:cs typeface="Calibri"/>
                 <a:sym typeface="Calibri"/>
               </a:rPr>
-              <a:t>3</a:t>
+              <a:t>U7</a:t>
             </a:r>
           </a:p>
         </p:txBody>
@@ -27301,7 +28662,7 @@
                 <a:cs typeface="Calibri"/>
                 <a:sym typeface="Calibri"/>
               </a:rPr>
-              <a:t>Registration page</a:t>
+              <a:t>Logging out of account</a:t>
             </a:r>
           </a:p>
         </p:txBody>
@@ -27356,7 +28717,7 @@
                 <a:cs typeface="Calibri"/>
                 <a:sym typeface="Calibri"/>
               </a:rPr>
-              <a:t>As a user,</a:t>
+              <a:t>As a user, </a:t>
             </a:r>
             <a:r>
               <a:rPr lang="en-AU" sz="2400">
@@ -27368,7 +28729,7 @@
                 <a:cs typeface="Calibri"/>
                 <a:sym typeface="Calibri"/>
               </a:rPr>
-              <a:t> I</a:t>
+              <a:t>I</a:t>
             </a:r>
             <a:r>
               <a:rPr b="0" i="0" lang="en-AU" sz="2400" u="none" cap="none" strike="noStrike">
@@ -27380,7 +28741,7 @@
                 <a:cs typeface="Calibri"/>
                 <a:sym typeface="Calibri"/>
               </a:rPr>
-              <a:t> want to be able to create an account based on a unique username and </a:t>
+              <a:t> want to be able</a:t>
             </a:r>
             <a:r>
               <a:rPr lang="en-AU" sz="2400">
@@ -27392,7 +28753,31 @@
                 <a:cs typeface="Calibri"/>
                 <a:sym typeface="Calibri"/>
               </a:rPr>
-              <a:t>password</a:t>
+              <a:t> to log out of my account when needed s</a:t>
+            </a:r>
+            <a:r>
+              <a:rPr b="0" i="0" lang="en-AU" sz="2400" u="none" cap="none" strike="noStrike">
+                <a:solidFill>
+                  <a:schemeClr val="dk1"/>
+                </a:solidFill>
+                <a:latin typeface="Calibri"/>
+                <a:ea typeface="Calibri"/>
+                <a:cs typeface="Calibri"/>
+                <a:sym typeface="Calibri"/>
+              </a:rPr>
+              <a:t>o that </a:t>
+            </a:r>
+            <a:r>
+              <a:rPr lang="en-AU" sz="2400">
+                <a:solidFill>
+                  <a:schemeClr val="dk1"/>
+                </a:solidFill>
+                <a:latin typeface="Calibri"/>
+                <a:ea typeface="Calibri"/>
+                <a:cs typeface="Calibri"/>
+                <a:sym typeface="Calibri"/>
+              </a:rPr>
+              <a:t>confidentiality is protected</a:t>
             </a:r>
           </a:p>
         </p:txBody>
@@ -27472,32 +28857,7 @@
                 <a:cs typeface="Calibri"/>
                 <a:sym typeface="Calibri"/>
               </a:rPr>
-              <a:t>User type selection </a:t>
-            </a:r>
-          </a:p>
-          <a:p>
-            <a:pPr indent="-179387" lvl="0" marL="179387" marR="0" rtl="0" algn="l">
-              <a:spcBef>
-                <a:spcPts val="0"/>
-              </a:spcBef>
-              <a:buClr>
-                <a:schemeClr val="dk1"/>
-              </a:buClr>
-              <a:buSzPct val="100000"/>
-              <a:buFont typeface="Arial"/>
-              <a:buChar char="•"/>
-            </a:pPr>
-            <a:r>
-              <a:rPr lang="en-AU" sz="2000">
-                <a:solidFill>
-                  <a:schemeClr val="dk1"/>
-                </a:solidFill>
-                <a:latin typeface="Calibri"/>
-                <a:ea typeface="Calibri"/>
-                <a:cs typeface="Calibri"/>
-                <a:sym typeface="Calibri"/>
-              </a:rPr>
-              <a:t>Textbox for name, username and password (Optional: email, address, mobile number)</a:t>
+              <a:t> Button to log out clearly visible</a:t>
             </a:r>
           </a:p>
           <a:p>
@@ -27522,32 +28882,7 @@
                 <a:cs typeface="Calibri"/>
                 <a:sym typeface="Calibri"/>
               </a:rPr>
-              <a:t>Acknowledgement of successful registration or warning if information invalid</a:t>
-            </a:r>
-          </a:p>
-          <a:p>
-            <a:pPr indent="-179387" lvl="0" marL="179387" marR="0" rtl="0" algn="l">
-              <a:spcBef>
-                <a:spcPts val="0"/>
-              </a:spcBef>
-              <a:buClr>
-                <a:schemeClr val="dk1"/>
-              </a:buClr>
-              <a:buSzPct val="100000"/>
-              <a:buFont typeface="Calibri"/>
-              <a:buChar char="•"/>
-            </a:pPr>
-            <a:r>
-              <a:rPr lang="en-AU" sz="2000">
-                <a:solidFill>
-                  <a:schemeClr val="dk1"/>
-                </a:solidFill>
-                <a:latin typeface="Calibri"/>
-                <a:ea typeface="Calibri"/>
-                <a:cs typeface="Calibri"/>
-                <a:sym typeface="Calibri"/>
-              </a:rPr>
-              <a:t>Should validate with correct information and refreshes back into homepage</a:t>
+              <a:t>Refreshes back to homepage or acknowledge that user has logged out successfully</a:t>
             </a:r>
           </a:p>
         </p:txBody>
@@ -27750,68 +29085,6 @@
               <a:buFont typeface="Arial"/>
               <a:buChar char="•"/>
             </a:pPr>
-            <a:r>
-              <a:rPr lang="en-AU" sz="2000">
-                <a:solidFill>
-                  <a:schemeClr val="dk1"/>
-                </a:solidFill>
-                <a:latin typeface="Calibri"/>
-                <a:ea typeface="Calibri"/>
-                <a:cs typeface="Calibri"/>
-                <a:sym typeface="Calibri"/>
-              </a:rPr>
-              <a:t>create template for registration page</a:t>
-            </a:r>
-          </a:p>
-          <a:p>
-            <a:pPr indent="-179387" lvl="0" marL="179387" marR="0" rtl="0" algn="l">
-              <a:spcBef>
-                <a:spcPts val="0"/>
-              </a:spcBef>
-              <a:buClr>
-                <a:schemeClr val="dk1"/>
-              </a:buClr>
-              <a:buSzPct val="100000"/>
-              <a:buFont typeface="Arial"/>
-              <a:buChar char="•"/>
-            </a:pPr>
-            <a:r>
-              <a:rPr lang="en-AU" sz="2000">
-                <a:solidFill>
-                  <a:schemeClr val="dk1"/>
-                </a:solidFill>
-                <a:latin typeface="Calibri"/>
-                <a:ea typeface="Calibri"/>
-                <a:cs typeface="Calibri"/>
-                <a:sym typeface="Calibri"/>
-              </a:rPr>
-              <a:t>validation</a:t>
-            </a:r>
-          </a:p>
-          <a:p>
-            <a:pPr indent="-179387" lvl="0" marL="179387" marR="0" rtl="0" algn="l">
-              <a:spcBef>
-                <a:spcPts val="0"/>
-              </a:spcBef>
-              <a:buClr>
-                <a:schemeClr val="dk1"/>
-              </a:buClr>
-              <a:buSzPct val="100000"/>
-              <a:buFont typeface="Arial"/>
-              <a:buChar char="•"/>
-            </a:pPr>
-            <a:r>
-              <a:rPr lang="en-AU" sz="2000">
-                <a:solidFill>
-                  <a:schemeClr val="dk1"/>
-                </a:solidFill>
-                <a:latin typeface="Calibri"/>
-                <a:ea typeface="Calibri"/>
-                <a:cs typeface="Calibri"/>
-                <a:sym typeface="Calibri"/>
-              </a:rPr>
-              <a:t>password encryption</a:t>
-            </a:r>
             <a:r>
               <a:rPr lang="en-AU" sz="2000">
                 <a:solidFill>
@@ -27902,7 +29175,19 @@
                 <a:cs typeface="Calibri"/>
                 <a:sym typeface="Calibri"/>
               </a:rPr>
-              <a:t>Story ID B4</a:t>
+              <a:t>Story ID </a:t>
+            </a:r>
+            <a:r>
+              <a:rPr lang="en-AU" sz="2000">
+                <a:solidFill>
+                  <a:schemeClr val="dk1"/>
+                </a:solidFill>
+                <a:latin typeface="Calibri"/>
+                <a:ea typeface="Calibri"/>
+                <a:cs typeface="Calibri"/>
+                <a:sym typeface="Calibri"/>
+              </a:rPr>
+              <a:t>S1</a:t>
             </a:r>
           </a:p>
         </p:txBody>
@@ -27957,7 +29242,7 @@
                 <a:cs typeface="Calibri"/>
                 <a:sym typeface="Calibri"/>
               </a:rPr>
-              <a:t>Favourites tool</a:t>
+              <a:t>Admin User - Modify</a:t>
             </a:r>
           </a:p>
         </p:txBody>
@@ -28012,7 +29297,7 @@
                 <a:cs typeface="Calibri"/>
                 <a:sym typeface="Calibri"/>
               </a:rPr>
-              <a:t>As a user, </a:t>
+              <a:t>As a</a:t>
             </a:r>
             <a:r>
               <a:rPr lang="en-AU" sz="2400">
@@ -28024,7 +29309,7 @@
                 <a:cs typeface="Calibri"/>
                 <a:sym typeface="Calibri"/>
               </a:rPr>
-              <a:t>I</a:t>
+              <a:t>n Admin</a:t>
             </a:r>
             <a:r>
               <a:rPr b="0" i="0" lang="en-AU" sz="2400" u="none" cap="none" strike="noStrike">
@@ -28036,7 +29321,7 @@
                 <a:cs typeface="Calibri"/>
                 <a:sym typeface="Calibri"/>
               </a:rPr>
-              <a:t> want to be able to save my favourite information available from</a:t>
+              <a:t> I want </a:t>
             </a:r>
             <a:r>
               <a:rPr lang="en-AU" sz="2400">
@@ -28048,7 +29333,31 @@
                 <a:cs typeface="Calibri"/>
                 <a:sym typeface="Calibri"/>
               </a:rPr>
-              <a:t> the website so that I can gain easy and quick access to it</a:t>
+              <a:t>to be able to modify city information</a:t>
+            </a:r>
+            <a:r>
+              <a:rPr b="0" i="0" lang="en-AU" sz="2400" u="none" cap="none" strike="noStrike">
+                <a:solidFill>
+                  <a:schemeClr val="dk1"/>
+                </a:solidFill>
+                <a:latin typeface="Calibri"/>
+                <a:ea typeface="Calibri"/>
+                <a:cs typeface="Calibri"/>
+                <a:sym typeface="Calibri"/>
+              </a:rPr>
+              <a:t> so that </a:t>
+            </a:r>
+            <a:r>
+              <a:rPr lang="en-AU" sz="2400">
+                <a:solidFill>
+                  <a:schemeClr val="dk1"/>
+                </a:solidFill>
+                <a:latin typeface="Calibri"/>
+                <a:ea typeface="Calibri"/>
+                <a:cs typeface="Calibri"/>
+                <a:sym typeface="Calibri"/>
+              </a:rPr>
+              <a:t>all information is displayed correctly</a:t>
             </a:r>
           </a:p>
         </p:txBody>
@@ -28128,7 +29437,7 @@
                 <a:cs typeface="Calibri"/>
                 <a:sym typeface="Calibri"/>
               </a:rPr>
-              <a:t> no duplication</a:t>
+              <a:t>Should be able to log in through a different webpage than normal end-users</a:t>
             </a:r>
           </a:p>
           <a:p>
@@ -28153,7 +29462,7 @@
                 <a:cs typeface="Calibri"/>
                 <a:sym typeface="Calibri"/>
               </a:rPr>
-              <a:t>able to favourite or bookmark specific web page in user account</a:t>
+              <a:t>Should be able to alter city information</a:t>
             </a:r>
           </a:p>
           <a:p>
@@ -28164,21 +29473,22 @@
               <a:buClr>
                 <a:schemeClr val="dk1"/>
               </a:buClr>
+              <a:buSzPct val="100000"/>
               <a:buFont typeface="Calibri"/>
               <a:buChar char="•"/>
             </a:pPr>
             <a:r>
-              <a:t/>
-            </a:r>
-            <a:endParaRPr sz="2000">
-              <a:solidFill>
-                <a:schemeClr val="dk1"/>
-              </a:solidFill>
-              <a:latin typeface="Calibri"/>
-              <a:ea typeface="Calibri"/>
-              <a:cs typeface="Calibri"/>
-              <a:sym typeface="Calibri"/>
-            </a:endParaRPr>
+              <a:rPr lang="en-AU" sz="2000">
+                <a:solidFill>
+                  <a:schemeClr val="dk1"/>
+                </a:solidFill>
+                <a:latin typeface="Calibri"/>
+                <a:ea typeface="Calibri"/>
+                <a:cs typeface="Calibri"/>
+                <a:sym typeface="Calibri"/>
+              </a:rPr>
+              <a:t>Allow uploading of a map of the city to the system</a:t>
+            </a:r>
           </a:p>
         </p:txBody>
       </p:sp>
@@ -28310,7 +29620,7 @@
                 <a:cs typeface="Calibri"/>
                 <a:sym typeface="Calibri"/>
               </a:rPr>
-              <a:t>Low</a:t>
+              <a:t>High</a:t>
             </a:r>
           </a:p>
         </p:txBody>
@@ -28369,7 +29679,7 @@
             </a:r>
           </a:p>
           <a:p>
-            <a:pPr indent="-179387" lvl="0" marL="179387" marR="0" rtl="0" algn="l">
+            <a:pPr indent="-179387" lvl="0" marL="179387" rtl="0">
               <a:spcBef>
                 <a:spcPts val="0"/>
               </a:spcBef>
@@ -28377,7 +29687,7 @@
                 <a:schemeClr val="dk1"/>
               </a:buClr>
               <a:buSzPct val="100000"/>
-              <a:buFont typeface="Arial"/>
+              <a:buFont typeface="Calibri"/>
               <a:buChar char="•"/>
             </a:pPr>
             <a:r>
@@ -28390,7 +29700,7 @@
                 <a:cs typeface="Calibri"/>
                 <a:sym typeface="Calibri"/>
               </a:rPr>
-              <a:t> at the end</a:t>
+              <a:t>Validation?</a:t>
             </a:r>
           </a:p>
         </p:txBody>
@@ -28404,6 +29714,285 @@
 </file>
 
 <file path=ppt/theme/theme1.xml><?xml version="1.0" encoding="utf-8"?>
+<a:theme xmlns:a="http://schemas.openxmlformats.org/drawingml/2006/main" xmlns:r="http://schemas.openxmlformats.org/officeDocument/2006/relationships" name="Custom Theme">
+  <a:themeElements>
+    <a:clrScheme name="Default">
+      <a:dk1>
+        <a:srgbClr val="000000"/>
+      </a:dk1>
+      <a:lt1>
+        <a:srgbClr val="FFFFFF"/>
+      </a:lt1>
+      <a:dk2>
+        <a:srgbClr val="158158"/>
+      </a:dk2>
+      <a:lt2>
+        <a:srgbClr val="F3F3F3"/>
+      </a:lt2>
+      <a:accent1>
+        <a:srgbClr val="058DC7"/>
+      </a:accent1>
+      <a:accent2>
+        <a:srgbClr val="50B432"/>
+      </a:accent2>
+      <a:accent3>
+        <a:srgbClr val="ED561B"/>
+      </a:accent3>
+      <a:accent4>
+        <a:srgbClr val="EDEF00"/>
+      </a:accent4>
+      <a:accent5>
+        <a:srgbClr val="24CBE5"/>
+      </a:accent5>
+      <a:accent6>
+        <a:srgbClr val="64E572"/>
+      </a:accent6>
+      <a:hlink>
+        <a:srgbClr val="2200CC"/>
+      </a:hlink>
+      <a:folHlink>
+        <a:srgbClr val="551A8B"/>
+      </a:folHlink>
+    </a:clrScheme>
+    <a:fontScheme name="Office">
+      <a:majorFont>
+        <a:latin typeface="Arial"/>
+        <a:ea typeface=""/>
+        <a:cs typeface=""/>
+        <a:font script="Jpan" typeface="ＭＳ Ｐゴシック"/>
+        <a:font script="Hang" typeface="맑은 고딕"/>
+        <a:font script="Hans" typeface="宋体"/>
+        <a:font script="Hant" typeface="新細明體"/>
+        <a:font script="Arab" typeface="Times New Roman"/>
+        <a:font script="Hebr" typeface="Times New Roman"/>
+        <a:font script="Thai" typeface="Angsana New"/>
+        <a:font script="Ethi" typeface="Nyala"/>
+        <a:font script="Beng" typeface="Vrinda"/>
+        <a:font script="Gujr" typeface="Shruti"/>
+        <a:font script="Khmr" typeface="MoolBoran"/>
+        <a:font script="Knda" typeface="Tunga"/>
+        <a:font script="Guru" typeface="Raavi"/>
+        <a:font script="Cans" typeface="Euphemia"/>
+        <a:font script="Cher" typeface="Plantagenet Cherokee"/>
+        <a:font script="Yiii" typeface="Microsoft Yi Baiti"/>
+        <a:font script="Tibt" typeface="Microsoft Himalaya"/>
+        <a:font script="Thaa" typeface="MV Boli"/>
+        <a:font script="Deva" typeface="Mangal"/>
+        <a:font script="Telu" typeface="Gautami"/>
+        <a:font script="Taml" typeface="Latha"/>
+        <a:font script="Syrc" typeface="Estrangelo Edessa"/>
+        <a:font script="Orya" typeface="Kalinga"/>
+        <a:font script="Mlym" typeface="Kartika"/>
+        <a:font script="Laoo" typeface="DokChampa"/>
+        <a:font script="Sinh" typeface="Iskoola Pota"/>
+        <a:font script="Mong" typeface="Mongolian Baiti"/>
+        <a:font script="Viet" typeface="Times New Roman"/>
+        <a:font script="Uigh" typeface="Microsoft Uighur"/>
+        <a:font script="Geor" typeface="Sylfaen"/>
+      </a:majorFont>
+      <a:minorFont>
+        <a:latin typeface="Arial"/>
+        <a:ea typeface=""/>
+        <a:cs typeface=""/>
+        <a:font script="Jpan" typeface="ＭＳ Ｐゴシック"/>
+        <a:font script="Hang" typeface="맑은 고딕"/>
+        <a:font script="Hans" typeface="宋体"/>
+        <a:font script="Hant" typeface="新細明體"/>
+        <a:font script="Arab" typeface="Arial"/>
+        <a:font script="Hebr" typeface="Arial"/>
+        <a:font script="Thai" typeface="Cordia New"/>
+        <a:font script="Ethi" typeface="Nyala"/>
+        <a:font script="Beng" typeface="Vrinda"/>
+        <a:font script="Gujr" typeface="Shruti"/>
+        <a:font script="Khmr" typeface="DaunPenh"/>
+        <a:font script="Knda" typeface="Tunga"/>
+        <a:font script="Guru" typeface="Raavi"/>
+        <a:font script="Cans" typeface="Euphemia"/>
+        <a:font script="Cher" typeface="Plantagenet Cherokee"/>
+        <a:font script="Yiii" typeface="Microsoft Yi Baiti"/>
+        <a:font script="Tibt" typeface="Microsoft Himalaya"/>
+        <a:font script="Thaa" typeface="MV Boli"/>
+        <a:font script="Deva" typeface="Mangal"/>
+        <a:font script="Telu" typeface="Gautami"/>
+        <a:font script="Taml" typeface="Latha"/>
+        <a:font script="Syrc" typeface="Estrangelo Edessa"/>
+        <a:font script="Orya" typeface="Kalinga"/>
+        <a:font script="Mlym" typeface="Kartika"/>
+        <a:font script="Laoo" typeface="DokChampa"/>
+        <a:font script="Sinh" typeface="Iskoola Pota"/>
+        <a:font script="Mong" typeface="Mongolian Baiti"/>
+        <a:font script="Viet" typeface="Arial"/>
+        <a:font script="Uigh" typeface="Microsoft Uighur"/>
+        <a:font script="Geor" typeface="Sylfaen"/>
+      </a:minorFont>
+    </a:fontScheme>
+    <a:fmtScheme name="Office">
+      <a:fillStyleLst>
+        <a:solidFill>
+          <a:schemeClr val="phClr"/>
+        </a:solidFill>
+        <a:gradFill rotWithShape="1">
+          <a:gsLst>
+            <a:gs pos="0">
+              <a:schemeClr val="phClr">
+                <a:tint val="50000"/>
+                <a:satMod val="300000"/>
+              </a:schemeClr>
+            </a:gs>
+            <a:gs pos="35000">
+              <a:schemeClr val="phClr">
+                <a:tint val="37000"/>
+                <a:satMod val="300000"/>
+              </a:schemeClr>
+            </a:gs>
+            <a:gs pos="100000">
+              <a:schemeClr val="phClr">
+                <a:tint val="15000"/>
+                <a:satMod val="350000"/>
+              </a:schemeClr>
+            </a:gs>
+          </a:gsLst>
+          <a:lin ang="16200000" scaled="1"/>
+        </a:gradFill>
+        <a:gradFill rotWithShape="1">
+          <a:gsLst>
+            <a:gs pos="0">
+              <a:schemeClr val="phClr">
+                <a:tint val="100000"/>
+                <a:shade val="100000"/>
+                <a:satMod val="130000"/>
+              </a:schemeClr>
+            </a:gs>
+            <a:gs pos="100000">
+              <a:schemeClr val="phClr">
+                <a:tint val="50000"/>
+                <a:shade val="100000"/>
+                <a:satMod val="350000"/>
+              </a:schemeClr>
+            </a:gs>
+          </a:gsLst>
+          <a:lin ang="16200000" scaled="0"/>
+        </a:gradFill>
+      </a:fillStyleLst>
+      <a:lnStyleLst>
+        <a:ln w="9525" cap="flat" cmpd="sng" algn="ctr">
+          <a:solidFill>
+            <a:schemeClr val="phClr">
+              <a:shade val="95000"/>
+              <a:satMod val="105000"/>
+            </a:schemeClr>
+          </a:solidFill>
+          <a:prstDash val="solid"/>
+        </a:ln>
+        <a:ln w="25400" cap="flat" cmpd="sng" algn="ctr">
+          <a:solidFill>
+            <a:schemeClr val="phClr"/>
+          </a:solidFill>
+          <a:prstDash val="solid"/>
+        </a:ln>
+        <a:ln w="38100" cap="flat" cmpd="sng" algn="ctr">
+          <a:solidFill>
+            <a:schemeClr val="phClr"/>
+          </a:solidFill>
+          <a:prstDash val="solid"/>
+        </a:ln>
+      </a:lnStyleLst>
+      <a:effectStyleLst>
+        <a:effectStyle>
+          <a:effectLst>
+            <a:outerShdw blurRad="40000" dist="20000" dir="5400000" rotWithShape="0">
+              <a:srgbClr val="000000">
+                <a:alpha val="38000"/>
+              </a:srgbClr>
+            </a:outerShdw>
+          </a:effectLst>
+        </a:effectStyle>
+        <a:effectStyle>
+          <a:effectLst>
+            <a:outerShdw blurRad="40000" dist="23000" dir="5400000" rotWithShape="0">
+              <a:srgbClr val="000000">
+                <a:alpha val="35000"/>
+              </a:srgbClr>
+            </a:outerShdw>
+          </a:effectLst>
+        </a:effectStyle>
+        <a:effectStyle>
+          <a:effectLst>
+            <a:outerShdw blurRad="40000" dist="23000" dir="5400000" rotWithShape="0">
+              <a:srgbClr val="000000">
+                <a:alpha val="35000"/>
+              </a:srgbClr>
+            </a:outerShdw>
+          </a:effectLst>
+          <a:scene3d>
+            <a:camera prst="orthographicFront">
+              <a:rot lat="0" lon="0" rev="0"/>
+            </a:camera>
+            <a:lightRig rig="threePt" dir="t">
+              <a:rot lat="0" lon="0" rev="1200000"/>
+            </a:lightRig>
+          </a:scene3d>
+          <a:sp3d>
+            <a:bevelT w="63500" h="25400"/>
+          </a:sp3d>
+        </a:effectStyle>
+      </a:effectStyleLst>
+      <a:bgFillStyleLst>
+        <a:solidFill>
+          <a:schemeClr val="phClr"/>
+        </a:solidFill>
+        <a:gradFill rotWithShape="1">
+          <a:gsLst>
+            <a:gs pos="0">
+              <a:schemeClr val="phClr">
+                <a:tint val="40000"/>
+                <a:satMod val="350000"/>
+              </a:schemeClr>
+            </a:gs>
+            <a:gs pos="40000">
+              <a:schemeClr val="phClr">
+                <a:tint val="45000"/>
+                <a:shade val="99000"/>
+                <a:satMod val="350000"/>
+              </a:schemeClr>
+            </a:gs>
+            <a:gs pos="100000">
+              <a:schemeClr val="phClr">
+                <a:shade val="20000"/>
+                <a:satMod val="255000"/>
+              </a:schemeClr>
+            </a:gs>
+          </a:gsLst>
+          <a:path path="circle">
+            <a:fillToRect l="50000" t="-80000" r="50000" b="180000"/>
+          </a:path>
+        </a:gradFill>
+        <a:gradFill rotWithShape="1">
+          <a:gsLst>
+            <a:gs pos="0">
+              <a:schemeClr val="phClr">
+                <a:tint val="80000"/>
+                <a:satMod val="300000"/>
+              </a:schemeClr>
+            </a:gs>
+            <a:gs pos="100000">
+              <a:schemeClr val="phClr">
+                <a:shade val="30000"/>
+                <a:satMod val="200000"/>
+              </a:schemeClr>
+            </a:gs>
+          </a:gsLst>
+          <a:path path="circle">
+            <a:fillToRect l="50000" t="50000" r="50000" b="50000"/>
+          </a:path>
+        </a:gradFill>
+      </a:bgFillStyleLst>
+    </a:fmtScheme>
+  </a:themeElements>
+</a:theme>
+</file>
+
+<file path=ppt/theme/theme2.xml><?xml version="1.0" encoding="utf-8"?>
 <a:theme xmlns:a="http://schemas.openxmlformats.org/drawingml/2006/main" xmlns:r="http://schemas.openxmlformats.org/officeDocument/2006/relationships" name="Office Theme">
   <a:themeElements>
     <a:clrScheme name="Office">
@@ -28680,283 +30269,4 @@
     </a:fmtScheme>
   </a:themeElements>
 </a:theme>
-</file>
-
-<file path=ppt/theme/theme2.xml><?xml version="1.0" encoding="utf-8"?>
-<a:theme xmlns:a="http://schemas.openxmlformats.org/drawingml/2006/main" xmlns:r="http://schemas.openxmlformats.org/officeDocument/2006/relationships" name="Custom Theme">
-  <a:themeElements>
-    <a:clrScheme name="Default">
-      <a:dk1>
-        <a:srgbClr val="000000"/>
-      </a:dk1>
-      <a:lt1>
-        <a:srgbClr val="FFFFFF"/>
-      </a:lt1>
-      <a:dk2>
-        <a:srgbClr val="158158"/>
-      </a:dk2>
-      <a:lt2>
-        <a:srgbClr val="F3F3F3"/>
-      </a:lt2>
-      <a:accent1>
-        <a:srgbClr val="058DC7"/>
-      </a:accent1>
-      <a:accent2>
-        <a:srgbClr val="50B432"/>
-      </a:accent2>
-      <a:accent3>
-        <a:srgbClr val="ED561B"/>
-      </a:accent3>
-      <a:accent4>
-        <a:srgbClr val="EDEF00"/>
-      </a:accent4>
-      <a:accent5>
-        <a:srgbClr val="24CBE5"/>
-      </a:accent5>
-      <a:accent6>
-        <a:srgbClr val="64E572"/>
-      </a:accent6>
-      <a:hlink>
-        <a:srgbClr val="2200CC"/>
-      </a:hlink>
-      <a:folHlink>
-        <a:srgbClr val="551A8B"/>
-      </a:folHlink>
-    </a:clrScheme>
-    <a:fontScheme name="Office">
-      <a:majorFont>
-        <a:latin typeface="Arial"/>
-        <a:ea typeface=""/>
-        <a:cs typeface=""/>
-        <a:font script="Jpan" typeface="ＭＳ Ｐゴシック"/>
-        <a:font script="Hang" typeface="맑은 고딕"/>
-        <a:font script="Hans" typeface="宋体"/>
-        <a:font script="Hant" typeface="新細明體"/>
-        <a:font script="Arab" typeface="Times New Roman"/>
-        <a:font script="Hebr" typeface="Times New Roman"/>
-        <a:font script="Thai" typeface="Angsana New"/>
-        <a:font script="Ethi" typeface="Nyala"/>
-        <a:font script="Beng" typeface="Vrinda"/>
-        <a:font script="Gujr" typeface="Shruti"/>
-        <a:font script="Khmr" typeface="MoolBoran"/>
-        <a:font script="Knda" typeface="Tunga"/>
-        <a:font script="Guru" typeface="Raavi"/>
-        <a:font script="Cans" typeface="Euphemia"/>
-        <a:font script="Cher" typeface="Plantagenet Cherokee"/>
-        <a:font script="Yiii" typeface="Microsoft Yi Baiti"/>
-        <a:font script="Tibt" typeface="Microsoft Himalaya"/>
-        <a:font script="Thaa" typeface="MV Boli"/>
-        <a:font script="Deva" typeface="Mangal"/>
-        <a:font script="Telu" typeface="Gautami"/>
-        <a:font script="Taml" typeface="Latha"/>
-        <a:font script="Syrc" typeface="Estrangelo Edessa"/>
-        <a:font script="Orya" typeface="Kalinga"/>
-        <a:font script="Mlym" typeface="Kartika"/>
-        <a:font script="Laoo" typeface="DokChampa"/>
-        <a:font script="Sinh" typeface="Iskoola Pota"/>
-        <a:font script="Mong" typeface="Mongolian Baiti"/>
-        <a:font script="Viet" typeface="Times New Roman"/>
-        <a:font script="Uigh" typeface="Microsoft Uighur"/>
-        <a:font script="Geor" typeface="Sylfaen"/>
-      </a:majorFont>
-      <a:minorFont>
-        <a:latin typeface="Arial"/>
-        <a:ea typeface=""/>
-        <a:cs typeface=""/>
-        <a:font script="Jpan" typeface="ＭＳ Ｐゴシック"/>
-        <a:font script="Hang" typeface="맑은 고딕"/>
-        <a:font script="Hans" typeface="宋体"/>
-        <a:font script="Hant" typeface="新細明體"/>
-        <a:font script="Arab" typeface="Arial"/>
-        <a:font script="Hebr" typeface="Arial"/>
-        <a:font script="Thai" typeface="Cordia New"/>
-        <a:font script="Ethi" typeface="Nyala"/>
-        <a:font script="Beng" typeface="Vrinda"/>
-        <a:font script="Gujr" typeface="Shruti"/>
-        <a:font script="Khmr" typeface="DaunPenh"/>
-        <a:font script="Knda" typeface="Tunga"/>
-        <a:font script="Guru" typeface="Raavi"/>
-        <a:font script="Cans" typeface="Euphemia"/>
-        <a:font script="Cher" typeface="Plantagenet Cherokee"/>
-        <a:font script="Yiii" typeface="Microsoft Yi Baiti"/>
-        <a:font script="Tibt" typeface="Microsoft Himalaya"/>
-        <a:font script="Thaa" typeface="MV Boli"/>
-        <a:font script="Deva" typeface="Mangal"/>
-        <a:font script="Telu" typeface="Gautami"/>
-        <a:font script="Taml" typeface="Latha"/>
-        <a:font script="Syrc" typeface="Estrangelo Edessa"/>
-        <a:font script="Orya" typeface="Kalinga"/>
-        <a:font script="Mlym" typeface="Kartika"/>
-        <a:font script="Laoo" typeface="DokChampa"/>
-        <a:font script="Sinh" typeface="Iskoola Pota"/>
-        <a:font script="Mong" typeface="Mongolian Baiti"/>
-        <a:font script="Viet" typeface="Arial"/>
-        <a:font script="Uigh" typeface="Microsoft Uighur"/>
-        <a:font script="Geor" typeface="Sylfaen"/>
-      </a:minorFont>
-    </a:fontScheme>
-    <a:fmtScheme name="Office">
-      <a:fillStyleLst>
-        <a:solidFill>
-          <a:schemeClr val="phClr"/>
-        </a:solidFill>
-        <a:gradFill rotWithShape="1">
-          <a:gsLst>
-            <a:gs pos="0">
-              <a:schemeClr val="phClr">
-                <a:tint val="50000"/>
-                <a:satMod val="300000"/>
-              </a:schemeClr>
-            </a:gs>
-            <a:gs pos="35000">
-              <a:schemeClr val="phClr">
-                <a:tint val="37000"/>
-                <a:satMod val="300000"/>
-              </a:schemeClr>
-            </a:gs>
-            <a:gs pos="100000">
-              <a:schemeClr val="phClr">
-                <a:tint val="15000"/>
-                <a:satMod val="350000"/>
-              </a:schemeClr>
-            </a:gs>
-          </a:gsLst>
-          <a:lin ang="16200000" scaled="1"/>
-        </a:gradFill>
-        <a:gradFill rotWithShape="1">
-          <a:gsLst>
-            <a:gs pos="0">
-              <a:schemeClr val="phClr">
-                <a:tint val="100000"/>
-                <a:shade val="100000"/>
-                <a:satMod val="130000"/>
-              </a:schemeClr>
-            </a:gs>
-            <a:gs pos="100000">
-              <a:schemeClr val="phClr">
-                <a:tint val="50000"/>
-                <a:shade val="100000"/>
-                <a:satMod val="350000"/>
-              </a:schemeClr>
-            </a:gs>
-          </a:gsLst>
-          <a:lin ang="16200000" scaled="0"/>
-        </a:gradFill>
-      </a:fillStyleLst>
-      <a:lnStyleLst>
-        <a:ln w="9525" cap="flat" cmpd="sng" algn="ctr">
-          <a:solidFill>
-            <a:schemeClr val="phClr">
-              <a:shade val="95000"/>
-              <a:satMod val="105000"/>
-            </a:schemeClr>
-          </a:solidFill>
-          <a:prstDash val="solid"/>
-        </a:ln>
-        <a:ln w="25400" cap="flat" cmpd="sng" algn="ctr">
-          <a:solidFill>
-            <a:schemeClr val="phClr"/>
-          </a:solidFill>
-          <a:prstDash val="solid"/>
-        </a:ln>
-        <a:ln w="38100" cap="flat" cmpd="sng" algn="ctr">
-          <a:solidFill>
-            <a:schemeClr val="phClr"/>
-          </a:solidFill>
-          <a:prstDash val="solid"/>
-        </a:ln>
-      </a:lnStyleLst>
-      <a:effectStyleLst>
-        <a:effectStyle>
-          <a:effectLst>
-            <a:outerShdw blurRad="40000" dist="20000" dir="5400000" rotWithShape="0">
-              <a:srgbClr val="000000">
-                <a:alpha val="38000"/>
-              </a:srgbClr>
-            </a:outerShdw>
-          </a:effectLst>
-        </a:effectStyle>
-        <a:effectStyle>
-          <a:effectLst>
-            <a:outerShdw blurRad="40000" dist="23000" dir="5400000" rotWithShape="0">
-              <a:srgbClr val="000000">
-                <a:alpha val="35000"/>
-              </a:srgbClr>
-            </a:outerShdw>
-          </a:effectLst>
-        </a:effectStyle>
-        <a:effectStyle>
-          <a:effectLst>
-            <a:outerShdw blurRad="40000" dist="23000" dir="5400000" rotWithShape="0">
-              <a:srgbClr val="000000">
-                <a:alpha val="35000"/>
-              </a:srgbClr>
-            </a:outerShdw>
-          </a:effectLst>
-          <a:scene3d>
-            <a:camera prst="orthographicFront">
-              <a:rot lat="0" lon="0" rev="0"/>
-            </a:camera>
-            <a:lightRig rig="threePt" dir="t">
-              <a:rot lat="0" lon="0" rev="1200000"/>
-            </a:lightRig>
-          </a:scene3d>
-          <a:sp3d>
-            <a:bevelT w="63500" h="25400"/>
-          </a:sp3d>
-        </a:effectStyle>
-      </a:effectStyleLst>
-      <a:bgFillStyleLst>
-        <a:solidFill>
-          <a:schemeClr val="phClr"/>
-        </a:solidFill>
-        <a:gradFill rotWithShape="1">
-          <a:gsLst>
-            <a:gs pos="0">
-              <a:schemeClr val="phClr">
-                <a:tint val="40000"/>
-                <a:satMod val="350000"/>
-              </a:schemeClr>
-            </a:gs>
-            <a:gs pos="40000">
-              <a:schemeClr val="phClr">
-                <a:tint val="45000"/>
-                <a:shade val="99000"/>
-                <a:satMod val="350000"/>
-              </a:schemeClr>
-            </a:gs>
-            <a:gs pos="100000">
-              <a:schemeClr val="phClr">
-                <a:shade val="20000"/>
-                <a:satMod val="255000"/>
-              </a:schemeClr>
-            </a:gs>
-          </a:gsLst>
-          <a:path path="circle">
-            <a:fillToRect l="50000" t="-80000" r="50000" b="180000"/>
-          </a:path>
-        </a:gradFill>
-        <a:gradFill rotWithShape="1">
-          <a:gsLst>
-            <a:gs pos="0">
-              <a:schemeClr val="phClr">
-                <a:tint val="80000"/>
-                <a:satMod val="300000"/>
-              </a:schemeClr>
-            </a:gs>
-            <a:gs pos="100000">
-              <a:schemeClr val="phClr">
-                <a:shade val="30000"/>
-                <a:satMod val="200000"/>
-              </a:schemeClr>
-            </a:gs>
-          </a:gsLst>
-          <a:path path="circle">
-            <a:fillToRect l="50000" t="50000" r="50000" b="50000"/>
-          </a:path>
-        </a:gradFill>
-      </a:bgFillStyleLst>
-    </a:fmtScheme>
-  </a:themeElements>
-</a:theme>
 </file>
--- a/User Stories.pptx
+++ b/User Stories.pptx
@@ -12045,7 +12045,7 @@
                 <a:cs typeface="Calibri"/>
                 <a:sym typeface="Calibri"/>
               </a:rPr>
-              <a:t>n admin, I should be able to upload a map of the city to the system so that people can see a map</a:t>
+              <a:t>n admin, I should be able to upload a map of the city to the system so that people can see a map.</a:t>
             </a:r>
           </a:p>
         </p:txBody>
@@ -12125,7 +12125,7 @@
                 <a:cs typeface="Calibri"/>
                 <a:sym typeface="Calibri"/>
               </a:rPr>
-              <a:t>Map should show whole city </a:t>
+              <a:t>Map should show whole city in any information item page </a:t>
             </a:r>
           </a:p>
           <a:p>
@@ -12607,7 +12607,7 @@
                 <a:cs typeface="Calibri"/>
                 <a:sym typeface="Calibri"/>
               </a:rPr>
-              <a:t> the website so that I can gain easy and quick access to it</a:t>
+              <a:t> the website so that I can gain easy and quick access to it.</a:t>
             </a:r>
           </a:p>
         </p:txBody>
@@ -12687,7 +12687,7 @@
                 <a:cs typeface="Calibri"/>
                 <a:sym typeface="Calibri"/>
               </a:rPr>
-              <a:t> no duplication</a:t>
+              <a:t>No duplication</a:t>
             </a:r>
           </a:p>
           <a:p>
@@ -12712,7 +12712,7 @@
                 <a:cs typeface="Calibri"/>
                 <a:sym typeface="Calibri"/>
               </a:rPr>
-              <a:t>able to favourite or bookmark specific web page in user account</a:t>
+              <a:t>Able to favourite or bookmark specific web page in user account</a:t>
             </a:r>
           </a:p>
           <a:p>
@@ -12737,7 +12737,7 @@
                 <a:cs typeface="Calibri"/>
                 <a:sym typeface="Calibri"/>
               </a:rPr>
-              <a:t>easily accessible area to re-select bookmarked item</a:t>
+              <a:t>Easily accessible area to re-select bookmarked item</a:t>
             </a:r>
           </a:p>
         </p:txBody>
@@ -13063,7 +13063,7 @@
                 <a:cs typeface="Calibri"/>
                 <a:sym typeface="Calibri"/>
               </a:rPr>
-              <a:t>Multilingual User Interface</a:t>
+              <a:t>Language options</a:t>
             </a:r>
           </a:p>
         </p:txBody>
@@ -13154,7 +13154,7 @@
                 <a:cs typeface="Calibri"/>
                 <a:sym typeface="Calibri"/>
               </a:rPr>
-              <a:t>to be able to view the site in my native language</a:t>
+              <a:t>to be able to view the site in my preferred language</a:t>
             </a:r>
             <a:r>
               <a:rPr b="0" i="0" lang="en-AU" sz="2400" u="none" cap="none" strike="noStrike">
@@ -13308,7 +13308,7 @@
                 <a:cs typeface="Calibri"/>
                 <a:sym typeface="Calibri"/>
               </a:rPr>
-              <a:t>Correctly selected language (not french when chinese selected)</a:t>
+              <a:t>Correctly selected language (not in French when Mandarin is selected)</a:t>
             </a:r>
           </a:p>
         </p:txBody>
@@ -13365,7 +13365,7 @@
                 <a:cs typeface="Calibri"/>
                 <a:sym typeface="Calibri"/>
               </a:rPr>
-              <a:t>Story Points: 9</a:t>
+              <a:t>Story Points: 10</a:t>
             </a:r>
           </a:p>
         </p:txBody>
@@ -13424,7 +13424,7 @@
             </a:r>
           </a:p>
           <a:p>
-            <a:pPr indent="-179387" lvl="0" marL="179387" marR="0" rtl="0" algn="l">
+            <a:pPr indent="-355600" lvl="0" marL="457200" marR="0" rtl="0" algn="l">
               <a:spcBef>
                 <a:spcPts val="0"/>
               </a:spcBef>
@@ -13432,8 +13432,8 @@
                 <a:schemeClr val="dk1"/>
               </a:buClr>
               <a:buSzPct val="100000"/>
-              <a:buFont typeface="Arial"/>
-              <a:buChar char="•"/>
+              <a:buFont typeface="Calibri"/>
+              <a:buChar char="●"/>
             </a:pPr>
             <a:r>
               <a:rPr lang="en-AU" sz="2000">
@@ -13445,7 +13445,7 @@
                 <a:cs typeface="Calibri"/>
                 <a:sym typeface="Calibri"/>
               </a:rPr>
-              <a:t> </a:t>
+              <a:t>Language options are limited to Spanish, Mandarin, French, English (unless specified by client)</a:t>
             </a:r>
           </a:p>
         </p:txBody>
@@ -13965,7 +13965,7 @@
                 <a:cs typeface="Calibri"/>
                 <a:sym typeface="Calibri"/>
               </a:rPr>
-              <a:t> validate user that feedback has been delivered </a:t>
+              <a:t> Validate user that feedback has been delivered </a:t>
             </a:r>
           </a:p>
         </p:txBody>
@@ -14112,7 +14112,7 @@
                 <a:cs typeface="Calibri"/>
                 <a:sym typeface="Calibri"/>
               </a:rPr>
-              <a:t>Could</a:t>
+              <a:t>Should</a:t>
             </a:r>
             <a:r>
               <a:rPr lang="en-AU" sz="2000">
@@ -14234,7 +14234,7 @@
                 <a:cs typeface="Calibri"/>
                 <a:sym typeface="Calibri"/>
               </a:rPr>
-              <a:t>Tour bookings</a:t>
+              <a:t>More variety of information</a:t>
             </a:r>
           </a:p>
         </p:txBody>
@@ -14313,7 +14313,7 @@
                 <a:cs typeface="Calibri"/>
                 <a:sym typeface="Calibri"/>
               </a:rPr>
-              <a:t> I want to be able to </a:t>
+              <a:t> I want to be able to get access to more variety of inf</a:t>
             </a:r>
             <a:r>
               <a:rPr lang="en-AU" sz="2400">
@@ -14325,7 +14325,7 @@
                 <a:cs typeface="Calibri"/>
                 <a:sym typeface="Calibri"/>
               </a:rPr>
-              <a:t>book tours on the website so that I do not have to look for an external agent myself</a:t>
+              <a:t>ormation on available city services so that I do not have to look for those information elsewhere.</a:t>
             </a:r>
           </a:p>
         </p:txBody>
@@ -14405,7 +14405,7 @@
                 <a:cs typeface="Calibri"/>
                 <a:sym typeface="Calibri"/>
               </a:rPr>
-              <a:t> Link user straight through to a booking agent of choice/book through site</a:t>
+              <a:t> Ensure scalability to include variety of services such as public transport services, health services and much more.</a:t>
             </a:r>
           </a:p>
         </p:txBody>
@@ -14462,7 +14462,7 @@
                 <a:cs typeface="Calibri"/>
                 <a:sym typeface="Calibri"/>
               </a:rPr>
-              <a:t>Story Points: 3</a:t>
+              <a:t>Story Points: 5</a:t>
             </a:r>
           </a:p>
         </p:txBody>
@@ -14518,31 +14518,6 @@
                 <a:sym typeface="Calibri"/>
               </a:rPr>
               <a:t>Notes</a:t>
-            </a:r>
-          </a:p>
-          <a:p>
-            <a:pPr indent="-179387" lvl="0" marL="179387" marR="0" rtl="0" algn="l">
-              <a:spcBef>
-                <a:spcPts val="0"/>
-              </a:spcBef>
-              <a:buClr>
-                <a:schemeClr val="dk1"/>
-              </a:buClr>
-              <a:buSzPct val="100000"/>
-              <a:buFont typeface="Arial"/>
-              <a:buChar char="•"/>
-            </a:pPr>
-            <a:r>
-              <a:rPr lang="en-AU" sz="2000">
-                <a:solidFill>
-                  <a:schemeClr val="dk1"/>
-                </a:solidFill>
-                <a:latin typeface="Calibri"/>
-                <a:ea typeface="Calibri"/>
-                <a:cs typeface="Calibri"/>
-                <a:sym typeface="Calibri"/>
-              </a:rPr>
-              <a:t> </a:t>
             </a:r>
           </a:p>
         </p:txBody>
@@ -14689,7 +14664,7 @@
                 <a:cs typeface="Calibri"/>
                 <a:sym typeface="Calibri"/>
               </a:rPr>
-              <a:t>O6</a:t>
+              <a:t>O5</a:t>
             </a:r>
           </a:p>
         </p:txBody>
@@ -15029,31 +15004,6 @@
                 <a:sym typeface="Calibri"/>
               </a:rPr>
               <a:t>Notes</a:t>
-            </a:r>
-          </a:p>
-          <a:p>
-            <a:pPr indent="-179387" lvl="0" marL="179387" marR="0" rtl="0" algn="l">
-              <a:spcBef>
-                <a:spcPts val="0"/>
-              </a:spcBef>
-              <a:buClr>
-                <a:schemeClr val="dk1"/>
-              </a:buClr>
-              <a:buSzPct val="100000"/>
-              <a:buFont typeface="Arial"/>
-              <a:buChar char="•"/>
-            </a:pPr>
-            <a:r>
-              <a:rPr lang="en-AU" sz="2000">
-                <a:solidFill>
-                  <a:schemeClr val="dk1"/>
-                </a:solidFill>
-                <a:latin typeface="Calibri"/>
-                <a:ea typeface="Calibri"/>
-                <a:cs typeface="Calibri"/>
-                <a:sym typeface="Calibri"/>
-              </a:rPr>
-              <a:t> </a:t>
             </a:r>
           </a:p>
         </p:txBody>
@@ -19611,7 +19561,7 @@
             </a:r>
           </a:p>
           <a:p>
-            <a:pPr indent="-179387" lvl="0" marL="179387" marR="0" rtl="0" algn="l">
+            <a:pPr indent="-166687" lvl="0" marL="179387" marR="0" rtl="0" algn="l">
               <a:spcBef>
                 <a:spcPts val="0"/>
               </a:spcBef>
@@ -19623,28 +19573,16 @@
               <a:buChar char="•"/>
             </a:pPr>
             <a:r>
-              <a:rPr lang="en-AU" sz="2000">
-                <a:solidFill>
-                  <a:schemeClr val="dk1"/>
-                </a:solidFill>
-                <a:latin typeface="Calibri"/>
-                <a:ea typeface="Calibri"/>
-                <a:cs typeface="Calibri"/>
-                <a:sym typeface="Calibri"/>
-              </a:rPr>
-              <a:t> </a:t>
-            </a:r>
-            <a:r>
-              <a:rPr lang="en-AU" sz="2400">
-                <a:solidFill>
-                  <a:schemeClr val="dk1"/>
-                </a:solidFill>
-                <a:latin typeface="Calibri"/>
-                <a:ea typeface="Calibri"/>
-                <a:cs typeface="Calibri"/>
-                <a:sym typeface="Calibri"/>
-              </a:rPr>
-              <a:t>Information is defined by city information, hotel, libraries, industries and colleges.</a:t>
+              <a:rPr lang="en-AU" sz="1800">
+                <a:solidFill>
+                  <a:schemeClr val="dk1"/>
+                </a:solidFill>
+                <a:latin typeface="Calibri"/>
+                <a:ea typeface="Calibri"/>
+                <a:cs typeface="Calibri"/>
+                <a:sym typeface="Calibri"/>
+              </a:rPr>
+              <a:t> Information is defined by city information, hotel, libraries, industries and colleges.</a:t>
             </a:r>
           </a:p>
         </p:txBody>
@@ -19658,6 +19596,285 @@
 </file>
 
 <file path=ppt/theme/theme1.xml><?xml version="1.0" encoding="utf-8"?>
+<a:theme xmlns:a="http://schemas.openxmlformats.org/drawingml/2006/main" xmlns:r="http://schemas.openxmlformats.org/officeDocument/2006/relationships" name="Custom Theme">
+  <a:themeElements>
+    <a:clrScheme name="Default">
+      <a:dk1>
+        <a:srgbClr val="000000"/>
+      </a:dk1>
+      <a:lt1>
+        <a:srgbClr val="FFFFFF"/>
+      </a:lt1>
+      <a:dk2>
+        <a:srgbClr val="158158"/>
+      </a:dk2>
+      <a:lt2>
+        <a:srgbClr val="F3F3F3"/>
+      </a:lt2>
+      <a:accent1>
+        <a:srgbClr val="058DC7"/>
+      </a:accent1>
+      <a:accent2>
+        <a:srgbClr val="50B432"/>
+      </a:accent2>
+      <a:accent3>
+        <a:srgbClr val="ED561B"/>
+      </a:accent3>
+      <a:accent4>
+        <a:srgbClr val="EDEF00"/>
+      </a:accent4>
+      <a:accent5>
+        <a:srgbClr val="24CBE5"/>
+      </a:accent5>
+      <a:accent6>
+        <a:srgbClr val="64E572"/>
+      </a:accent6>
+      <a:hlink>
+        <a:srgbClr val="2200CC"/>
+      </a:hlink>
+      <a:folHlink>
+        <a:srgbClr val="551A8B"/>
+      </a:folHlink>
+    </a:clrScheme>
+    <a:fontScheme name="Office">
+      <a:majorFont>
+        <a:latin typeface="Arial"/>
+        <a:ea typeface=""/>
+        <a:cs typeface=""/>
+        <a:font script="Jpan" typeface="ＭＳ Ｐゴシック"/>
+        <a:font script="Hang" typeface="맑은 고딕"/>
+        <a:font script="Hans" typeface="宋体"/>
+        <a:font script="Hant" typeface="新細明體"/>
+        <a:font script="Arab" typeface="Times New Roman"/>
+        <a:font script="Hebr" typeface="Times New Roman"/>
+        <a:font script="Thai" typeface="Angsana New"/>
+        <a:font script="Ethi" typeface="Nyala"/>
+        <a:font script="Beng" typeface="Vrinda"/>
+        <a:font script="Gujr" typeface="Shruti"/>
+        <a:font script="Khmr" typeface="MoolBoran"/>
+        <a:font script="Knda" typeface="Tunga"/>
+        <a:font script="Guru" typeface="Raavi"/>
+        <a:font script="Cans" typeface="Euphemia"/>
+        <a:font script="Cher" typeface="Plantagenet Cherokee"/>
+        <a:font script="Yiii" typeface="Microsoft Yi Baiti"/>
+        <a:font script="Tibt" typeface="Microsoft Himalaya"/>
+        <a:font script="Thaa" typeface="MV Boli"/>
+        <a:font script="Deva" typeface="Mangal"/>
+        <a:font script="Telu" typeface="Gautami"/>
+        <a:font script="Taml" typeface="Latha"/>
+        <a:font script="Syrc" typeface="Estrangelo Edessa"/>
+        <a:font script="Orya" typeface="Kalinga"/>
+        <a:font script="Mlym" typeface="Kartika"/>
+        <a:font script="Laoo" typeface="DokChampa"/>
+        <a:font script="Sinh" typeface="Iskoola Pota"/>
+        <a:font script="Mong" typeface="Mongolian Baiti"/>
+        <a:font script="Viet" typeface="Times New Roman"/>
+        <a:font script="Uigh" typeface="Microsoft Uighur"/>
+        <a:font script="Geor" typeface="Sylfaen"/>
+      </a:majorFont>
+      <a:minorFont>
+        <a:latin typeface="Arial"/>
+        <a:ea typeface=""/>
+        <a:cs typeface=""/>
+        <a:font script="Jpan" typeface="ＭＳ Ｐゴシック"/>
+        <a:font script="Hang" typeface="맑은 고딕"/>
+        <a:font script="Hans" typeface="宋体"/>
+        <a:font script="Hant" typeface="新細明體"/>
+        <a:font script="Arab" typeface="Arial"/>
+        <a:font script="Hebr" typeface="Arial"/>
+        <a:font script="Thai" typeface="Cordia New"/>
+        <a:font script="Ethi" typeface="Nyala"/>
+        <a:font script="Beng" typeface="Vrinda"/>
+        <a:font script="Gujr" typeface="Shruti"/>
+        <a:font script="Khmr" typeface="DaunPenh"/>
+        <a:font script="Knda" typeface="Tunga"/>
+        <a:font script="Guru" typeface="Raavi"/>
+        <a:font script="Cans" typeface="Euphemia"/>
+        <a:font script="Cher" typeface="Plantagenet Cherokee"/>
+        <a:font script="Yiii" typeface="Microsoft Yi Baiti"/>
+        <a:font script="Tibt" typeface="Microsoft Himalaya"/>
+        <a:font script="Thaa" typeface="MV Boli"/>
+        <a:font script="Deva" typeface="Mangal"/>
+        <a:font script="Telu" typeface="Gautami"/>
+        <a:font script="Taml" typeface="Latha"/>
+        <a:font script="Syrc" typeface="Estrangelo Edessa"/>
+        <a:font script="Orya" typeface="Kalinga"/>
+        <a:font script="Mlym" typeface="Kartika"/>
+        <a:font script="Laoo" typeface="DokChampa"/>
+        <a:font script="Sinh" typeface="Iskoola Pota"/>
+        <a:font script="Mong" typeface="Mongolian Baiti"/>
+        <a:font script="Viet" typeface="Arial"/>
+        <a:font script="Uigh" typeface="Microsoft Uighur"/>
+        <a:font script="Geor" typeface="Sylfaen"/>
+      </a:minorFont>
+    </a:fontScheme>
+    <a:fmtScheme name="Office">
+      <a:fillStyleLst>
+        <a:solidFill>
+          <a:schemeClr val="phClr"/>
+        </a:solidFill>
+        <a:gradFill rotWithShape="1">
+          <a:gsLst>
+            <a:gs pos="0">
+              <a:schemeClr val="phClr">
+                <a:tint val="50000"/>
+                <a:satMod val="300000"/>
+              </a:schemeClr>
+            </a:gs>
+            <a:gs pos="35000">
+              <a:schemeClr val="phClr">
+                <a:tint val="37000"/>
+                <a:satMod val="300000"/>
+              </a:schemeClr>
+            </a:gs>
+            <a:gs pos="100000">
+              <a:schemeClr val="phClr">
+                <a:tint val="15000"/>
+                <a:satMod val="350000"/>
+              </a:schemeClr>
+            </a:gs>
+          </a:gsLst>
+          <a:lin ang="16200000" scaled="1"/>
+        </a:gradFill>
+        <a:gradFill rotWithShape="1">
+          <a:gsLst>
+            <a:gs pos="0">
+              <a:schemeClr val="phClr">
+                <a:tint val="100000"/>
+                <a:shade val="100000"/>
+                <a:satMod val="130000"/>
+              </a:schemeClr>
+            </a:gs>
+            <a:gs pos="100000">
+              <a:schemeClr val="phClr">
+                <a:tint val="50000"/>
+                <a:shade val="100000"/>
+                <a:satMod val="350000"/>
+              </a:schemeClr>
+            </a:gs>
+          </a:gsLst>
+          <a:lin ang="16200000" scaled="0"/>
+        </a:gradFill>
+      </a:fillStyleLst>
+      <a:lnStyleLst>
+        <a:ln w="9525" cap="flat" cmpd="sng" algn="ctr">
+          <a:solidFill>
+            <a:schemeClr val="phClr">
+              <a:shade val="95000"/>
+              <a:satMod val="105000"/>
+            </a:schemeClr>
+          </a:solidFill>
+          <a:prstDash val="solid"/>
+        </a:ln>
+        <a:ln w="25400" cap="flat" cmpd="sng" algn="ctr">
+          <a:solidFill>
+            <a:schemeClr val="phClr"/>
+          </a:solidFill>
+          <a:prstDash val="solid"/>
+        </a:ln>
+        <a:ln w="38100" cap="flat" cmpd="sng" algn="ctr">
+          <a:solidFill>
+            <a:schemeClr val="phClr"/>
+          </a:solidFill>
+          <a:prstDash val="solid"/>
+        </a:ln>
+      </a:lnStyleLst>
+      <a:effectStyleLst>
+        <a:effectStyle>
+          <a:effectLst>
+            <a:outerShdw blurRad="40000" dist="20000" dir="5400000" rotWithShape="0">
+              <a:srgbClr val="000000">
+                <a:alpha val="38000"/>
+              </a:srgbClr>
+            </a:outerShdw>
+          </a:effectLst>
+        </a:effectStyle>
+        <a:effectStyle>
+          <a:effectLst>
+            <a:outerShdw blurRad="40000" dist="23000" dir="5400000" rotWithShape="0">
+              <a:srgbClr val="000000">
+                <a:alpha val="35000"/>
+              </a:srgbClr>
+            </a:outerShdw>
+          </a:effectLst>
+        </a:effectStyle>
+        <a:effectStyle>
+          <a:effectLst>
+            <a:outerShdw blurRad="40000" dist="23000" dir="5400000" rotWithShape="0">
+              <a:srgbClr val="000000">
+                <a:alpha val="35000"/>
+              </a:srgbClr>
+            </a:outerShdw>
+          </a:effectLst>
+          <a:scene3d>
+            <a:camera prst="orthographicFront">
+              <a:rot lat="0" lon="0" rev="0"/>
+            </a:camera>
+            <a:lightRig rig="threePt" dir="t">
+              <a:rot lat="0" lon="0" rev="1200000"/>
+            </a:lightRig>
+          </a:scene3d>
+          <a:sp3d>
+            <a:bevelT w="63500" h="25400"/>
+          </a:sp3d>
+        </a:effectStyle>
+      </a:effectStyleLst>
+      <a:bgFillStyleLst>
+        <a:solidFill>
+          <a:schemeClr val="phClr"/>
+        </a:solidFill>
+        <a:gradFill rotWithShape="1">
+          <a:gsLst>
+            <a:gs pos="0">
+              <a:schemeClr val="phClr">
+                <a:tint val="40000"/>
+                <a:satMod val="350000"/>
+              </a:schemeClr>
+            </a:gs>
+            <a:gs pos="40000">
+              <a:schemeClr val="phClr">
+                <a:tint val="45000"/>
+                <a:shade val="99000"/>
+                <a:satMod val="350000"/>
+              </a:schemeClr>
+            </a:gs>
+            <a:gs pos="100000">
+              <a:schemeClr val="phClr">
+                <a:shade val="20000"/>
+                <a:satMod val="255000"/>
+              </a:schemeClr>
+            </a:gs>
+          </a:gsLst>
+          <a:path path="circle">
+            <a:fillToRect l="50000" t="-80000" r="50000" b="180000"/>
+          </a:path>
+        </a:gradFill>
+        <a:gradFill rotWithShape="1">
+          <a:gsLst>
+            <a:gs pos="0">
+              <a:schemeClr val="phClr">
+                <a:tint val="80000"/>
+                <a:satMod val="300000"/>
+              </a:schemeClr>
+            </a:gs>
+            <a:gs pos="100000">
+              <a:schemeClr val="phClr">
+                <a:shade val="30000"/>
+                <a:satMod val="200000"/>
+              </a:schemeClr>
+            </a:gs>
+          </a:gsLst>
+          <a:path path="circle">
+            <a:fillToRect l="50000" t="50000" r="50000" b="50000"/>
+          </a:path>
+        </a:gradFill>
+      </a:bgFillStyleLst>
+    </a:fmtScheme>
+  </a:themeElements>
+</a:theme>
+</file>
+
+<file path=ppt/theme/theme2.xml><?xml version="1.0" encoding="utf-8"?>
 <a:theme xmlns:a="http://schemas.openxmlformats.org/drawingml/2006/main" xmlns:r="http://schemas.openxmlformats.org/officeDocument/2006/relationships" name="Office Theme">
   <a:themeElements>
     <a:clrScheme name="Office">
@@ -19934,283 +20151,4 @@
     </a:fmtScheme>
   </a:themeElements>
 </a:theme>
-</file>
-
-<file path=ppt/theme/theme2.xml><?xml version="1.0" encoding="utf-8"?>
-<a:theme xmlns:a="http://schemas.openxmlformats.org/drawingml/2006/main" xmlns:r="http://schemas.openxmlformats.org/officeDocument/2006/relationships" name="Custom Theme">
-  <a:themeElements>
-    <a:clrScheme name="Default">
-      <a:dk1>
-        <a:srgbClr val="000000"/>
-      </a:dk1>
-      <a:lt1>
-        <a:srgbClr val="FFFFFF"/>
-      </a:lt1>
-      <a:dk2>
-        <a:srgbClr val="158158"/>
-      </a:dk2>
-      <a:lt2>
-        <a:srgbClr val="F3F3F3"/>
-      </a:lt2>
-      <a:accent1>
-        <a:srgbClr val="058DC7"/>
-      </a:accent1>
-      <a:accent2>
-        <a:srgbClr val="50B432"/>
-      </a:accent2>
-      <a:accent3>
-        <a:srgbClr val="ED561B"/>
-      </a:accent3>
-      <a:accent4>
-        <a:srgbClr val="EDEF00"/>
-      </a:accent4>
-      <a:accent5>
-        <a:srgbClr val="24CBE5"/>
-      </a:accent5>
-      <a:accent6>
-        <a:srgbClr val="64E572"/>
-      </a:accent6>
-      <a:hlink>
-        <a:srgbClr val="2200CC"/>
-      </a:hlink>
-      <a:folHlink>
-        <a:srgbClr val="551A8B"/>
-      </a:folHlink>
-    </a:clrScheme>
-    <a:fontScheme name="Office">
-      <a:majorFont>
-        <a:latin typeface="Arial"/>
-        <a:ea typeface=""/>
-        <a:cs typeface=""/>
-        <a:font script="Jpan" typeface="ＭＳ Ｐゴシック"/>
-        <a:font script="Hang" typeface="맑은 고딕"/>
-        <a:font script="Hans" typeface="宋体"/>
-        <a:font script="Hant" typeface="新細明體"/>
-        <a:font script="Arab" typeface="Times New Roman"/>
-        <a:font script="Hebr" typeface="Times New Roman"/>
-        <a:font script="Thai" typeface="Angsana New"/>
-        <a:font script="Ethi" typeface="Nyala"/>
-        <a:font script="Beng" typeface="Vrinda"/>
-        <a:font script="Gujr" typeface="Shruti"/>
-        <a:font script="Khmr" typeface="MoolBoran"/>
-        <a:font script="Knda" typeface="Tunga"/>
-        <a:font script="Guru" typeface="Raavi"/>
-        <a:font script="Cans" typeface="Euphemia"/>
-        <a:font script="Cher" typeface="Plantagenet Cherokee"/>
-        <a:font script="Yiii" typeface="Microsoft Yi Baiti"/>
-        <a:font script="Tibt" typeface="Microsoft Himalaya"/>
-        <a:font script="Thaa" typeface="MV Boli"/>
-        <a:font script="Deva" typeface="Mangal"/>
-        <a:font script="Telu" typeface="Gautami"/>
-        <a:font script="Taml" typeface="Latha"/>
-        <a:font script="Syrc" typeface="Estrangelo Edessa"/>
-        <a:font script="Orya" typeface="Kalinga"/>
-        <a:font script="Mlym" typeface="Kartika"/>
-        <a:font script="Laoo" typeface="DokChampa"/>
-        <a:font script="Sinh" typeface="Iskoola Pota"/>
-        <a:font script="Mong" typeface="Mongolian Baiti"/>
-        <a:font script="Viet" typeface="Times New Roman"/>
-        <a:font script="Uigh" typeface="Microsoft Uighur"/>
-        <a:font script="Geor" typeface="Sylfaen"/>
-      </a:majorFont>
-      <a:minorFont>
-        <a:latin typeface="Arial"/>
-        <a:ea typeface=""/>
-        <a:cs typeface=""/>
-        <a:font script="Jpan" typeface="ＭＳ Ｐゴシック"/>
-        <a:font script="Hang" typeface="맑은 고딕"/>
-        <a:font script="Hans" typeface="宋体"/>
-        <a:font script="Hant" typeface="新細明體"/>
-        <a:font script="Arab" typeface="Arial"/>
-        <a:font script="Hebr" typeface="Arial"/>
-        <a:font script="Thai" typeface="Cordia New"/>
-        <a:font script="Ethi" typeface="Nyala"/>
-        <a:font script="Beng" typeface="Vrinda"/>
-        <a:font script="Gujr" typeface="Shruti"/>
-        <a:font script="Khmr" typeface="DaunPenh"/>
-        <a:font script="Knda" typeface="Tunga"/>
-        <a:font script="Guru" typeface="Raavi"/>
-        <a:font script="Cans" typeface="Euphemia"/>
-        <a:font script="Cher" typeface="Plantagenet Cherokee"/>
-        <a:font script="Yiii" typeface="Microsoft Yi Baiti"/>
-        <a:font script="Tibt" typeface="Microsoft Himalaya"/>
-        <a:font script="Thaa" typeface="MV Boli"/>
-        <a:font script="Deva" typeface="Mangal"/>
-        <a:font script="Telu" typeface="Gautami"/>
-        <a:font script="Taml" typeface="Latha"/>
-        <a:font script="Syrc" typeface="Estrangelo Edessa"/>
-        <a:font script="Orya" typeface="Kalinga"/>
-        <a:font script="Mlym" typeface="Kartika"/>
-        <a:font script="Laoo" typeface="DokChampa"/>
-        <a:font script="Sinh" typeface="Iskoola Pota"/>
-        <a:font script="Mong" typeface="Mongolian Baiti"/>
-        <a:font script="Viet" typeface="Arial"/>
-        <a:font script="Uigh" typeface="Microsoft Uighur"/>
-        <a:font script="Geor" typeface="Sylfaen"/>
-      </a:minorFont>
-    </a:fontScheme>
-    <a:fmtScheme name="Office">
-      <a:fillStyleLst>
-        <a:solidFill>
-          <a:schemeClr val="phClr"/>
-        </a:solidFill>
-        <a:gradFill rotWithShape="1">
-          <a:gsLst>
-            <a:gs pos="0">
-              <a:schemeClr val="phClr">
-                <a:tint val="50000"/>
-                <a:satMod val="300000"/>
-              </a:schemeClr>
-            </a:gs>
-            <a:gs pos="35000">
-              <a:schemeClr val="phClr">
-                <a:tint val="37000"/>
-                <a:satMod val="300000"/>
-              </a:schemeClr>
-            </a:gs>
-            <a:gs pos="100000">
-              <a:schemeClr val="phClr">
-                <a:tint val="15000"/>
-                <a:satMod val="350000"/>
-              </a:schemeClr>
-            </a:gs>
-          </a:gsLst>
-          <a:lin ang="16200000" scaled="1"/>
-        </a:gradFill>
-        <a:gradFill rotWithShape="1">
-          <a:gsLst>
-            <a:gs pos="0">
-              <a:schemeClr val="phClr">
-                <a:tint val="100000"/>
-                <a:shade val="100000"/>
-                <a:satMod val="130000"/>
-              </a:schemeClr>
-            </a:gs>
-            <a:gs pos="100000">
-              <a:schemeClr val="phClr">
-                <a:tint val="50000"/>
-                <a:shade val="100000"/>
-                <a:satMod val="350000"/>
-              </a:schemeClr>
-            </a:gs>
-          </a:gsLst>
-          <a:lin ang="16200000" scaled="0"/>
-        </a:gradFill>
-      </a:fillStyleLst>
-      <a:lnStyleLst>
-        <a:ln w="9525" cap="flat" cmpd="sng" algn="ctr">
-          <a:solidFill>
-            <a:schemeClr val="phClr">
-              <a:shade val="95000"/>
-              <a:satMod val="105000"/>
-            </a:schemeClr>
-          </a:solidFill>
-          <a:prstDash val="solid"/>
-        </a:ln>
-        <a:ln w="25400" cap="flat" cmpd="sng" algn="ctr">
-          <a:solidFill>
-            <a:schemeClr val="phClr"/>
-          </a:solidFill>
-          <a:prstDash val="solid"/>
-        </a:ln>
-        <a:ln w="38100" cap="flat" cmpd="sng" algn="ctr">
-          <a:solidFill>
-            <a:schemeClr val="phClr"/>
-          </a:solidFill>
-          <a:prstDash val="solid"/>
-        </a:ln>
-      </a:lnStyleLst>
-      <a:effectStyleLst>
-        <a:effectStyle>
-          <a:effectLst>
-            <a:outerShdw blurRad="40000" dist="20000" dir="5400000" rotWithShape="0">
-              <a:srgbClr val="000000">
-                <a:alpha val="38000"/>
-              </a:srgbClr>
-            </a:outerShdw>
-          </a:effectLst>
-        </a:effectStyle>
-        <a:effectStyle>
-          <a:effectLst>
-            <a:outerShdw blurRad="40000" dist="23000" dir="5400000" rotWithShape="0">
-              <a:srgbClr val="000000">
-                <a:alpha val="35000"/>
-              </a:srgbClr>
-            </a:outerShdw>
-          </a:effectLst>
-        </a:effectStyle>
-        <a:effectStyle>
-          <a:effectLst>
-            <a:outerShdw blurRad="40000" dist="23000" dir="5400000" rotWithShape="0">
-              <a:srgbClr val="000000">
-                <a:alpha val="35000"/>
-              </a:srgbClr>
-            </a:outerShdw>
-          </a:effectLst>
-          <a:scene3d>
-            <a:camera prst="orthographicFront">
-              <a:rot lat="0" lon="0" rev="0"/>
-            </a:camera>
-            <a:lightRig rig="threePt" dir="t">
-              <a:rot lat="0" lon="0" rev="1200000"/>
-            </a:lightRig>
-          </a:scene3d>
-          <a:sp3d>
-            <a:bevelT w="63500" h="25400"/>
-          </a:sp3d>
-        </a:effectStyle>
-      </a:effectStyleLst>
-      <a:bgFillStyleLst>
-        <a:solidFill>
-          <a:schemeClr val="phClr"/>
-        </a:solidFill>
-        <a:gradFill rotWithShape="1">
-          <a:gsLst>
-            <a:gs pos="0">
-              <a:schemeClr val="phClr">
-                <a:tint val="40000"/>
-                <a:satMod val="350000"/>
-              </a:schemeClr>
-            </a:gs>
-            <a:gs pos="40000">
-              <a:schemeClr val="phClr">
-                <a:tint val="45000"/>
-                <a:shade val="99000"/>
-                <a:satMod val="350000"/>
-              </a:schemeClr>
-            </a:gs>
-            <a:gs pos="100000">
-              <a:schemeClr val="phClr">
-                <a:shade val="20000"/>
-                <a:satMod val="255000"/>
-              </a:schemeClr>
-            </a:gs>
-          </a:gsLst>
-          <a:path path="circle">
-            <a:fillToRect l="50000" t="-80000" r="50000" b="180000"/>
-          </a:path>
-        </a:gradFill>
-        <a:gradFill rotWithShape="1">
-          <a:gsLst>
-            <a:gs pos="0">
-              <a:schemeClr val="phClr">
-                <a:tint val="80000"/>
-                <a:satMod val="300000"/>
-              </a:schemeClr>
-            </a:gs>
-            <a:gs pos="100000">
-              <a:schemeClr val="phClr">
-                <a:shade val="30000"/>
-                <a:satMod val="200000"/>
-              </a:schemeClr>
-            </a:gs>
-          </a:gsLst>
-          <a:path path="circle">
-            <a:fillToRect l="50000" t="50000" r="50000" b="50000"/>
-          </a:path>
-        </a:gradFill>
-      </a:bgFillStyleLst>
-    </a:fmtScheme>
-  </a:themeElements>
-</a:theme>
 </file>
--- a/User Stories.pptx
+++ b/User Stories.pptx
@@ -11687,7 +11687,7 @@
             </a:pPr>
             <a:r>
               <a:rPr lang="en-AU" sz="2000"/>
-              <a:t>S - System designs </a:t>
+              <a:t>S - System administration end </a:t>
             </a:r>
           </a:p>
           <a:p>
@@ -12207,7 +12207,7 @@
                 <a:cs typeface="Calibri"/>
                 <a:sym typeface="Calibri"/>
               </a:rPr>
-              <a:t>Story Points: 4</a:t>
+              <a:t>Story Points: 2</a:t>
             </a:r>
           </a:p>
         </p:txBody>
@@ -13365,7 +13365,7 @@
                 <a:cs typeface="Calibri"/>
                 <a:sym typeface="Calibri"/>
               </a:rPr>
-              <a:t>Story Points: 10</a:t>
+              <a:t>Story Points: 4</a:t>
             </a:r>
           </a:p>
         </p:txBody>
@@ -13445,7 +13445,31 @@
                 <a:cs typeface="Calibri"/>
                 <a:sym typeface="Calibri"/>
               </a:rPr>
-              <a:t>Language options are limited to Spanish, Mandarin, French, English (unless specified by client)</a:t>
+              <a:t>Language options are limited to </a:t>
+            </a:r>
+            <a:r>
+              <a:rPr lang="en-AU" sz="2000">
+                <a:solidFill>
+                  <a:schemeClr val="dk1"/>
+                </a:solidFill>
+                <a:latin typeface="Calibri"/>
+                <a:ea typeface="Calibri"/>
+                <a:cs typeface="Calibri"/>
+                <a:sym typeface="Calibri"/>
+              </a:rPr>
+              <a:t>three different types </a:t>
+            </a:r>
+            <a:r>
+              <a:rPr lang="en-AU" sz="2000">
+                <a:solidFill>
+                  <a:schemeClr val="dk1"/>
+                </a:solidFill>
+                <a:latin typeface="Calibri"/>
+                <a:ea typeface="Calibri"/>
+                <a:cs typeface="Calibri"/>
+                <a:sym typeface="Calibri"/>
+              </a:rPr>
+              <a:t>(specified by client)</a:t>
             </a:r>
           </a:p>
         </p:txBody>
@@ -13830,7 +13854,7 @@
                 <a:cs typeface="Calibri"/>
                 <a:sym typeface="Calibri"/>
               </a:rPr>
-              <a:t>Story Points: 1</a:t>
+              <a:t>Story Points: 2</a:t>
             </a:r>
           </a:p>
         </p:txBody>
@@ -14462,7 +14486,7 @@
                 <a:cs typeface="Calibri"/>
                 <a:sym typeface="Calibri"/>
               </a:rPr>
-              <a:t>Story Points: 5</a:t>
+              <a:t>Story Points: 2</a:t>
             </a:r>
           </a:p>
         </p:txBody>
@@ -14948,7 +14972,7 @@
                 <a:cs typeface="Calibri"/>
                 <a:sym typeface="Calibri"/>
               </a:rPr>
-              <a:t>Story Points: 5</a:t>
+              <a:t>Story Points: 2</a:t>
             </a:r>
           </a:p>
         </p:txBody>
@@ -15426,7 +15450,7 @@
                 <a:cs typeface="Calibri"/>
                 <a:sym typeface="Calibri"/>
               </a:rPr>
-              <a:t>Story Points: 3</a:t>
+              <a:t>Story Points: 4</a:t>
             </a:r>
           </a:p>
         </p:txBody>
@@ -16008,7 +16032,7 @@
                 <a:cs typeface="Calibri"/>
                 <a:sym typeface="Calibri"/>
               </a:rPr>
-              <a:t>Story Points: 3</a:t>
+              <a:t>Story Points: 1</a:t>
             </a:r>
           </a:p>
         </p:txBody>
@@ -16566,7 +16590,7 @@
                 <a:cs typeface="Calibri"/>
                 <a:sym typeface="Calibri"/>
               </a:rPr>
-              <a:t>Story Points: 5</a:t>
+              <a:t>Story Points: 4</a:t>
             </a:r>
           </a:p>
         </p:txBody>
@@ -17151,7 +17175,7 @@
                 <a:cs typeface="Calibri"/>
                 <a:sym typeface="Calibri"/>
               </a:rPr>
-              <a:t>Story Points: 4</a:t>
+              <a:t>Story Points: 2</a:t>
             </a:r>
           </a:p>
         </p:txBody>
@@ -18398,7 +18422,7 @@
                 <a:cs typeface="Calibri"/>
                 <a:sym typeface="Calibri"/>
               </a:rPr>
-              <a:t>Story Points: 1</a:t>
+              <a:t>Story Points: 2</a:t>
             </a:r>
           </a:p>
         </p:txBody>
@@ -18929,7 +18953,7 @@
                 <a:cs typeface="Calibri"/>
                 <a:sym typeface="Calibri"/>
               </a:rPr>
-              <a:t>Story Points: 1</a:t>
+              <a:t>Story Points: 2</a:t>
             </a:r>
           </a:p>
         </p:txBody>
@@ -19502,7 +19526,7 @@
                 <a:cs typeface="Calibri"/>
                 <a:sym typeface="Calibri"/>
               </a:rPr>
-              <a:t>Story Points: 3</a:t>
+              <a:t>Story Points: 2</a:t>
             </a:r>
           </a:p>
         </p:txBody>
